--- a/marketing.pptx
+++ b/marketing.pptx
@@ -105,6 +105,11 @@
       </a:defRPr>
     </a:lvl9pPr>
   </p:defaultTextStyle>
+  <p:extLst>
+    <p:ext uri="{EFAFB233-063F-42B5-8137-9DF3F51BA10A}">
+      <p15:sldGuideLst xmlns:p15="http://schemas.microsoft.com/office/powerpoint/2012/main"/>
+    </p:ext>
+  </p:extLst>
 </p:presentation>
 </file>
 
@@ -5663,7 +5668,7 @@
                     <a:p>
                       <a:pPr algn="l" fontAlgn="b"/>
                       <a:r>
-                        <a:rPr lang="en-US" sz="2000" b="0" i="0" u="none" strike="noStrike">
+                        <a:rPr lang="en-US" sz="2000" b="0" i="0" u="none" strike="noStrike" dirty="0">
                           <a:solidFill>
                             <a:srgbClr val="000000"/>
                           </a:solidFill>
@@ -5710,7 +5715,7 @@
                     <a:p>
                       <a:pPr algn="l" fontAlgn="b"/>
                       <a:r>
-                        <a:rPr lang="en-US" sz="2000" b="0" i="0" u="none" strike="noStrike">
+                        <a:rPr lang="en-US" sz="2000" b="0" i="0" u="none" strike="noStrike" dirty="0">
                           <a:solidFill>
                             <a:srgbClr val="000000"/>
                           </a:solidFill>
@@ -5777,7 +5782,7 @@
                     <a:p>
                       <a:pPr algn="r" fontAlgn="b"/>
                       <a:r>
-                        <a:rPr lang="en-US" sz="2000" b="0" i="0" u="none" strike="noStrike">
+                        <a:rPr lang="en-US" sz="2000" b="0" i="0" u="none" strike="noStrike" dirty="0">
                           <a:solidFill>
                             <a:srgbClr val="000000"/>
                           </a:solidFill>
@@ -5824,7 +5829,7 @@
                     <a:p>
                       <a:pPr algn="r" fontAlgn="b"/>
                       <a:r>
-                        <a:rPr lang="en-US" sz="2000" b="0" i="0" u="none" strike="noStrike">
+                        <a:rPr lang="en-US" sz="2000" b="0" i="0" u="none" strike="noStrike" dirty="0">
                           <a:solidFill>
                             <a:srgbClr val="000000"/>
                           </a:solidFill>
@@ -5948,7 +5953,7 @@
           <p:nvPr>
             <p:extLst>
               <p:ext uri="{D42A27DB-BD31-4B8C-83A1-F6EECF244321}">
-                <p14:modId xmlns:p14="http://schemas.microsoft.com/office/powerpoint/2010/main" val="968092038"/>
+                <p14:modId xmlns:p14="http://schemas.microsoft.com/office/powerpoint/2010/main" val="4176607609"/>
               </p:ext>
             </p:extLst>
           </p:nvPr>
@@ -6007,7 +6012,7 @@
                     <a:p>
                       <a:pPr algn="l" fontAlgn="b"/>
                       <a:r>
-                        <a:rPr lang="en-US" sz="1800" b="1" i="0" u="none" strike="noStrike">
+                        <a:rPr lang="en-US" sz="1800" b="1" i="0" u="none" strike="noStrike" dirty="0">
                           <a:solidFill>
                             <a:srgbClr val="000000"/>
                           </a:solidFill>
@@ -6054,14 +6059,14 @@
                     <a:p>
                       <a:pPr algn="r" fontAlgn="b"/>
                       <a:r>
-                        <a:rPr lang="en-US" sz="1800" b="0" i="0" u="none" strike="noStrike">
+                        <a:rPr lang="en-US" sz="1800" b="0" i="0" u="none" strike="noStrike" dirty="0">
                           <a:solidFill>
                             <a:srgbClr val="000000"/>
                           </a:solidFill>
                           <a:effectLst/>
                           <a:latin typeface="Arial" panose="020B0604020202020204" pitchFamily="34" charset="0"/>
                         </a:rPr>
-                        <a:t>1904</a:t>
+                        <a:t>2219</a:t>
                       </a:r>
                     </a:p>
                   </a:txBody>
@@ -6101,7 +6106,7 @@
                     <a:p>
                       <a:pPr algn="r" fontAlgn="b"/>
                       <a:r>
-                        <a:rPr lang="en-US" sz="1800" b="0" i="0" u="none" strike="noStrike">
+                        <a:rPr lang="en-US" sz="1800" b="0" i="0" u="none" strike="noStrike" dirty="0">
                           <a:solidFill>
                             <a:srgbClr val="000000"/>
                           </a:solidFill>
@@ -6155,7 +6160,7 @@
                           <a:effectLst/>
                           <a:latin typeface="Arial" panose="020B0604020202020204" pitchFamily="34" charset="0"/>
                         </a:rPr>
-                        <a:t>1357</a:t>
+                        <a:t>1339</a:t>
                       </a:r>
                     </a:p>
                   </a:txBody>

--- a/marketing.pptx
+++ b/marketing.pptx
@@ -5,8 +5,9 @@
     <p:sldMasterId id="2147483660" r:id="rId1"/>
   </p:sldMasterIdLst>
   <p:sldIdLst>
-    <p:sldId id="256" r:id="rId2"/>
-    <p:sldId id="257" r:id="rId3"/>
+    <p:sldId id="257" r:id="rId2"/>
+    <p:sldId id="260" r:id="rId3"/>
+    <p:sldId id="259" r:id="rId4"/>
   </p:sldIdLst>
   <p:sldSz cx="12192000" cy="6858000"/>
   <p:notesSz cx="6858000" cy="9144000"/>
@@ -113,6 +114,2770 @@
 </p:presentation>
 </file>
 
+<file path=ppt/charts/chart1.xml><?xml version="1.0" encoding="utf-8"?>
+<c:chartSpace xmlns:c="http://schemas.openxmlformats.org/drawingml/2006/chart" xmlns:a="http://schemas.openxmlformats.org/drawingml/2006/main" xmlns:r="http://schemas.openxmlformats.org/officeDocument/2006/relationships" xmlns:c16r2="http://schemas.microsoft.com/office/drawing/2015/06/chart">
+  <c:date1904 val="0"/>
+  <c:lang val="en-US"/>
+  <c:roundedCorners val="0"/>
+  <mc:AlternateContent xmlns:mc="http://schemas.openxmlformats.org/markup-compatibility/2006">
+    <mc:Choice xmlns:c14="http://schemas.microsoft.com/office/drawing/2007/8/2/chart" Requires="c14">
+      <c14:style val="102"/>
+    </mc:Choice>
+    <mc:Fallback>
+      <c:style val="2"/>
+    </mc:Fallback>
+  </mc:AlternateContent>
+  <c:pivotSource>
+    <c:name>[Historic_Nashville_City_Cemetery_Interments__1846-1979.xlsx]Marketing_Stuff!PivotTable1</c:name>
+    <c:fmtId val="20"/>
+  </c:pivotSource>
+  <c:chart>
+    <c:title>
+      <c:tx>
+        <c:rich>
+          <a:bodyPr rot="0" spcFirstLastPara="1" vertOverflow="ellipsis" vert="horz" wrap="square" anchor="ctr" anchorCtr="1"/>
+          <a:lstStyle/>
+          <a:p>
+            <a:pPr>
+              <a:defRPr sz="2128" b="1" i="0" u="none" strike="noStrike" kern="1200" spc="100" baseline="0">
+                <a:solidFill>
+                  <a:schemeClr val="lt1">
+                    <a:lumMod val="95000"/>
+                  </a:schemeClr>
+                </a:solidFill>
+                <a:effectLst>
+                  <a:outerShdw blurRad="50800" dist="38100" dir="5400000" algn="t" rotWithShape="0">
+                    <a:prstClr val="black">
+                      <a:alpha val="40000"/>
+                    </a:prstClr>
+                  </a:outerShdw>
+                </a:effectLst>
+                <a:latin typeface="+mn-lt"/>
+                <a:ea typeface="+mn-ea"/>
+                <a:cs typeface="+mn-cs"/>
+              </a:defRPr>
+            </a:pPr>
+            <a:r>
+              <a:rPr lang="en-US"/>
+              <a:t>Resident Entry </a:t>
+            </a:r>
+          </a:p>
+        </c:rich>
+      </c:tx>
+      <c:overlay val="0"/>
+      <c:spPr>
+        <a:noFill/>
+        <a:ln>
+          <a:noFill/>
+        </a:ln>
+        <a:effectLst/>
+      </c:spPr>
+      <c:txPr>
+        <a:bodyPr rot="0" spcFirstLastPara="1" vertOverflow="ellipsis" vert="horz" wrap="square" anchor="ctr" anchorCtr="1"/>
+        <a:lstStyle/>
+        <a:p>
+          <a:pPr>
+            <a:defRPr sz="2128" b="1" i="0" u="none" strike="noStrike" kern="1200" spc="100" baseline="0">
+              <a:solidFill>
+                <a:schemeClr val="lt1">
+                  <a:lumMod val="95000"/>
+                </a:schemeClr>
+              </a:solidFill>
+              <a:effectLst>
+                <a:outerShdw blurRad="50800" dist="38100" dir="5400000" algn="t" rotWithShape="0">
+                  <a:prstClr val="black">
+                    <a:alpha val="40000"/>
+                  </a:prstClr>
+                </a:outerShdw>
+              </a:effectLst>
+              <a:latin typeface="+mn-lt"/>
+              <a:ea typeface="+mn-ea"/>
+              <a:cs typeface="+mn-cs"/>
+            </a:defRPr>
+          </a:pPr>
+          <a:endParaRPr lang="en-US"/>
+        </a:p>
+      </c:txPr>
+    </c:title>
+    <c:autoTitleDeleted val="0"/>
+    <c:pivotFmts>
+      <c:pivotFmt>
+        <c:idx val="0"/>
+        <c:spPr>
+          <a:solidFill>
+            <a:schemeClr val="accent1"/>
+          </a:solidFill>
+          <a:ln w="28575" cap="rnd">
+            <a:solidFill>
+              <a:schemeClr val="accent1"/>
+            </a:solidFill>
+            <a:round/>
+          </a:ln>
+          <a:effectLst/>
+        </c:spPr>
+        <c:marker>
+          <c:symbol val="circle"/>
+          <c:size val="5"/>
+          <c:spPr>
+            <a:solidFill>
+              <a:schemeClr val="accent1"/>
+            </a:solidFill>
+            <a:ln w="9525">
+              <a:solidFill>
+                <a:schemeClr val="accent1"/>
+              </a:solidFill>
+              <a:round/>
+            </a:ln>
+            <a:effectLst/>
+          </c:spPr>
+        </c:marker>
+        <c:dLbl>
+          <c:idx val="0"/>
+          <c:spPr>
+            <a:noFill/>
+            <a:ln>
+              <a:noFill/>
+            </a:ln>
+            <a:effectLst/>
+          </c:spPr>
+          <c:txPr>
+            <a:bodyPr rot="0" spcFirstLastPara="1" vertOverflow="ellipsis" vert="horz" wrap="square" lIns="38100" tIns="19050" rIns="38100" bIns="19050" anchor="ctr" anchorCtr="1">
+              <a:spAutoFit/>
+            </a:bodyPr>
+            <a:lstStyle/>
+            <a:p>
+              <a:pPr>
+                <a:defRPr sz="900" b="0" i="0" u="none" strike="noStrike" kern="1200" baseline="0">
+                  <a:solidFill>
+                    <a:schemeClr val="tx1">
+                      <a:lumMod val="75000"/>
+                      <a:lumOff val="25000"/>
+                    </a:schemeClr>
+                  </a:solidFill>
+                  <a:latin typeface="+mn-lt"/>
+                  <a:ea typeface="+mn-ea"/>
+                  <a:cs typeface="+mn-cs"/>
+                </a:defRPr>
+              </a:pPr>
+              <a:endParaRPr lang="en-US"/>
+            </a:p>
+          </c:txPr>
+          <c:showLegendKey val="0"/>
+          <c:showVal val="0"/>
+          <c:showCatName val="0"/>
+          <c:showSerName val="0"/>
+          <c:showPercent val="0"/>
+          <c:showBubbleSize val="0"/>
+          <c:extLst>
+            <c:ext xmlns:c15="http://schemas.microsoft.com/office/drawing/2012/chart" uri="{CE6537A1-D6FC-4f65-9D91-7224C49458BB}"/>
+          </c:extLst>
+        </c:dLbl>
+      </c:pivotFmt>
+      <c:pivotFmt>
+        <c:idx val="1"/>
+        <c:spPr>
+          <a:solidFill>
+            <a:schemeClr val="accent1"/>
+          </a:solidFill>
+          <a:ln w="28575" cap="rnd">
+            <a:solidFill>
+              <a:schemeClr val="accent1"/>
+            </a:solidFill>
+            <a:round/>
+          </a:ln>
+          <a:effectLst/>
+        </c:spPr>
+        <c:marker>
+          <c:symbol val="circle"/>
+          <c:size val="5"/>
+          <c:spPr>
+            <a:solidFill>
+              <a:schemeClr val="accent1"/>
+            </a:solidFill>
+            <a:ln w="9525">
+              <a:solidFill>
+                <a:schemeClr val="accent1"/>
+              </a:solidFill>
+              <a:round/>
+            </a:ln>
+            <a:effectLst/>
+          </c:spPr>
+        </c:marker>
+        <c:dLbl>
+          <c:idx val="0"/>
+          <c:spPr>
+            <a:noFill/>
+            <a:ln>
+              <a:noFill/>
+            </a:ln>
+            <a:effectLst/>
+          </c:spPr>
+          <c:txPr>
+            <a:bodyPr rot="0" spcFirstLastPara="1" vertOverflow="ellipsis" vert="horz" wrap="square" lIns="38100" tIns="19050" rIns="38100" bIns="19050" anchor="ctr" anchorCtr="1">
+              <a:spAutoFit/>
+            </a:bodyPr>
+            <a:lstStyle/>
+            <a:p>
+              <a:pPr>
+                <a:defRPr sz="900" b="0" i="0" u="none" strike="noStrike" kern="1200" baseline="0">
+                  <a:solidFill>
+                    <a:schemeClr val="tx1">
+                      <a:lumMod val="75000"/>
+                      <a:lumOff val="25000"/>
+                    </a:schemeClr>
+                  </a:solidFill>
+                  <a:latin typeface="+mn-lt"/>
+                  <a:ea typeface="+mn-ea"/>
+                  <a:cs typeface="+mn-cs"/>
+                </a:defRPr>
+              </a:pPr>
+              <a:endParaRPr lang="en-US"/>
+            </a:p>
+          </c:txPr>
+          <c:showLegendKey val="0"/>
+          <c:showVal val="0"/>
+          <c:showCatName val="0"/>
+          <c:showSerName val="0"/>
+          <c:showPercent val="0"/>
+          <c:showBubbleSize val="0"/>
+          <c:extLst>
+            <c:ext xmlns:c15="http://schemas.microsoft.com/office/drawing/2012/chart" uri="{CE6537A1-D6FC-4f65-9D91-7224C49458BB}"/>
+          </c:extLst>
+        </c:dLbl>
+      </c:pivotFmt>
+      <c:pivotFmt>
+        <c:idx val="2"/>
+        <c:spPr>
+          <a:gradFill rotWithShape="1">
+            <a:gsLst>
+              <a:gs pos="0">
+                <a:schemeClr val="accent1">
+                  <a:satMod val="103000"/>
+                  <a:lumMod val="102000"/>
+                  <a:tint val="94000"/>
+                </a:schemeClr>
+              </a:gs>
+              <a:gs pos="50000">
+                <a:schemeClr val="accent1">
+                  <a:satMod val="110000"/>
+                  <a:lumMod val="100000"/>
+                  <a:shade val="100000"/>
+                </a:schemeClr>
+              </a:gs>
+              <a:gs pos="100000">
+                <a:schemeClr val="accent1">
+                  <a:lumMod val="99000"/>
+                  <a:satMod val="120000"/>
+                  <a:shade val="78000"/>
+                </a:schemeClr>
+              </a:gs>
+            </a:gsLst>
+            <a:lin ang="5400000" scaled="0"/>
+          </a:gradFill>
+          <a:ln w="28575" cap="rnd">
+            <a:solidFill>
+              <a:schemeClr val="accent1"/>
+            </a:solidFill>
+            <a:round/>
+          </a:ln>
+          <a:effectLst/>
+        </c:spPr>
+        <c:marker>
+          <c:symbol val="circle"/>
+          <c:size val="5"/>
+          <c:spPr>
+            <a:solidFill>
+              <a:schemeClr val="accent1"/>
+            </a:solidFill>
+            <a:ln w="9525">
+              <a:solidFill>
+                <a:schemeClr val="accent1"/>
+              </a:solidFill>
+              <a:round/>
+            </a:ln>
+            <a:effectLst/>
+          </c:spPr>
+        </c:marker>
+        <c:dLbl>
+          <c:idx val="0"/>
+          <c:spPr>
+            <a:noFill/>
+            <a:ln>
+              <a:noFill/>
+            </a:ln>
+            <a:effectLst/>
+          </c:spPr>
+          <c:txPr>
+            <a:bodyPr rot="0" spcFirstLastPara="1" vertOverflow="ellipsis" vert="horz" wrap="square" lIns="38100" tIns="19050" rIns="38100" bIns="19050" anchor="ctr" anchorCtr="1">
+              <a:spAutoFit/>
+            </a:bodyPr>
+            <a:lstStyle/>
+            <a:p>
+              <a:pPr>
+                <a:defRPr sz="900" b="0" i="0" u="none" strike="noStrike" kern="1200" baseline="0">
+                  <a:solidFill>
+                    <a:schemeClr val="tx1">
+                      <a:lumMod val="75000"/>
+                      <a:lumOff val="25000"/>
+                    </a:schemeClr>
+                  </a:solidFill>
+                  <a:latin typeface="+mn-lt"/>
+                  <a:ea typeface="+mn-ea"/>
+                  <a:cs typeface="+mn-cs"/>
+                </a:defRPr>
+              </a:pPr>
+              <a:endParaRPr lang="en-US"/>
+            </a:p>
+          </c:txPr>
+          <c:showLegendKey val="0"/>
+          <c:showVal val="0"/>
+          <c:showCatName val="0"/>
+          <c:showSerName val="0"/>
+          <c:showPercent val="0"/>
+          <c:showBubbleSize val="0"/>
+          <c:extLst>
+            <c:ext xmlns:c15="http://schemas.microsoft.com/office/drawing/2012/chart" uri="{CE6537A1-D6FC-4f65-9D91-7224C49458BB}"/>
+          </c:extLst>
+        </c:dLbl>
+      </c:pivotFmt>
+    </c:pivotFmts>
+    <c:plotArea>
+      <c:layout/>
+      <c:lineChart>
+        <c:grouping val="standard"/>
+        <c:varyColors val="0"/>
+        <c:ser>
+          <c:idx val="0"/>
+          <c:order val="0"/>
+          <c:tx>
+            <c:strRef>
+              <c:f>Marketing_Stuff!$E$20</c:f>
+              <c:strCache>
+                <c:ptCount val="1"/>
+                <c:pt idx="0">
+                  <c:v>Count of Burial Decade</c:v>
+                </c:pt>
+              </c:strCache>
+            </c:strRef>
+          </c:tx>
+          <c:spPr>
+            <a:ln w="34925" cap="rnd">
+              <a:solidFill>
+                <a:schemeClr val="accent1"/>
+              </a:solidFill>
+              <a:round/>
+            </a:ln>
+            <a:effectLst>
+              <a:outerShdw blurRad="57150" dist="19050" dir="5400000" algn="ctr" rotWithShape="0">
+                <a:srgbClr val="000000">
+                  <a:alpha val="63000"/>
+                </a:srgbClr>
+              </a:outerShdw>
+            </a:effectLst>
+          </c:spPr>
+          <c:marker>
+            <c:symbol val="circle"/>
+            <c:size val="6"/>
+            <c:spPr>
+              <a:gradFill rotWithShape="1">
+                <a:gsLst>
+                  <a:gs pos="0">
+                    <a:schemeClr val="accent1">
+                      <a:satMod val="103000"/>
+                      <a:lumMod val="102000"/>
+                      <a:tint val="94000"/>
+                    </a:schemeClr>
+                  </a:gs>
+                  <a:gs pos="50000">
+                    <a:schemeClr val="accent1">
+                      <a:satMod val="110000"/>
+                      <a:lumMod val="100000"/>
+                      <a:shade val="100000"/>
+                    </a:schemeClr>
+                  </a:gs>
+                  <a:gs pos="100000">
+                    <a:schemeClr val="accent1">
+                      <a:lumMod val="99000"/>
+                      <a:satMod val="120000"/>
+                      <a:shade val="78000"/>
+                    </a:schemeClr>
+                  </a:gs>
+                </a:gsLst>
+                <a:lin ang="5400000" scaled="0"/>
+              </a:gradFill>
+              <a:ln w="9525">
+                <a:solidFill>
+                  <a:schemeClr val="accent1"/>
+                </a:solidFill>
+                <a:round/>
+              </a:ln>
+              <a:effectLst>
+                <a:outerShdw blurRad="57150" dist="19050" dir="5400000" algn="ctr" rotWithShape="0">
+                  <a:srgbClr val="000000">
+                    <a:alpha val="63000"/>
+                  </a:srgbClr>
+                </a:outerShdw>
+              </a:effectLst>
+            </c:spPr>
+          </c:marker>
+          <c:cat>
+            <c:strRef>
+              <c:f>Marketing_Stuff!$D$21:$D$35</c:f>
+              <c:strCache>
+                <c:ptCount val="14"/>
+                <c:pt idx="0">
+                  <c:v>1840s</c:v>
+                </c:pt>
+                <c:pt idx="1">
+                  <c:v>1850s</c:v>
+                </c:pt>
+                <c:pt idx="2">
+                  <c:v>1860s</c:v>
+                </c:pt>
+                <c:pt idx="3">
+                  <c:v>1870s</c:v>
+                </c:pt>
+                <c:pt idx="4">
+                  <c:v>1880s</c:v>
+                </c:pt>
+                <c:pt idx="5">
+                  <c:v>1890s</c:v>
+                </c:pt>
+                <c:pt idx="6">
+                  <c:v>1900s</c:v>
+                </c:pt>
+                <c:pt idx="7">
+                  <c:v>1910s</c:v>
+                </c:pt>
+                <c:pt idx="8">
+                  <c:v>1920s</c:v>
+                </c:pt>
+                <c:pt idx="9">
+                  <c:v>1930s</c:v>
+                </c:pt>
+                <c:pt idx="10">
+                  <c:v>1940s</c:v>
+                </c:pt>
+                <c:pt idx="11">
+                  <c:v>1950s</c:v>
+                </c:pt>
+                <c:pt idx="12">
+                  <c:v>1960s</c:v>
+                </c:pt>
+                <c:pt idx="13">
+                  <c:v>1970s</c:v>
+                </c:pt>
+              </c:strCache>
+            </c:strRef>
+          </c:cat>
+          <c:val>
+            <c:numRef>
+              <c:f>Marketing_Stuff!$E$21:$E$35</c:f>
+              <c:numCache>
+                <c:formatCode>General</c:formatCode>
+                <c:ptCount val="14"/>
+                <c:pt idx="0">
+                  <c:v>1912</c:v>
+                </c:pt>
+                <c:pt idx="1">
+                  <c:v>4972</c:v>
+                </c:pt>
+                <c:pt idx="2">
+                  <c:v>7837</c:v>
+                </c:pt>
+                <c:pt idx="3">
+                  <c:v>2492</c:v>
+                </c:pt>
+                <c:pt idx="4">
+                  <c:v>1005</c:v>
+                </c:pt>
+                <c:pt idx="5">
+                  <c:v>489</c:v>
+                </c:pt>
+                <c:pt idx="6">
+                  <c:v>329</c:v>
+                </c:pt>
+                <c:pt idx="7">
+                  <c:v>244</c:v>
+                </c:pt>
+                <c:pt idx="8">
+                  <c:v>176</c:v>
+                </c:pt>
+                <c:pt idx="9">
+                  <c:v>143</c:v>
+                </c:pt>
+                <c:pt idx="10">
+                  <c:v>79</c:v>
+                </c:pt>
+                <c:pt idx="11">
+                  <c:v>27</c:v>
+                </c:pt>
+                <c:pt idx="12">
+                  <c:v>15</c:v>
+                </c:pt>
+                <c:pt idx="13">
+                  <c:v>14</c:v>
+                </c:pt>
+              </c:numCache>
+            </c:numRef>
+          </c:val>
+          <c:smooth val="0"/>
+          <c:extLst>
+            <c:ext xmlns:c16="http://schemas.microsoft.com/office/drawing/2014/chart" uri="{C3380CC4-5D6E-409C-BE32-E72D297353CC}">
+              <c16:uniqueId val="{00000000-AB45-4440-AF06-D59BAEC4F3C0}"/>
+            </c:ext>
+          </c:extLst>
+        </c:ser>
+        <c:dLbls>
+          <c:showLegendKey val="0"/>
+          <c:showVal val="0"/>
+          <c:showCatName val="0"/>
+          <c:showSerName val="0"/>
+          <c:showPercent val="0"/>
+          <c:showBubbleSize val="0"/>
+        </c:dLbls>
+        <c:marker val="1"/>
+        <c:smooth val="0"/>
+        <c:axId val="1531602063"/>
+        <c:axId val="1528528415"/>
+      </c:lineChart>
+      <c:lineChart>
+        <c:grouping val="standard"/>
+        <c:varyColors val="0"/>
+        <c:ser>
+          <c:idx val="1"/>
+          <c:order val="1"/>
+          <c:tx>
+            <c:strRef>
+              <c:f>Marketing_Stuff!$F$20</c:f>
+              <c:strCache>
+                <c:ptCount val="1"/>
+                <c:pt idx="0">
+                  <c:v> Average of Age</c:v>
+                </c:pt>
+              </c:strCache>
+            </c:strRef>
+          </c:tx>
+          <c:spPr>
+            <a:ln w="34925" cap="rnd">
+              <a:solidFill>
+                <a:schemeClr val="accent2"/>
+              </a:solidFill>
+              <a:round/>
+            </a:ln>
+            <a:effectLst>
+              <a:outerShdw blurRad="57150" dist="19050" dir="5400000" algn="ctr" rotWithShape="0">
+                <a:srgbClr val="000000">
+                  <a:alpha val="63000"/>
+                </a:srgbClr>
+              </a:outerShdw>
+            </a:effectLst>
+          </c:spPr>
+          <c:marker>
+            <c:symbol val="circle"/>
+            <c:size val="6"/>
+            <c:spPr>
+              <a:gradFill rotWithShape="1">
+                <a:gsLst>
+                  <a:gs pos="0">
+                    <a:schemeClr val="accent2">
+                      <a:satMod val="103000"/>
+                      <a:lumMod val="102000"/>
+                      <a:tint val="94000"/>
+                    </a:schemeClr>
+                  </a:gs>
+                  <a:gs pos="50000">
+                    <a:schemeClr val="accent2">
+                      <a:satMod val="110000"/>
+                      <a:lumMod val="100000"/>
+                      <a:shade val="100000"/>
+                    </a:schemeClr>
+                  </a:gs>
+                  <a:gs pos="100000">
+                    <a:schemeClr val="accent2">
+                      <a:lumMod val="99000"/>
+                      <a:satMod val="120000"/>
+                      <a:shade val="78000"/>
+                    </a:schemeClr>
+                  </a:gs>
+                </a:gsLst>
+                <a:lin ang="5400000" scaled="0"/>
+              </a:gradFill>
+              <a:ln w="9525">
+                <a:solidFill>
+                  <a:schemeClr val="accent2"/>
+                </a:solidFill>
+                <a:round/>
+              </a:ln>
+              <a:effectLst>
+                <a:outerShdw blurRad="57150" dist="19050" dir="5400000" algn="ctr" rotWithShape="0">
+                  <a:srgbClr val="000000">
+                    <a:alpha val="63000"/>
+                  </a:srgbClr>
+                </a:outerShdw>
+              </a:effectLst>
+            </c:spPr>
+          </c:marker>
+          <c:cat>
+            <c:strRef>
+              <c:f>Marketing_Stuff!$D$21:$D$35</c:f>
+              <c:strCache>
+                <c:ptCount val="14"/>
+                <c:pt idx="0">
+                  <c:v>1840s</c:v>
+                </c:pt>
+                <c:pt idx="1">
+                  <c:v>1850s</c:v>
+                </c:pt>
+                <c:pt idx="2">
+                  <c:v>1860s</c:v>
+                </c:pt>
+                <c:pt idx="3">
+                  <c:v>1870s</c:v>
+                </c:pt>
+                <c:pt idx="4">
+                  <c:v>1880s</c:v>
+                </c:pt>
+                <c:pt idx="5">
+                  <c:v>1890s</c:v>
+                </c:pt>
+                <c:pt idx="6">
+                  <c:v>1900s</c:v>
+                </c:pt>
+                <c:pt idx="7">
+                  <c:v>1910s</c:v>
+                </c:pt>
+                <c:pt idx="8">
+                  <c:v>1920s</c:v>
+                </c:pt>
+                <c:pt idx="9">
+                  <c:v>1930s</c:v>
+                </c:pt>
+                <c:pt idx="10">
+                  <c:v>1940s</c:v>
+                </c:pt>
+                <c:pt idx="11">
+                  <c:v>1950s</c:v>
+                </c:pt>
+                <c:pt idx="12">
+                  <c:v>1960s</c:v>
+                </c:pt>
+                <c:pt idx="13">
+                  <c:v>1970s</c:v>
+                </c:pt>
+              </c:strCache>
+            </c:strRef>
+          </c:cat>
+          <c:val>
+            <c:numRef>
+              <c:f>Marketing_Stuff!$F$21:$F$35</c:f>
+              <c:numCache>
+                <c:formatCode>0.00</c:formatCode>
+                <c:ptCount val="14"/>
+                <c:pt idx="0">
+                  <c:v>18.461722488038276</c:v>
+                </c:pt>
+                <c:pt idx="1">
+                  <c:v>19.178021514448428</c:v>
+                </c:pt>
+                <c:pt idx="2">
+                  <c:v>18.103083355108438</c:v>
+                </c:pt>
+                <c:pt idx="3">
+                  <c:v>24.51114081996435</c:v>
+                </c:pt>
+                <c:pt idx="4">
+                  <c:v>36.801360544217687</c:v>
+                </c:pt>
+                <c:pt idx="5">
+                  <c:v>37.741127348643005</c:v>
+                </c:pt>
+                <c:pt idx="6">
+                  <c:v>40.808641975308639</c:v>
+                </c:pt>
+                <c:pt idx="7">
+                  <c:v>50.976635514018689</c:v>
+                </c:pt>
+                <c:pt idx="8">
+                  <c:v>57.601190476190474</c:v>
+                </c:pt>
+                <c:pt idx="9">
+                  <c:v>58.432835820895519</c:v>
+                </c:pt>
+                <c:pt idx="10">
+                  <c:v>66.558441558441558</c:v>
+                </c:pt>
+                <c:pt idx="11">
+                  <c:v>68.239999999999995</c:v>
+                </c:pt>
+                <c:pt idx="12">
+                  <c:v>77</c:v>
+                </c:pt>
+                <c:pt idx="13">
+                  <c:v>76.25</c:v>
+                </c:pt>
+              </c:numCache>
+            </c:numRef>
+          </c:val>
+          <c:smooth val="0"/>
+          <c:extLst>
+            <c:ext xmlns:c16="http://schemas.microsoft.com/office/drawing/2014/chart" uri="{C3380CC4-5D6E-409C-BE32-E72D297353CC}">
+              <c16:uniqueId val="{00000005-AB45-4440-AF06-D59BAEC4F3C0}"/>
+            </c:ext>
+          </c:extLst>
+        </c:ser>
+        <c:dLbls>
+          <c:showLegendKey val="0"/>
+          <c:showVal val="0"/>
+          <c:showCatName val="0"/>
+          <c:showSerName val="0"/>
+          <c:showPercent val="0"/>
+          <c:showBubbleSize val="0"/>
+        </c:dLbls>
+        <c:marker val="1"/>
+        <c:smooth val="0"/>
+        <c:axId val="632970031"/>
+        <c:axId val="453587328"/>
+      </c:lineChart>
+      <c:catAx>
+        <c:axId val="1531602063"/>
+        <c:scaling>
+          <c:orientation val="minMax"/>
+        </c:scaling>
+        <c:delete val="0"/>
+        <c:axPos val="b"/>
+        <c:numFmt formatCode="General" sourceLinked="1"/>
+        <c:majorTickMark val="none"/>
+        <c:minorTickMark val="none"/>
+        <c:tickLblPos val="nextTo"/>
+        <c:spPr>
+          <a:noFill/>
+          <a:ln w="12700" cap="flat" cmpd="sng" algn="ctr">
+            <a:solidFill>
+              <a:schemeClr val="lt1">
+                <a:lumMod val="95000"/>
+                <a:alpha val="54000"/>
+              </a:schemeClr>
+            </a:solidFill>
+            <a:round/>
+          </a:ln>
+          <a:effectLst/>
+        </c:spPr>
+        <c:txPr>
+          <a:bodyPr rot="-60000000" spcFirstLastPara="1" vertOverflow="ellipsis" vert="horz" wrap="square" anchor="ctr" anchorCtr="1"/>
+          <a:lstStyle/>
+          <a:p>
+            <a:pPr>
+              <a:defRPr sz="1197" b="0" i="0" u="none" strike="noStrike" kern="1200" baseline="0">
+                <a:solidFill>
+                  <a:schemeClr val="lt1">
+                    <a:lumMod val="85000"/>
+                  </a:schemeClr>
+                </a:solidFill>
+                <a:latin typeface="+mn-lt"/>
+                <a:ea typeface="+mn-ea"/>
+                <a:cs typeface="+mn-cs"/>
+              </a:defRPr>
+            </a:pPr>
+            <a:endParaRPr lang="en-US"/>
+          </a:p>
+        </c:txPr>
+        <c:crossAx val="1528528415"/>
+        <c:crosses val="autoZero"/>
+        <c:auto val="1"/>
+        <c:lblAlgn val="ctr"/>
+        <c:lblOffset val="100"/>
+        <c:noMultiLvlLbl val="0"/>
+      </c:catAx>
+      <c:valAx>
+        <c:axId val="1528528415"/>
+        <c:scaling>
+          <c:orientation val="minMax"/>
+        </c:scaling>
+        <c:delete val="0"/>
+        <c:axPos val="l"/>
+        <c:majorGridlines>
+          <c:spPr>
+            <a:ln w="9525" cap="flat" cmpd="sng" algn="ctr">
+              <a:solidFill>
+                <a:schemeClr val="lt1">
+                  <a:lumMod val="95000"/>
+                  <a:alpha val="10000"/>
+                </a:schemeClr>
+              </a:solidFill>
+              <a:round/>
+            </a:ln>
+            <a:effectLst/>
+          </c:spPr>
+        </c:majorGridlines>
+        <c:numFmt formatCode="General" sourceLinked="1"/>
+        <c:majorTickMark val="none"/>
+        <c:minorTickMark val="none"/>
+        <c:tickLblPos val="nextTo"/>
+        <c:spPr>
+          <a:noFill/>
+          <a:ln>
+            <a:noFill/>
+          </a:ln>
+          <a:effectLst/>
+        </c:spPr>
+        <c:txPr>
+          <a:bodyPr rot="-60000000" spcFirstLastPara="1" vertOverflow="ellipsis" vert="horz" wrap="square" anchor="ctr" anchorCtr="1"/>
+          <a:lstStyle/>
+          <a:p>
+            <a:pPr>
+              <a:defRPr sz="1197" b="0" i="0" u="none" strike="noStrike" kern="1200" baseline="0">
+                <a:solidFill>
+                  <a:schemeClr val="lt1">
+                    <a:lumMod val="85000"/>
+                  </a:schemeClr>
+                </a:solidFill>
+                <a:latin typeface="+mn-lt"/>
+                <a:ea typeface="+mn-ea"/>
+                <a:cs typeface="+mn-cs"/>
+              </a:defRPr>
+            </a:pPr>
+            <a:endParaRPr lang="en-US"/>
+          </a:p>
+        </c:txPr>
+        <c:crossAx val="1531602063"/>
+        <c:crosses val="autoZero"/>
+        <c:crossBetween val="between"/>
+      </c:valAx>
+      <c:valAx>
+        <c:axId val="453587328"/>
+        <c:scaling>
+          <c:orientation val="minMax"/>
+        </c:scaling>
+        <c:delete val="0"/>
+        <c:axPos val="r"/>
+        <c:numFmt formatCode="0.00" sourceLinked="1"/>
+        <c:majorTickMark val="none"/>
+        <c:minorTickMark val="none"/>
+        <c:tickLblPos val="nextTo"/>
+        <c:spPr>
+          <a:noFill/>
+          <a:ln>
+            <a:noFill/>
+          </a:ln>
+          <a:effectLst/>
+        </c:spPr>
+        <c:txPr>
+          <a:bodyPr rot="-60000000" spcFirstLastPara="1" vertOverflow="ellipsis" vert="horz" wrap="square" anchor="ctr" anchorCtr="1"/>
+          <a:lstStyle/>
+          <a:p>
+            <a:pPr>
+              <a:defRPr sz="1197" b="0" i="0" u="none" strike="noStrike" kern="1200" baseline="0">
+                <a:solidFill>
+                  <a:schemeClr val="lt1">
+                    <a:lumMod val="85000"/>
+                  </a:schemeClr>
+                </a:solidFill>
+                <a:latin typeface="+mn-lt"/>
+                <a:ea typeface="+mn-ea"/>
+                <a:cs typeface="+mn-cs"/>
+              </a:defRPr>
+            </a:pPr>
+            <a:endParaRPr lang="en-US"/>
+          </a:p>
+        </c:txPr>
+        <c:crossAx val="632970031"/>
+        <c:crosses val="max"/>
+        <c:crossBetween val="between"/>
+      </c:valAx>
+      <c:catAx>
+        <c:axId val="632970031"/>
+        <c:scaling>
+          <c:orientation val="minMax"/>
+        </c:scaling>
+        <c:delete val="1"/>
+        <c:axPos val="b"/>
+        <c:numFmt formatCode="General" sourceLinked="1"/>
+        <c:majorTickMark val="none"/>
+        <c:minorTickMark val="none"/>
+        <c:tickLblPos val="nextTo"/>
+        <c:crossAx val="453587328"/>
+        <c:crosses val="autoZero"/>
+        <c:auto val="1"/>
+        <c:lblAlgn val="ctr"/>
+        <c:lblOffset val="100"/>
+        <c:noMultiLvlLbl val="0"/>
+      </c:catAx>
+      <c:spPr>
+        <a:noFill/>
+        <a:ln>
+          <a:noFill/>
+        </a:ln>
+        <a:effectLst/>
+      </c:spPr>
+    </c:plotArea>
+    <c:legend>
+      <c:legendPos val="r"/>
+      <c:legendEntry>
+        <c:idx val="0"/>
+        <c:txPr>
+          <a:bodyPr rot="0" spcFirstLastPara="1" vertOverflow="ellipsis" vert="horz" wrap="square" anchor="ctr" anchorCtr="1"/>
+          <a:lstStyle/>
+          <a:p>
+            <a:pPr>
+              <a:defRPr sz="1197" b="0" i="0" u="none" strike="noStrike" kern="1200" baseline="0">
+                <a:solidFill>
+                  <a:schemeClr val="lt1">
+                    <a:lumMod val="85000"/>
+                  </a:schemeClr>
+                </a:solidFill>
+                <a:latin typeface="+mn-lt"/>
+                <a:ea typeface="+mn-ea"/>
+                <a:cs typeface="+mn-cs"/>
+              </a:defRPr>
+            </a:pPr>
+            <a:endParaRPr lang="en-US"/>
+          </a:p>
+        </c:txPr>
+      </c:legendEntry>
+      <c:overlay val="0"/>
+      <c:spPr>
+        <a:noFill/>
+        <a:ln>
+          <a:noFill/>
+        </a:ln>
+        <a:effectLst/>
+      </c:spPr>
+      <c:txPr>
+        <a:bodyPr rot="0" spcFirstLastPara="1" vertOverflow="ellipsis" vert="horz" wrap="square" anchor="ctr" anchorCtr="1"/>
+        <a:lstStyle/>
+        <a:p>
+          <a:pPr>
+            <a:defRPr sz="1197" b="0" i="0" u="none" strike="noStrike" kern="1200" baseline="0">
+              <a:solidFill>
+                <a:schemeClr val="lt1">
+                  <a:lumMod val="85000"/>
+                </a:schemeClr>
+              </a:solidFill>
+              <a:latin typeface="+mn-lt"/>
+              <a:ea typeface="+mn-ea"/>
+              <a:cs typeface="+mn-cs"/>
+            </a:defRPr>
+          </a:pPr>
+          <a:endParaRPr lang="en-US"/>
+        </a:p>
+      </c:txPr>
+    </c:legend>
+    <c:plotVisOnly val="1"/>
+    <c:dispBlanksAs val="gap"/>
+    <c:extLst>
+      <c:ext xmlns:c16r3="http://schemas.microsoft.com/office/drawing/2017/03/chart" uri="{56B9EC1D-385E-4148-901F-78D8002777C0}">
+        <c16r3:dataDisplayOptions16>
+          <c16r3:dispNaAsBlank val="1"/>
+        </c16r3:dataDisplayOptions16>
+      </c:ext>
+    </c:extLst>
+    <c:showDLblsOverMax val="0"/>
+  </c:chart>
+  <c:spPr>
+    <a:gradFill flip="none" rotWithShape="1">
+      <a:gsLst>
+        <a:gs pos="0">
+          <a:schemeClr val="dk1">
+            <a:lumMod val="65000"/>
+            <a:lumOff val="35000"/>
+          </a:schemeClr>
+        </a:gs>
+        <a:gs pos="100000">
+          <a:schemeClr val="dk1">
+            <a:lumMod val="85000"/>
+            <a:lumOff val="15000"/>
+          </a:schemeClr>
+        </a:gs>
+      </a:gsLst>
+      <a:path path="circle">
+        <a:fillToRect l="50000" t="50000" r="50000" b="50000"/>
+      </a:path>
+      <a:tileRect/>
+    </a:gradFill>
+    <a:ln>
+      <a:noFill/>
+    </a:ln>
+    <a:effectLst/>
+  </c:spPr>
+  <c:txPr>
+    <a:bodyPr/>
+    <a:lstStyle/>
+    <a:p>
+      <a:pPr>
+        <a:defRPr/>
+      </a:pPr>
+      <a:endParaRPr lang="en-US"/>
+    </a:p>
+  </c:txPr>
+  <c:externalData r:id="rId3">
+    <c:autoUpdate val="0"/>
+  </c:externalData>
+  <c:extLst>
+    <c:ext xmlns:c14="http://schemas.microsoft.com/office/drawing/2007/8/2/chart" uri="{781A3756-C4B2-4CAC-9D66-4F8BD8637D16}">
+      <c14:pivotOptions>
+        <c14:dropZoneFilter val="1"/>
+        <c14:dropZoneCategories val="1"/>
+        <c14:dropZoneData val="1"/>
+        <c14:dropZoneSeries val="1"/>
+        <c14:dropZonesVisible val="1"/>
+      </c14:pivotOptions>
+    </c:ext>
+    <c:ext xmlns:c16="http://schemas.microsoft.com/office/drawing/2014/chart" uri="{E28EC0CA-F0BB-4C9C-879D-F8772B89E7AC}">
+      <c16:pivotOptions16>
+        <c16:showExpandCollapseFieldButtons val="1"/>
+      </c16:pivotOptions16>
+    </c:ext>
+  </c:extLst>
+</c:chartSpace>
+</file>
+
+<file path=ppt/charts/chart2.xml><?xml version="1.0" encoding="utf-8"?>
+<c:chartSpace xmlns:c="http://schemas.openxmlformats.org/drawingml/2006/chart" xmlns:a="http://schemas.openxmlformats.org/drawingml/2006/main" xmlns:r="http://schemas.openxmlformats.org/officeDocument/2006/relationships" xmlns:c16r2="http://schemas.microsoft.com/office/drawing/2015/06/chart">
+  <c:date1904 val="0"/>
+  <c:lang val="en-US"/>
+  <c:roundedCorners val="0"/>
+  <mc:AlternateContent xmlns:mc="http://schemas.openxmlformats.org/markup-compatibility/2006">
+    <mc:Choice xmlns:c14="http://schemas.microsoft.com/office/drawing/2007/8/2/chart" Requires="c14">
+      <c14:style val="102"/>
+    </mc:Choice>
+    <mc:Fallback>
+      <c:style val="2"/>
+    </mc:Fallback>
+  </mc:AlternateContent>
+  <c:pivotSource>
+    <c:name>[Historic_Nashville_City_Cemetery_Interments__1846-1979.xlsx]Marketing_Stuff!PivotTable3</c:name>
+    <c:fmtId val="12"/>
+  </c:pivotSource>
+  <c:chart>
+    <c:title>
+      <c:tx>
+        <c:rich>
+          <a:bodyPr rot="0" spcFirstLastPara="1" vertOverflow="ellipsis" vert="horz" wrap="square" anchor="ctr" anchorCtr="1"/>
+          <a:lstStyle/>
+          <a:p>
+            <a:pPr>
+              <a:defRPr sz="2128" b="1" i="0" u="none" strike="noStrike" kern="1200" spc="100" baseline="0">
+                <a:solidFill>
+                  <a:schemeClr val="lt1">
+                    <a:lumMod val="95000"/>
+                  </a:schemeClr>
+                </a:solidFill>
+                <a:effectLst>
+                  <a:outerShdw blurRad="50800" dist="38100" dir="5400000" algn="t" rotWithShape="0">
+                    <a:prstClr val="black">
+                      <a:alpha val="40000"/>
+                    </a:prstClr>
+                  </a:outerShdw>
+                </a:effectLst>
+                <a:latin typeface="+mn-lt"/>
+                <a:ea typeface="+mn-ea"/>
+                <a:cs typeface="+mn-cs"/>
+              </a:defRPr>
+            </a:pPr>
+            <a:r>
+              <a:rPr lang="en-US"/>
+              <a:t>"Old Age" Residents</a:t>
+            </a:r>
+          </a:p>
+        </c:rich>
+      </c:tx>
+      <c:overlay val="0"/>
+      <c:spPr>
+        <a:noFill/>
+        <a:ln>
+          <a:noFill/>
+        </a:ln>
+        <a:effectLst/>
+      </c:spPr>
+      <c:txPr>
+        <a:bodyPr rot="0" spcFirstLastPara="1" vertOverflow="ellipsis" vert="horz" wrap="square" anchor="ctr" anchorCtr="1"/>
+        <a:lstStyle/>
+        <a:p>
+          <a:pPr>
+            <a:defRPr sz="2128" b="1" i="0" u="none" strike="noStrike" kern="1200" spc="100" baseline="0">
+              <a:solidFill>
+                <a:schemeClr val="lt1">
+                  <a:lumMod val="95000"/>
+                </a:schemeClr>
+              </a:solidFill>
+              <a:effectLst>
+                <a:outerShdw blurRad="50800" dist="38100" dir="5400000" algn="t" rotWithShape="0">
+                  <a:prstClr val="black">
+                    <a:alpha val="40000"/>
+                  </a:prstClr>
+                </a:outerShdw>
+              </a:effectLst>
+              <a:latin typeface="+mn-lt"/>
+              <a:ea typeface="+mn-ea"/>
+              <a:cs typeface="+mn-cs"/>
+            </a:defRPr>
+          </a:pPr>
+          <a:endParaRPr lang="en-US"/>
+        </a:p>
+      </c:txPr>
+    </c:title>
+    <c:autoTitleDeleted val="0"/>
+    <c:pivotFmts>
+      <c:pivotFmt>
+        <c:idx val="0"/>
+        <c:spPr>
+          <a:solidFill>
+            <a:schemeClr val="accent1"/>
+          </a:solidFill>
+          <a:ln w="28575" cap="rnd">
+            <a:solidFill>
+              <a:schemeClr val="accent1"/>
+            </a:solidFill>
+            <a:round/>
+          </a:ln>
+          <a:effectLst/>
+        </c:spPr>
+        <c:marker>
+          <c:symbol val="none"/>
+        </c:marker>
+        <c:dLbl>
+          <c:idx val="0"/>
+          <c:spPr>
+            <a:noFill/>
+            <a:ln>
+              <a:noFill/>
+            </a:ln>
+            <a:effectLst/>
+          </c:spPr>
+          <c:txPr>
+            <a:bodyPr rot="0" spcFirstLastPara="1" vertOverflow="ellipsis" vert="horz" wrap="square" lIns="38100" tIns="19050" rIns="38100" bIns="19050" anchor="ctr" anchorCtr="1">
+              <a:spAutoFit/>
+            </a:bodyPr>
+            <a:lstStyle/>
+            <a:p>
+              <a:pPr>
+                <a:defRPr sz="900" b="0" i="0" u="none" strike="noStrike" kern="1200" baseline="0">
+                  <a:solidFill>
+                    <a:schemeClr val="tx1">
+                      <a:lumMod val="75000"/>
+                      <a:lumOff val="25000"/>
+                    </a:schemeClr>
+                  </a:solidFill>
+                  <a:latin typeface="+mn-lt"/>
+                  <a:ea typeface="+mn-ea"/>
+                  <a:cs typeface="+mn-cs"/>
+                </a:defRPr>
+              </a:pPr>
+              <a:endParaRPr lang="en-US"/>
+            </a:p>
+          </c:txPr>
+          <c:showLegendKey val="0"/>
+          <c:showVal val="0"/>
+          <c:showCatName val="0"/>
+          <c:showSerName val="0"/>
+          <c:showPercent val="0"/>
+          <c:showBubbleSize val="0"/>
+          <c:extLst>
+            <c:ext xmlns:c15="http://schemas.microsoft.com/office/drawing/2012/chart" uri="{CE6537A1-D6FC-4f65-9D91-7224C49458BB}"/>
+          </c:extLst>
+        </c:dLbl>
+      </c:pivotFmt>
+      <c:pivotFmt>
+        <c:idx val="1"/>
+        <c:spPr>
+          <a:solidFill>
+            <a:schemeClr val="accent1"/>
+          </a:solidFill>
+          <a:ln w="28575" cap="rnd">
+            <a:solidFill>
+              <a:schemeClr val="accent1"/>
+            </a:solidFill>
+            <a:round/>
+          </a:ln>
+          <a:effectLst/>
+        </c:spPr>
+        <c:marker>
+          <c:symbol val="none"/>
+        </c:marker>
+        <c:dLbl>
+          <c:idx val="0"/>
+          <c:spPr>
+            <a:noFill/>
+            <a:ln>
+              <a:noFill/>
+            </a:ln>
+            <a:effectLst/>
+          </c:spPr>
+          <c:txPr>
+            <a:bodyPr rot="0" spcFirstLastPara="1" vertOverflow="ellipsis" vert="horz" wrap="square" lIns="38100" tIns="19050" rIns="38100" bIns="19050" anchor="ctr" anchorCtr="1">
+              <a:spAutoFit/>
+            </a:bodyPr>
+            <a:lstStyle/>
+            <a:p>
+              <a:pPr>
+                <a:defRPr sz="900" b="0" i="0" u="none" strike="noStrike" kern="1200" baseline="0">
+                  <a:solidFill>
+                    <a:schemeClr val="tx1">
+                      <a:lumMod val="75000"/>
+                      <a:lumOff val="25000"/>
+                    </a:schemeClr>
+                  </a:solidFill>
+                  <a:latin typeface="+mn-lt"/>
+                  <a:ea typeface="+mn-ea"/>
+                  <a:cs typeface="+mn-cs"/>
+                </a:defRPr>
+              </a:pPr>
+              <a:endParaRPr lang="en-US"/>
+            </a:p>
+          </c:txPr>
+          <c:showLegendKey val="0"/>
+          <c:showVal val="0"/>
+          <c:showCatName val="0"/>
+          <c:showSerName val="0"/>
+          <c:showPercent val="0"/>
+          <c:showBubbleSize val="0"/>
+          <c:extLst>
+            <c:ext xmlns:c15="http://schemas.microsoft.com/office/drawing/2012/chart" uri="{CE6537A1-D6FC-4f65-9D91-7224C49458BB}"/>
+          </c:extLst>
+        </c:dLbl>
+      </c:pivotFmt>
+      <c:pivotFmt>
+        <c:idx val="2"/>
+        <c:spPr>
+          <a:gradFill rotWithShape="1">
+            <a:gsLst>
+              <a:gs pos="0">
+                <a:schemeClr val="accent1">
+                  <a:satMod val="103000"/>
+                  <a:lumMod val="102000"/>
+                  <a:tint val="94000"/>
+                </a:schemeClr>
+              </a:gs>
+              <a:gs pos="50000">
+                <a:schemeClr val="accent1">
+                  <a:satMod val="110000"/>
+                  <a:lumMod val="100000"/>
+                  <a:shade val="100000"/>
+                </a:schemeClr>
+              </a:gs>
+              <a:gs pos="100000">
+                <a:schemeClr val="accent1">
+                  <a:lumMod val="99000"/>
+                  <a:satMod val="120000"/>
+                  <a:shade val="78000"/>
+                </a:schemeClr>
+              </a:gs>
+            </a:gsLst>
+            <a:lin ang="5400000" scaled="0"/>
+          </a:gradFill>
+          <a:ln w="28575" cap="rnd">
+            <a:solidFill>
+              <a:schemeClr val="accent1"/>
+            </a:solidFill>
+            <a:round/>
+          </a:ln>
+          <a:effectLst/>
+        </c:spPr>
+        <c:marker>
+          <c:symbol val="none"/>
+        </c:marker>
+        <c:dLbl>
+          <c:idx val="0"/>
+          <c:spPr>
+            <a:noFill/>
+            <a:ln>
+              <a:noFill/>
+            </a:ln>
+            <a:effectLst/>
+          </c:spPr>
+          <c:txPr>
+            <a:bodyPr rot="0" spcFirstLastPara="1" vertOverflow="ellipsis" vert="horz" wrap="square" lIns="38100" tIns="19050" rIns="38100" bIns="19050" anchor="ctr" anchorCtr="1">
+              <a:spAutoFit/>
+            </a:bodyPr>
+            <a:lstStyle/>
+            <a:p>
+              <a:pPr>
+                <a:defRPr sz="900" b="0" i="0" u="none" strike="noStrike" kern="1200" baseline="0">
+                  <a:solidFill>
+                    <a:schemeClr val="tx1">
+                      <a:lumMod val="75000"/>
+                      <a:lumOff val="25000"/>
+                    </a:schemeClr>
+                  </a:solidFill>
+                  <a:latin typeface="+mn-lt"/>
+                  <a:ea typeface="+mn-ea"/>
+                  <a:cs typeface="+mn-cs"/>
+                </a:defRPr>
+              </a:pPr>
+              <a:endParaRPr lang="en-US"/>
+            </a:p>
+          </c:txPr>
+          <c:showLegendKey val="0"/>
+          <c:showVal val="0"/>
+          <c:showCatName val="0"/>
+          <c:showSerName val="0"/>
+          <c:showPercent val="0"/>
+          <c:showBubbleSize val="0"/>
+          <c:extLst>
+            <c:ext xmlns:c15="http://schemas.microsoft.com/office/drawing/2012/chart" uri="{CE6537A1-D6FC-4f65-9D91-7224C49458BB}"/>
+          </c:extLst>
+        </c:dLbl>
+      </c:pivotFmt>
+    </c:pivotFmts>
+    <c:plotArea>
+      <c:layout/>
+      <c:lineChart>
+        <c:grouping val="standard"/>
+        <c:varyColors val="0"/>
+        <c:ser>
+          <c:idx val="0"/>
+          <c:order val="0"/>
+          <c:tx>
+            <c:strRef>
+              <c:f>Marketing_Stuff!$B$39</c:f>
+              <c:strCache>
+                <c:ptCount val="1"/>
+                <c:pt idx="0">
+                  <c:v>Total</c:v>
+                </c:pt>
+              </c:strCache>
+            </c:strRef>
+          </c:tx>
+          <c:spPr>
+            <a:ln w="34925" cap="rnd">
+              <a:solidFill>
+                <a:schemeClr val="accent1"/>
+              </a:solidFill>
+              <a:round/>
+            </a:ln>
+            <a:effectLst>
+              <a:outerShdw blurRad="57150" dist="19050" dir="5400000" algn="ctr" rotWithShape="0">
+                <a:srgbClr val="000000">
+                  <a:alpha val="63000"/>
+                </a:srgbClr>
+              </a:outerShdw>
+            </a:effectLst>
+          </c:spPr>
+          <c:marker>
+            <c:symbol val="none"/>
+          </c:marker>
+          <c:cat>
+            <c:strRef>
+              <c:f>Marketing_Stuff!$A$40:$A$54</c:f>
+              <c:strCache>
+                <c:ptCount val="14"/>
+                <c:pt idx="0">
+                  <c:v>1840s</c:v>
+                </c:pt>
+                <c:pt idx="1">
+                  <c:v>1850s</c:v>
+                </c:pt>
+                <c:pt idx="2">
+                  <c:v>1860s</c:v>
+                </c:pt>
+                <c:pt idx="3">
+                  <c:v>1870s</c:v>
+                </c:pt>
+                <c:pt idx="4">
+                  <c:v>1880s</c:v>
+                </c:pt>
+                <c:pt idx="5">
+                  <c:v>1890s</c:v>
+                </c:pt>
+                <c:pt idx="6">
+                  <c:v>1900s</c:v>
+                </c:pt>
+                <c:pt idx="7">
+                  <c:v>1910s</c:v>
+                </c:pt>
+                <c:pt idx="8">
+                  <c:v>1920s</c:v>
+                </c:pt>
+                <c:pt idx="9">
+                  <c:v>1930s</c:v>
+                </c:pt>
+                <c:pt idx="10">
+                  <c:v>1940s</c:v>
+                </c:pt>
+                <c:pt idx="11">
+                  <c:v>1950s</c:v>
+                </c:pt>
+                <c:pt idx="12">
+                  <c:v>1960s</c:v>
+                </c:pt>
+                <c:pt idx="13">
+                  <c:v>1970s</c:v>
+                </c:pt>
+              </c:strCache>
+            </c:strRef>
+          </c:cat>
+          <c:val>
+            <c:numRef>
+              <c:f>Marketing_Stuff!$B$40:$B$54</c:f>
+              <c:numCache>
+                <c:formatCode>General</c:formatCode>
+                <c:ptCount val="14"/>
+                <c:pt idx="0">
+                  <c:v>38</c:v>
+                </c:pt>
+                <c:pt idx="1">
+                  <c:v>121</c:v>
+                </c:pt>
+                <c:pt idx="2">
+                  <c:v>152</c:v>
+                </c:pt>
+                <c:pt idx="3">
+                  <c:v>89</c:v>
+                </c:pt>
+                <c:pt idx="4">
+                  <c:v>59</c:v>
+                </c:pt>
+                <c:pt idx="5">
+                  <c:v>65</c:v>
+                </c:pt>
+                <c:pt idx="6">
+                  <c:v>42</c:v>
+                </c:pt>
+                <c:pt idx="7">
+                  <c:v>19</c:v>
+                </c:pt>
+                <c:pt idx="8">
+                  <c:v>5</c:v>
+                </c:pt>
+                <c:pt idx="9">
+                  <c:v>5</c:v>
+                </c:pt>
+                <c:pt idx="10">
+                  <c:v>6</c:v>
+                </c:pt>
+                <c:pt idx="11">
+                  <c:v>6</c:v>
+                </c:pt>
+                <c:pt idx="12">
+                  <c:v>4</c:v>
+                </c:pt>
+                <c:pt idx="13">
+                  <c:v>4</c:v>
+                </c:pt>
+              </c:numCache>
+            </c:numRef>
+          </c:val>
+          <c:smooth val="0"/>
+          <c:extLst>
+            <c:ext xmlns:c16="http://schemas.microsoft.com/office/drawing/2014/chart" uri="{C3380CC4-5D6E-409C-BE32-E72D297353CC}">
+              <c16:uniqueId val="{00000000-A810-422F-A3C7-7C590C95CE19}"/>
+            </c:ext>
+          </c:extLst>
+        </c:ser>
+        <c:dLbls>
+          <c:showLegendKey val="0"/>
+          <c:showVal val="0"/>
+          <c:showCatName val="0"/>
+          <c:showSerName val="0"/>
+          <c:showPercent val="0"/>
+          <c:showBubbleSize val="0"/>
+        </c:dLbls>
+        <c:smooth val="0"/>
+        <c:axId val="1527662911"/>
+        <c:axId val="1528527935"/>
+      </c:lineChart>
+      <c:catAx>
+        <c:axId val="1527662911"/>
+        <c:scaling>
+          <c:orientation val="minMax"/>
+        </c:scaling>
+        <c:delete val="0"/>
+        <c:axPos val="b"/>
+        <c:numFmt formatCode="General" sourceLinked="1"/>
+        <c:majorTickMark val="none"/>
+        <c:minorTickMark val="none"/>
+        <c:tickLblPos val="nextTo"/>
+        <c:spPr>
+          <a:noFill/>
+          <a:ln w="9525" cap="flat" cmpd="sng" algn="ctr">
+            <a:solidFill>
+              <a:schemeClr val="lt1">
+                <a:lumMod val="95000"/>
+                <a:alpha val="10000"/>
+              </a:schemeClr>
+            </a:solidFill>
+            <a:round/>
+          </a:ln>
+          <a:effectLst/>
+        </c:spPr>
+        <c:txPr>
+          <a:bodyPr rot="-60000000" spcFirstLastPara="1" vertOverflow="ellipsis" vert="horz" wrap="square" anchor="ctr" anchorCtr="1"/>
+          <a:lstStyle/>
+          <a:p>
+            <a:pPr>
+              <a:defRPr sz="1197" b="0" i="0" u="none" strike="noStrike" kern="1200" baseline="0">
+                <a:solidFill>
+                  <a:schemeClr val="lt1">
+                    <a:lumMod val="85000"/>
+                  </a:schemeClr>
+                </a:solidFill>
+                <a:latin typeface="+mn-lt"/>
+                <a:ea typeface="+mn-ea"/>
+                <a:cs typeface="+mn-cs"/>
+              </a:defRPr>
+            </a:pPr>
+            <a:endParaRPr lang="en-US"/>
+          </a:p>
+        </c:txPr>
+        <c:crossAx val="1528527935"/>
+        <c:crosses val="autoZero"/>
+        <c:auto val="1"/>
+        <c:lblAlgn val="ctr"/>
+        <c:lblOffset val="100"/>
+        <c:noMultiLvlLbl val="0"/>
+      </c:catAx>
+      <c:valAx>
+        <c:axId val="1528527935"/>
+        <c:scaling>
+          <c:orientation val="minMax"/>
+        </c:scaling>
+        <c:delete val="0"/>
+        <c:axPos val="l"/>
+        <c:majorGridlines>
+          <c:spPr>
+            <a:ln w="9525" cap="flat" cmpd="sng" algn="ctr">
+              <a:solidFill>
+                <a:schemeClr val="lt1">
+                  <a:lumMod val="95000"/>
+                  <a:alpha val="10000"/>
+                </a:schemeClr>
+              </a:solidFill>
+              <a:round/>
+            </a:ln>
+            <a:effectLst/>
+          </c:spPr>
+        </c:majorGridlines>
+        <c:numFmt formatCode="General" sourceLinked="1"/>
+        <c:majorTickMark val="none"/>
+        <c:minorTickMark val="none"/>
+        <c:tickLblPos val="nextTo"/>
+        <c:spPr>
+          <a:noFill/>
+          <a:ln>
+            <a:noFill/>
+          </a:ln>
+          <a:effectLst/>
+        </c:spPr>
+        <c:txPr>
+          <a:bodyPr rot="-60000000" spcFirstLastPara="1" vertOverflow="ellipsis" vert="horz" wrap="square" anchor="ctr" anchorCtr="1"/>
+          <a:lstStyle/>
+          <a:p>
+            <a:pPr>
+              <a:defRPr sz="1197" b="0" i="0" u="none" strike="noStrike" kern="1200" baseline="0">
+                <a:solidFill>
+                  <a:schemeClr val="lt1">
+                    <a:lumMod val="85000"/>
+                  </a:schemeClr>
+                </a:solidFill>
+                <a:latin typeface="+mn-lt"/>
+                <a:ea typeface="+mn-ea"/>
+                <a:cs typeface="+mn-cs"/>
+              </a:defRPr>
+            </a:pPr>
+            <a:endParaRPr lang="en-US"/>
+          </a:p>
+        </c:txPr>
+        <c:crossAx val="1527662911"/>
+        <c:crosses val="autoZero"/>
+        <c:crossBetween val="between"/>
+      </c:valAx>
+      <c:spPr>
+        <a:noFill/>
+        <a:ln>
+          <a:noFill/>
+        </a:ln>
+        <a:effectLst/>
+      </c:spPr>
+    </c:plotArea>
+    <c:legend>
+      <c:legendPos val="r"/>
+      <c:overlay val="0"/>
+      <c:spPr>
+        <a:noFill/>
+        <a:ln>
+          <a:noFill/>
+        </a:ln>
+        <a:effectLst/>
+      </c:spPr>
+      <c:txPr>
+        <a:bodyPr rot="0" spcFirstLastPara="1" vertOverflow="ellipsis" vert="horz" wrap="square" anchor="ctr" anchorCtr="1"/>
+        <a:lstStyle/>
+        <a:p>
+          <a:pPr>
+            <a:defRPr sz="1197" b="0" i="0" u="none" strike="noStrike" kern="1200" baseline="0">
+              <a:solidFill>
+                <a:schemeClr val="lt1">
+                  <a:lumMod val="85000"/>
+                </a:schemeClr>
+              </a:solidFill>
+              <a:latin typeface="+mn-lt"/>
+              <a:ea typeface="+mn-ea"/>
+              <a:cs typeface="+mn-cs"/>
+            </a:defRPr>
+          </a:pPr>
+          <a:endParaRPr lang="en-US"/>
+        </a:p>
+      </c:txPr>
+    </c:legend>
+    <c:plotVisOnly val="1"/>
+    <c:dispBlanksAs val="gap"/>
+    <c:extLst>
+      <c:ext xmlns:c16r3="http://schemas.microsoft.com/office/drawing/2017/03/chart" uri="{56B9EC1D-385E-4148-901F-78D8002777C0}">
+        <c16r3:dataDisplayOptions16>
+          <c16r3:dispNaAsBlank val="1"/>
+        </c16r3:dataDisplayOptions16>
+      </c:ext>
+    </c:extLst>
+    <c:showDLblsOverMax val="0"/>
+  </c:chart>
+  <c:spPr>
+    <a:gradFill flip="none" rotWithShape="1">
+      <a:gsLst>
+        <a:gs pos="0">
+          <a:schemeClr val="dk1">
+            <a:lumMod val="65000"/>
+            <a:lumOff val="35000"/>
+          </a:schemeClr>
+        </a:gs>
+        <a:gs pos="100000">
+          <a:schemeClr val="dk1">
+            <a:lumMod val="85000"/>
+            <a:lumOff val="15000"/>
+          </a:schemeClr>
+        </a:gs>
+      </a:gsLst>
+      <a:path path="circle">
+        <a:fillToRect l="50000" t="50000" r="50000" b="50000"/>
+      </a:path>
+      <a:tileRect/>
+    </a:gradFill>
+    <a:ln>
+      <a:noFill/>
+    </a:ln>
+    <a:effectLst/>
+  </c:spPr>
+  <c:txPr>
+    <a:bodyPr/>
+    <a:lstStyle/>
+    <a:p>
+      <a:pPr>
+        <a:defRPr/>
+      </a:pPr>
+      <a:endParaRPr lang="en-US"/>
+    </a:p>
+  </c:txPr>
+  <c:externalData r:id="rId3">
+    <c:autoUpdate val="0"/>
+  </c:externalData>
+  <c:extLst>
+    <c:ext xmlns:c14="http://schemas.microsoft.com/office/drawing/2007/8/2/chart" uri="{781A3756-C4B2-4CAC-9D66-4F8BD8637D16}">
+      <c14:pivotOptions>
+        <c14:dropZoneFilter val="1"/>
+        <c14:dropZoneCategories val="1"/>
+        <c14:dropZoneData val="1"/>
+        <c14:dropZoneSeries val="1"/>
+        <c14:dropZonesVisible val="1"/>
+      </c14:pivotOptions>
+    </c:ext>
+    <c:ext xmlns:c16="http://schemas.microsoft.com/office/drawing/2014/chart" uri="{E28EC0CA-F0BB-4C9C-879D-F8772B89E7AC}">
+      <c16:pivotOptions16>
+        <c16:showExpandCollapseFieldButtons val="1"/>
+      </c16:pivotOptions16>
+    </c:ext>
+  </c:extLst>
+</c:chartSpace>
+</file>
+
+<file path=ppt/charts/colors1.xml><?xml version="1.0" encoding="utf-8"?>
+<cs:colorStyle xmlns:cs="http://schemas.microsoft.com/office/drawing/2012/chartStyle" xmlns:a="http://schemas.openxmlformats.org/drawingml/2006/main" meth="cycle" id="10">
+  <a:schemeClr val="accent1"/>
+  <a:schemeClr val="accent2"/>
+  <a:schemeClr val="accent3"/>
+  <a:schemeClr val="accent4"/>
+  <a:schemeClr val="accent5"/>
+  <a:schemeClr val="accent6"/>
+  <cs:variation/>
+  <cs:variation>
+    <a:lumMod val="60000"/>
+  </cs:variation>
+  <cs:variation>
+    <a:lumMod val="80000"/>
+    <a:lumOff val="20000"/>
+  </cs:variation>
+  <cs:variation>
+    <a:lumMod val="80000"/>
+  </cs:variation>
+  <cs:variation>
+    <a:lumMod val="60000"/>
+    <a:lumOff val="40000"/>
+  </cs:variation>
+  <cs:variation>
+    <a:lumMod val="50000"/>
+  </cs:variation>
+  <cs:variation>
+    <a:lumMod val="70000"/>
+    <a:lumOff val="30000"/>
+  </cs:variation>
+  <cs:variation>
+    <a:lumMod val="70000"/>
+  </cs:variation>
+  <cs:variation>
+    <a:lumMod val="50000"/>
+    <a:lumOff val="50000"/>
+  </cs:variation>
+</cs:colorStyle>
+</file>
+
+<file path=ppt/charts/colors2.xml><?xml version="1.0" encoding="utf-8"?>
+<cs:colorStyle xmlns:cs="http://schemas.microsoft.com/office/drawing/2012/chartStyle" xmlns:a="http://schemas.openxmlformats.org/drawingml/2006/main" meth="cycle" id="10">
+  <a:schemeClr val="accent1"/>
+  <a:schemeClr val="accent2"/>
+  <a:schemeClr val="accent3"/>
+  <a:schemeClr val="accent4"/>
+  <a:schemeClr val="accent5"/>
+  <a:schemeClr val="accent6"/>
+  <cs:variation/>
+  <cs:variation>
+    <a:lumMod val="60000"/>
+  </cs:variation>
+  <cs:variation>
+    <a:lumMod val="80000"/>
+    <a:lumOff val="20000"/>
+  </cs:variation>
+  <cs:variation>
+    <a:lumMod val="80000"/>
+  </cs:variation>
+  <cs:variation>
+    <a:lumMod val="60000"/>
+    <a:lumOff val="40000"/>
+  </cs:variation>
+  <cs:variation>
+    <a:lumMod val="50000"/>
+  </cs:variation>
+  <cs:variation>
+    <a:lumMod val="70000"/>
+    <a:lumOff val="30000"/>
+  </cs:variation>
+  <cs:variation>
+    <a:lumMod val="70000"/>
+  </cs:variation>
+  <cs:variation>
+    <a:lumMod val="50000"/>
+    <a:lumOff val="50000"/>
+  </cs:variation>
+</cs:colorStyle>
+</file>
+
+<file path=ppt/charts/style1.xml><?xml version="1.0" encoding="utf-8"?>
+<cs:chartStyle xmlns:cs="http://schemas.microsoft.com/office/drawing/2012/chartStyle" xmlns:a="http://schemas.openxmlformats.org/drawingml/2006/main" id="328">
+  <cs:axisTitle>
+    <cs:lnRef idx="0"/>
+    <cs:fillRef idx="0"/>
+    <cs:effectRef idx="0"/>
+    <cs:fontRef idx="minor">
+      <a:schemeClr val="lt1">
+        <a:lumMod val="85000"/>
+      </a:schemeClr>
+    </cs:fontRef>
+    <cs:defRPr sz="1197" b="1" kern="1200" cap="all"/>
+  </cs:axisTitle>
+  <cs:categoryAxis>
+    <cs:lnRef idx="0"/>
+    <cs:fillRef idx="0"/>
+    <cs:effectRef idx="0"/>
+    <cs:fontRef idx="minor">
+      <a:schemeClr val="lt1">
+        <a:lumMod val="85000"/>
+      </a:schemeClr>
+    </cs:fontRef>
+    <cs:spPr>
+      <a:ln w="12700" cap="flat" cmpd="sng" algn="ctr">
+        <a:solidFill>
+          <a:schemeClr val="lt1">
+            <a:lumMod val="95000"/>
+            <a:alpha val="54000"/>
+          </a:schemeClr>
+        </a:solidFill>
+        <a:round/>
+      </a:ln>
+    </cs:spPr>
+    <cs:defRPr sz="1197" kern="1200"/>
+  </cs:categoryAxis>
+  <cs:chartArea>
+    <cs:lnRef idx="0"/>
+    <cs:fillRef idx="0"/>
+    <cs:effectRef idx="0"/>
+    <cs:fontRef idx="minor">
+      <a:schemeClr val="dk1"/>
+    </cs:fontRef>
+    <cs:spPr>
+      <a:gradFill flip="none" rotWithShape="1">
+        <a:gsLst>
+          <a:gs pos="0">
+            <a:schemeClr val="dk1">
+              <a:lumMod val="65000"/>
+              <a:lumOff val="35000"/>
+            </a:schemeClr>
+          </a:gs>
+          <a:gs pos="100000">
+            <a:schemeClr val="dk1">
+              <a:lumMod val="85000"/>
+              <a:lumOff val="15000"/>
+            </a:schemeClr>
+          </a:gs>
+        </a:gsLst>
+        <a:path path="circle">
+          <a:fillToRect l="50000" t="50000" r="50000" b="50000"/>
+        </a:path>
+        <a:tileRect/>
+      </a:gradFill>
+    </cs:spPr>
+    <cs:defRPr sz="1330" kern="1200"/>
+  </cs:chartArea>
+  <cs:dataLabel>
+    <cs:lnRef idx="0"/>
+    <cs:fillRef idx="0"/>
+    <cs:effectRef idx="0"/>
+    <cs:fontRef idx="minor">
+      <a:schemeClr val="lt1">
+        <a:lumMod val="85000"/>
+      </a:schemeClr>
+    </cs:fontRef>
+    <cs:defRPr sz="1197" kern="1200"/>
+  </cs:dataLabel>
+  <cs:dataLabelCallout>
+    <cs:lnRef idx="0"/>
+    <cs:fillRef idx="0"/>
+    <cs:effectRef idx="0"/>
+    <cs:fontRef idx="minor">
+      <a:schemeClr val="dk1">
+        <a:lumMod val="65000"/>
+        <a:lumOff val="35000"/>
+      </a:schemeClr>
+    </cs:fontRef>
+    <cs:spPr>
+      <a:solidFill>
+        <a:schemeClr val="lt1"/>
+      </a:solidFill>
+    </cs:spPr>
+    <cs:defRPr sz="1197" kern="1200"/>
+    <cs:bodyPr rot="0" spcFirstLastPara="1" vertOverflow="clip" horzOverflow="clip" vert="horz" wrap="square" lIns="36576" tIns="18288" rIns="36576" bIns="18288" anchor="ctr" anchorCtr="1">
+      <a:spAutoFit/>
+    </cs:bodyPr>
+  </cs:dataLabelCallout>
+  <cs:dataPoint>
+    <cs:lnRef idx="0"/>
+    <cs:fillRef idx="3">
+      <cs:styleClr val="auto"/>
+    </cs:fillRef>
+    <cs:effectRef idx="3"/>
+    <cs:fontRef idx="minor">
+      <a:schemeClr val="tx1"/>
+    </cs:fontRef>
+  </cs:dataPoint>
+  <cs:dataPoint3D>
+    <cs:lnRef idx="0"/>
+    <cs:fillRef idx="3">
+      <cs:styleClr val="auto"/>
+    </cs:fillRef>
+    <cs:effectRef idx="3"/>
+    <cs:fontRef idx="minor">
+      <a:schemeClr val="tx1"/>
+    </cs:fontRef>
+  </cs:dataPoint3D>
+  <cs:dataPointLine>
+    <cs:lnRef idx="0">
+      <cs:styleClr val="auto"/>
+    </cs:lnRef>
+    <cs:fillRef idx="3"/>
+    <cs:effectRef idx="3"/>
+    <cs:fontRef idx="minor">
+      <a:schemeClr val="tx1"/>
+    </cs:fontRef>
+    <cs:spPr>
+      <a:ln w="34925" cap="rnd">
+        <a:solidFill>
+          <a:schemeClr val="phClr"/>
+        </a:solidFill>
+        <a:round/>
+      </a:ln>
+    </cs:spPr>
+  </cs:dataPointLine>
+  <cs:dataPointMarker>
+    <cs:lnRef idx="0">
+      <cs:styleClr val="auto"/>
+    </cs:lnRef>
+    <cs:fillRef idx="3">
+      <cs:styleClr val="auto"/>
+    </cs:fillRef>
+    <cs:effectRef idx="3"/>
+    <cs:fontRef idx="minor">
+      <a:schemeClr val="tx1"/>
+    </cs:fontRef>
+    <cs:spPr>
+      <a:ln w="9525">
+        <a:solidFill>
+          <a:schemeClr val="phClr"/>
+        </a:solidFill>
+        <a:round/>
+      </a:ln>
+    </cs:spPr>
+  </cs:dataPointMarker>
+  <cs:dataPointMarkerLayout symbol="circle" size="6"/>
+  <cs:dataPointWireframe>
+    <cs:lnRef idx="0">
+      <cs:styleClr val="auto"/>
+    </cs:lnRef>
+    <cs:fillRef idx="3"/>
+    <cs:effectRef idx="3"/>
+    <cs:fontRef idx="minor">
+      <a:schemeClr val="tx1"/>
+    </cs:fontRef>
+    <cs:spPr>
+      <a:ln w="9525" cap="rnd">
+        <a:solidFill>
+          <a:schemeClr val="phClr"/>
+        </a:solidFill>
+        <a:round/>
+      </a:ln>
+    </cs:spPr>
+  </cs:dataPointWireframe>
+  <cs:dataTable>
+    <cs:lnRef idx="0"/>
+    <cs:fillRef idx="0"/>
+    <cs:effectRef idx="0"/>
+    <cs:fontRef idx="minor">
+      <a:schemeClr val="lt1">
+        <a:lumMod val="85000"/>
+      </a:schemeClr>
+    </cs:fontRef>
+    <cs:spPr>
+      <a:ln w="9525">
+        <a:solidFill>
+          <a:schemeClr val="lt1">
+            <a:lumMod val="95000"/>
+            <a:alpha val="54000"/>
+          </a:schemeClr>
+        </a:solidFill>
+      </a:ln>
+    </cs:spPr>
+    <cs:defRPr sz="1197" kern="1200"/>
+  </cs:dataTable>
+  <cs:downBar>
+    <cs:lnRef idx="0"/>
+    <cs:fillRef idx="0"/>
+    <cs:effectRef idx="0"/>
+    <cs:fontRef idx="minor">
+      <a:schemeClr val="tx1"/>
+    </cs:fontRef>
+    <cs:spPr>
+      <a:gradFill>
+        <a:gsLst>
+          <a:gs pos="100000">
+            <a:schemeClr val="dk1">
+              <a:lumMod val="95000"/>
+              <a:lumOff val="5000"/>
+            </a:schemeClr>
+          </a:gs>
+          <a:gs pos="0">
+            <a:schemeClr val="dk1">
+              <a:lumMod val="75000"/>
+              <a:lumOff val="25000"/>
+            </a:schemeClr>
+          </a:gs>
+        </a:gsLst>
+        <a:path path="circle">
+          <a:fillToRect l="50000" t="50000" r="50000" b="50000"/>
+        </a:path>
+      </a:gradFill>
+      <a:ln w="9525">
+        <a:solidFill>
+          <a:schemeClr val="dk1">
+            <a:lumMod val="75000"/>
+            <a:lumOff val="25000"/>
+          </a:schemeClr>
+        </a:solidFill>
+      </a:ln>
+    </cs:spPr>
+  </cs:downBar>
+  <cs:dropLine>
+    <cs:lnRef idx="0"/>
+    <cs:fillRef idx="0"/>
+    <cs:effectRef idx="0"/>
+    <cs:fontRef idx="minor">
+      <a:schemeClr val="tx1"/>
+    </cs:fontRef>
+    <cs:spPr>
+      <a:ln w="9525" cap="flat" cmpd="sng" algn="ctr">
+        <a:solidFill>
+          <a:schemeClr val="lt1"/>
+        </a:solidFill>
+        <a:round/>
+      </a:ln>
+    </cs:spPr>
+  </cs:dropLine>
+  <cs:errorBar>
+    <cs:lnRef idx="0"/>
+    <cs:fillRef idx="0"/>
+    <cs:effectRef idx="0"/>
+    <cs:fontRef idx="minor">
+      <a:schemeClr val="tx1"/>
+    </cs:fontRef>
+    <cs:spPr>
+      <a:ln w="9525" cap="flat" cmpd="sng" algn="ctr">
+        <a:solidFill>
+          <a:schemeClr val="lt1">
+            <a:lumMod val="95000"/>
+          </a:schemeClr>
+        </a:solidFill>
+        <a:round/>
+      </a:ln>
+    </cs:spPr>
+  </cs:errorBar>
+  <cs:floor>
+    <cs:lnRef idx="0"/>
+    <cs:fillRef idx="0"/>
+    <cs:effectRef idx="0"/>
+    <cs:fontRef idx="minor">
+      <a:schemeClr val="tx1"/>
+    </cs:fontRef>
+  </cs:floor>
+  <cs:gridlineMajor>
+    <cs:lnRef idx="0"/>
+    <cs:fillRef idx="0"/>
+    <cs:effectRef idx="0"/>
+    <cs:fontRef idx="minor">
+      <a:schemeClr val="tx1"/>
+    </cs:fontRef>
+    <cs:spPr>
+      <a:ln w="9525" cap="flat" cmpd="sng" algn="ctr">
+        <a:solidFill>
+          <a:schemeClr val="lt1">
+            <a:lumMod val="95000"/>
+            <a:alpha val="10000"/>
+          </a:schemeClr>
+        </a:solidFill>
+        <a:round/>
+      </a:ln>
+    </cs:spPr>
+  </cs:gridlineMajor>
+  <cs:gridlineMinor>
+    <cs:lnRef idx="0"/>
+    <cs:fillRef idx="0"/>
+    <cs:effectRef idx="0"/>
+    <cs:fontRef idx="minor">
+      <a:schemeClr val="tx1"/>
+    </cs:fontRef>
+    <cs:spPr>
+      <a:ln>
+        <a:solidFill>
+          <a:schemeClr val="lt1">
+            <a:lumMod val="95000"/>
+            <a:alpha val="5000"/>
+          </a:schemeClr>
+        </a:solidFill>
+      </a:ln>
+    </cs:spPr>
+  </cs:gridlineMinor>
+  <cs:hiLoLine>
+    <cs:lnRef idx="0"/>
+    <cs:fillRef idx="0"/>
+    <cs:effectRef idx="0"/>
+    <cs:fontRef idx="minor">
+      <a:schemeClr val="tx1"/>
+    </cs:fontRef>
+    <cs:spPr>
+      <a:ln w="9525" cap="flat" cmpd="sng" algn="ctr">
+        <a:solidFill>
+          <a:schemeClr val="lt1"/>
+        </a:solidFill>
+        <a:round/>
+      </a:ln>
+    </cs:spPr>
+  </cs:hiLoLine>
+  <cs:leaderLine>
+    <cs:lnRef idx="0"/>
+    <cs:fillRef idx="0"/>
+    <cs:effectRef idx="0"/>
+    <cs:fontRef idx="minor">
+      <a:schemeClr val="tx1"/>
+    </cs:fontRef>
+    <cs:spPr>
+      <a:ln w="9525">
+        <a:solidFill>
+          <a:schemeClr val="lt1">
+            <a:lumMod val="95000"/>
+            <a:alpha val="54000"/>
+          </a:schemeClr>
+        </a:solidFill>
+      </a:ln>
+    </cs:spPr>
+  </cs:leaderLine>
+  <cs:legend>
+    <cs:lnRef idx="0"/>
+    <cs:fillRef idx="0"/>
+    <cs:effectRef idx="0"/>
+    <cs:fontRef idx="minor">
+      <a:schemeClr val="lt1">
+        <a:lumMod val="85000"/>
+      </a:schemeClr>
+    </cs:fontRef>
+    <cs:defRPr sz="1197" kern="1200"/>
+  </cs:legend>
+  <cs:plotArea>
+    <cs:lnRef idx="0"/>
+    <cs:fillRef idx="0"/>
+    <cs:effectRef idx="0"/>
+    <cs:fontRef idx="minor">
+      <a:schemeClr val="tx1"/>
+    </cs:fontRef>
+  </cs:plotArea>
+  <cs:plotArea3D>
+    <cs:lnRef idx="0"/>
+    <cs:fillRef idx="0"/>
+    <cs:effectRef idx="0"/>
+    <cs:fontRef idx="minor">
+      <a:schemeClr val="tx1"/>
+    </cs:fontRef>
+  </cs:plotArea3D>
+  <cs:seriesAxis>
+    <cs:lnRef idx="0"/>
+    <cs:fillRef idx="0"/>
+    <cs:effectRef idx="0"/>
+    <cs:fontRef idx="minor">
+      <a:schemeClr val="lt1">
+        <a:lumMod val="85000"/>
+      </a:schemeClr>
+    </cs:fontRef>
+    <cs:spPr>
+      <a:ln w="12700" cap="flat" cmpd="sng" algn="ctr">
+        <a:solidFill>
+          <a:schemeClr val="lt1">
+            <a:lumMod val="95000"/>
+            <a:alpha val="54000"/>
+          </a:schemeClr>
+        </a:solidFill>
+        <a:round/>
+      </a:ln>
+    </cs:spPr>
+    <cs:defRPr sz="1197" kern="1200"/>
+  </cs:seriesAxis>
+  <cs:seriesLine>
+    <cs:lnRef idx="0"/>
+    <cs:fillRef idx="0"/>
+    <cs:effectRef idx="0"/>
+    <cs:fontRef idx="minor">
+      <a:schemeClr val="lt1"/>
+    </cs:fontRef>
+    <cs:spPr>
+      <a:ln w="9525" cap="flat" cmpd="sng" algn="ctr">
+        <a:solidFill>
+          <a:schemeClr val="lt1">
+            <a:lumMod val="95000"/>
+            <a:alpha val="54000"/>
+          </a:schemeClr>
+        </a:solidFill>
+        <a:round/>
+      </a:ln>
+    </cs:spPr>
+  </cs:seriesLine>
+  <cs:title>
+    <cs:lnRef idx="0"/>
+    <cs:fillRef idx="0"/>
+    <cs:effectRef idx="0"/>
+    <cs:fontRef idx="minor">
+      <a:schemeClr val="lt1">
+        <a:lumMod val="95000"/>
+      </a:schemeClr>
+    </cs:fontRef>
+    <cs:defRPr sz="2128" b="1" kern="1200" spc="100" baseline="0">
+      <a:effectLst>
+        <a:outerShdw blurRad="50800" dist="38100" dir="5400000" algn="t" rotWithShape="0">
+          <a:prstClr val="black">
+            <a:alpha val="40000"/>
+          </a:prstClr>
+        </a:outerShdw>
+      </a:effectLst>
+    </cs:defRPr>
+  </cs:title>
+  <cs:trendline>
+    <cs:lnRef idx="0">
+      <cs:styleClr val="auto"/>
+    </cs:lnRef>
+    <cs:fillRef idx="0"/>
+    <cs:effectRef idx="0"/>
+    <cs:fontRef idx="minor">
+      <a:schemeClr val="tx1"/>
+    </cs:fontRef>
+    <cs:spPr>
+      <a:ln w="19050" cap="rnd">
+        <a:solidFill>
+          <a:schemeClr val="phClr"/>
+        </a:solidFill>
+      </a:ln>
+    </cs:spPr>
+  </cs:trendline>
+  <cs:trendlineLabel>
+    <cs:lnRef idx="0"/>
+    <cs:fillRef idx="0"/>
+    <cs:effectRef idx="0"/>
+    <cs:fontRef idx="minor">
+      <a:schemeClr val="lt1">
+        <a:lumMod val="85000"/>
+      </a:schemeClr>
+    </cs:fontRef>
+    <cs:defRPr sz="1197" kern="1200"/>
+  </cs:trendlineLabel>
+  <cs:upBar>
+    <cs:lnRef idx="0"/>
+    <cs:fillRef idx="0"/>
+    <cs:effectRef idx="0"/>
+    <cs:fontRef idx="minor">
+      <a:schemeClr val="tx1"/>
+    </cs:fontRef>
+    <cs:spPr>
+      <a:gradFill>
+        <a:gsLst>
+          <a:gs pos="100000">
+            <a:schemeClr val="lt1">
+              <a:lumMod val="85000"/>
+            </a:schemeClr>
+          </a:gs>
+          <a:gs pos="0">
+            <a:schemeClr val="lt1"/>
+          </a:gs>
+        </a:gsLst>
+        <a:path path="circle">
+          <a:fillToRect l="50000" t="50000" r="50000" b="50000"/>
+        </a:path>
+      </a:gradFill>
+      <a:ln w="9525" cap="flat" cmpd="sng" algn="ctr">
+        <a:solidFill>
+          <a:schemeClr val="lt1"/>
+        </a:solidFill>
+        <a:round/>
+      </a:ln>
+    </cs:spPr>
+  </cs:upBar>
+  <cs:valueAxis>
+    <cs:lnRef idx="0"/>
+    <cs:fillRef idx="0"/>
+    <cs:effectRef idx="0"/>
+    <cs:fontRef idx="minor">
+      <a:schemeClr val="lt1">
+        <a:lumMod val="85000"/>
+      </a:schemeClr>
+    </cs:fontRef>
+    <cs:defRPr sz="1197" kern="1200"/>
+  </cs:valueAxis>
+  <cs:wall>
+    <cs:lnRef idx="0"/>
+    <cs:fillRef idx="0"/>
+    <cs:effectRef idx="0"/>
+    <cs:fontRef idx="minor">
+      <a:schemeClr val="tx1"/>
+    </cs:fontRef>
+  </cs:wall>
+</cs:chartStyle>
+</file>
+
+<file path=ppt/charts/style2.xml><?xml version="1.0" encoding="utf-8"?>
+<cs:chartStyle xmlns:cs="http://schemas.microsoft.com/office/drawing/2012/chartStyle" xmlns:a="http://schemas.openxmlformats.org/drawingml/2006/main" id="233">
+  <cs:axisTitle>
+    <cs:lnRef idx="0"/>
+    <cs:fillRef idx="0"/>
+    <cs:effectRef idx="0"/>
+    <cs:fontRef idx="minor">
+      <a:schemeClr val="lt1">
+        <a:lumMod val="85000"/>
+      </a:schemeClr>
+    </cs:fontRef>
+    <cs:defRPr sz="1197" b="1" kern="1200" cap="all"/>
+  </cs:axisTitle>
+  <cs:categoryAxis>
+    <cs:lnRef idx="0"/>
+    <cs:fillRef idx="0"/>
+    <cs:effectRef idx="0"/>
+    <cs:fontRef idx="minor">
+      <a:schemeClr val="lt1">
+        <a:lumMod val="85000"/>
+      </a:schemeClr>
+    </cs:fontRef>
+    <cs:spPr>
+      <a:ln w="9525" cap="flat" cmpd="sng" algn="ctr">
+        <a:solidFill>
+          <a:schemeClr val="lt1">
+            <a:lumMod val="95000"/>
+            <a:alpha val="10000"/>
+          </a:schemeClr>
+        </a:solidFill>
+        <a:round/>
+      </a:ln>
+    </cs:spPr>
+    <cs:defRPr sz="1197" kern="1200"/>
+  </cs:categoryAxis>
+  <cs:chartArea>
+    <cs:lnRef idx="0"/>
+    <cs:fillRef idx="0"/>
+    <cs:effectRef idx="0"/>
+    <cs:fontRef idx="minor">
+      <a:schemeClr val="dk1"/>
+    </cs:fontRef>
+    <cs:spPr>
+      <a:gradFill flip="none" rotWithShape="1">
+        <a:gsLst>
+          <a:gs pos="0">
+            <a:schemeClr val="dk1">
+              <a:lumMod val="65000"/>
+              <a:lumOff val="35000"/>
+            </a:schemeClr>
+          </a:gs>
+          <a:gs pos="100000">
+            <a:schemeClr val="dk1">
+              <a:lumMod val="85000"/>
+              <a:lumOff val="15000"/>
+            </a:schemeClr>
+          </a:gs>
+        </a:gsLst>
+        <a:path path="circle">
+          <a:fillToRect l="50000" t="50000" r="50000" b="50000"/>
+        </a:path>
+        <a:tileRect/>
+      </a:gradFill>
+    </cs:spPr>
+    <cs:defRPr sz="1330" kern="1200"/>
+  </cs:chartArea>
+  <cs:dataLabel>
+    <cs:lnRef idx="0"/>
+    <cs:fillRef idx="0"/>
+    <cs:effectRef idx="0"/>
+    <cs:fontRef idx="minor">
+      <a:schemeClr val="lt1">
+        <a:lumMod val="85000"/>
+      </a:schemeClr>
+    </cs:fontRef>
+    <cs:defRPr sz="1197" kern="1200"/>
+  </cs:dataLabel>
+  <cs:dataLabelCallout>
+    <cs:lnRef idx="0"/>
+    <cs:fillRef idx="0"/>
+    <cs:effectRef idx="0"/>
+    <cs:fontRef idx="minor">
+      <a:schemeClr val="dk1">
+        <a:lumMod val="65000"/>
+        <a:lumOff val="35000"/>
+      </a:schemeClr>
+    </cs:fontRef>
+    <cs:spPr>
+      <a:solidFill>
+        <a:schemeClr val="lt1"/>
+      </a:solidFill>
+    </cs:spPr>
+    <cs:defRPr sz="1197" kern="1200"/>
+    <cs:bodyPr rot="0" spcFirstLastPara="1" vertOverflow="clip" horzOverflow="clip" vert="horz" wrap="square" lIns="36576" tIns="18288" rIns="36576" bIns="18288" anchor="ctr" anchorCtr="1">
+      <a:spAutoFit/>
+    </cs:bodyPr>
+  </cs:dataLabelCallout>
+  <cs:dataPoint>
+    <cs:lnRef idx="0"/>
+    <cs:fillRef idx="3">
+      <cs:styleClr val="auto"/>
+    </cs:fillRef>
+    <cs:effectRef idx="3"/>
+    <cs:fontRef idx="minor">
+      <a:schemeClr val="tx1"/>
+    </cs:fontRef>
+  </cs:dataPoint>
+  <cs:dataPoint3D>
+    <cs:lnRef idx="0"/>
+    <cs:fillRef idx="3">
+      <cs:styleClr val="auto"/>
+    </cs:fillRef>
+    <cs:effectRef idx="3"/>
+    <cs:fontRef idx="minor">
+      <a:schemeClr val="tx1"/>
+    </cs:fontRef>
+  </cs:dataPoint3D>
+  <cs:dataPointLine>
+    <cs:lnRef idx="0">
+      <cs:styleClr val="auto"/>
+    </cs:lnRef>
+    <cs:fillRef idx="3"/>
+    <cs:effectRef idx="3"/>
+    <cs:fontRef idx="minor">
+      <a:schemeClr val="tx1"/>
+    </cs:fontRef>
+    <cs:spPr>
+      <a:ln w="34925" cap="rnd">
+        <a:solidFill>
+          <a:schemeClr val="phClr"/>
+        </a:solidFill>
+        <a:round/>
+      </a:ln>
+    </cs:spPr>
+  </cs:dataPointLine>
+  <cs:dataPointMarker>
+    <cs:lnRef idx="0">
+      <cs:styleClr val="auto"/>
+    </cs:lnRef>
+    <cs:fillRef idx="3">
+      <cs:styleClr val="auto"/>
+    </cs:fillRef>
+    <cs:effectRef idx="3"/>
+    <cs:fontRef idx="minor">
+      <a:schemeClr val="tx1"/>
+    </cs:fontRef>
+    <cs:spPr>
+      <a:ln w="9525">
+        <a:solidFill>
+          <a:schemeClr val="phClr"/>
+        </a:solidFill>
+        <a:round/>
+      </a:ln>
+    </cs:spPr>
+  </cs:dataPointMarker>
+  <cs:dataPointMarkerLayout symbol="circle" size="6"/>
+  <cs:dataPointWireframe>
+    <cs:lnRef idx="0">
+      <cs:styleClr val="auto"/>
+    </cs:lnRef>
+    <cs:fillRef idx="3"/>
+    <cs:effectRef idx="3"/>
+    <cs:fontRef idx="minor">
+      <a:schemeClr val="tx1"/>
+    </cs:fontRef>
+    <cs:spPr>
+      <a:ln w="9525" cap="rnd">
+        <a:solidFill>
+          <a:schemeClr val="phClr"/>
+        </a:solidFill>
+        <a:round/>
+      </a:ln>
+    </cs:spPr>
+  </cs:dataPointWireframe>
+  <cs:dataTable>
+    <cs:lnRef idx="0"/>
+    <cs:fillRef idx="0"/>
+    <cs:effectRef idx="0"/>
+    <cs:fontRef idx="minor">
+      <a:schemeClr val="lt1">
+        <a:lumMod val="85000"/>
+      </a:schemeClr>
+    </cs:fontRef>
+    <cs:spPr>
+      <a:ln w="9525">
+        <a:solidFill>
+          <a:schemeClr val="lt1">
+            <a:lumMod val="95000"/>
+            <a:alpha val="54000"/>
+          </a:schemeClr>
+        </a:solidFill>
+      </a:ln>
+    </cs:spPr>
+    <cs:defRPr sz="1197" kern="1200"/>
+  </cs:dataTable>
+  <cs:downBar>
+    <cs:lnRef idx="0"/>
+    <cs:fillRef idx="0"/>
+    <cs:effectRef idx="0"/>
+    <cs:fontRef idx="minor">
+      <a:schemeClr val="tx1"/>
+    </cs:fontRef>
+    <cs:spPr>
+      <a:solidFill>
+        <a:schemeClr val="dk1">
+          <a:lumMod val="75000"/>
+          <a:lumOff val="25000"/>
+        </a:schemeClr>
+      </a:solidFill>
+      <a:ln w="9525">
+        <a:solidFill>
+          <a:schemeClr val="lt1">
+            <a:lumMod val="95000"/>
+            <a:alpha val="54000"/>
+          </a:schemeClr>
+        </a:solidFill>
+      </a:ln>
+    </cs:spPr>
+  </cs:downBar>
+  <cs:dropLine>
+    <cs:lnRef idx="0"/>
+    <cs:fillRef idx="0"/>
+    <cs:effectRef idx="0"/>
+    <cs:fontRef idx="minor">
+      <a:schemeClr val="tx1"/>
+    </cs:fontRef>
+    <cs:spPr>
+      <a:ln w="9525">
+        <a:solidFill>
+          <a:schemeClr val="lt1">
+            <a:lumMod val="95000"/>
+            <a:alpha val="54000"/>
+          </a:schemeClr>
+        </a:solidFill>
+        <a:prstDash val="dash"/>
+      </a:ln>
+    </cs:spPr>
+  </cs:dropLine>
+  <cs:errorBar>
+    <cs:lnRef idx="0"/>
+    <cs:fillRef idx="0"/>
+    <cs:effectRef idx="0"/>
+    <cs:fontRef idx="minor">
+      <a:schemeClr val="tx1"/>
+    </cs:fontRef>
+    <cs:spPr>
+      <a:ln w="9525" cap="flat" cmpd="sng" algn="ctr">
+        <a:solidFill>
+          <a:schemeClr val="lt1">
+            <a:lumMod val="95000"/>
+          </a:schemeClr>
+        </a:solidFill>
+        <a:round/>
+      </a:ln>
+    </cs:spPr>
+  </cs:errorBar>
+  <cs:floor>
+    <cs:lnRef idx="0"/>
+    <cs:fillRef idx="0"/>
+    <cs:effectRef idx="0"/>
+    <cs:fontRef idx="minor">
+      <a:schemeClr val="tx1"/>
+    </cs:fontRef>
+  </cs:floor>
+  <cs:gridlineMajor>
+    <cs:lnRef idx="0"/>
+    <cs:fillRef idx="0"/>
+    <cs:effectRef idx="0"/>
+    <cs:fontRef idx="minor">
+      <a:schemeClr val="tx1"/>
+    </cs:fontRef>
+    <cs:spPr>
+      <a:ln w="9525" cap="flat" cmpd="sng" algn="ctr">
+        <a:solidFill>
+          <a:schemeClr val="lt1">
+            <a:lumMod val="95000"/>
+            <a:alpha val="10000"/>
+          </a:schemeClr>
+        </a:solidFill>
+        <a:round/>
+      </a:ln>
+    </cs:spPr>
+  </cs:gridlineMajor>
+  <cs:gridlineMinor>
+    <cs:lnRef idx="0"/>
+    <cs:fillRef idx="0"/>
+    <cs:effectRef idx="0"/>
+    <cs:fontRef idx="minor">
+      <a:schemeClr val="tx1"/>
+    </cs:fontRef>
+    <cs:spPr>
+      <a:ln>
+        <a:solidFill>
+          <a:schemeClr val="lt1">
+            <a:lumMod val="95000"/>
+            <a:alpha val="5000"/>
+          </a:schemeClr>
+        </a:solidFill>
+      </a:ln>
+    </cs:spPr>
+  </cs:gridlineMinor>
+  <cs:hiLoLine>
+    <cs:lnRef idx="0"/>
+    <cs:fillRef idx="0"/>
+    <cs:effectRef idx="0"/>
+    <cs:fontRef idx="minor">
+      <a:schemeClr val="tx1"/>
+    </cs:fontRef>
+    <cs:spPr>
+      <a:ln w="9525">
+        <a:solidFill>
+          <a:schemeClr val="lt1">
+            <a:lumMod val="95000"/>
+            <a:alpha val="54000"/>
+          </a:schemeClr>
+        </a:solidFill>
+        <a:prstDash val="dash"/>
+      </a:ln>
+    </cs:spPr>
+  </cs:hiLoLine>
+  <cs:leaderLine>
+    <cs:lnRef idx="0"/>
+    <cs:fillRef idx="0"/>
+    <cs:effectRef idx="0"/>
+    <cs:fontRef idx="minor">
+      <a:schemeClr val="tx1"/>
+    </cs:fontRef>
+    <cs:spPr>
+      <a:ln w="9525">
+        <a:solidFill>
+          <a:schemeClr val="lt1">
+            <a:lumMod val="95000"/>
+            <a:alpha val="54000"/>
+          </a:schemeClr>
+        </a:solidFill>
+      </a:ln>
+    </cs:spPr>
+  </cs:leaderLine>
+  <cs:legend>
+    <cs:lnRef idx="0"/>
+    <cs:fillRef idx="0"/>
+    <cs:effectRef idx="0"/>
+    <cs:fontRef idx="minor">
+      <a:schemeClr val="lt1">
+        <a:lumMod val="85000"/>
+      </a:schemeClr>
+    </cs:fontRef>
+    <cs:defRPr sz="1197" kern="1200"/>
+  </cs:legend>
+  <cs:plotArea>
+    <cs:lnRef idx="0"/>
+    <cs:fillRef idx="0"/>
+    <cs:effectRef idx="0"/>
+    <cs:fontRef idx="minor">
+      <a:schemeClr val="tx1"/>
+    </cs:fontRef>
+  </cs:plotArea>
+  <cs:plotArea3D>
+    <cs:lnRef idx="0"/>
+    <cs:fillRef idx="0"/>
+    <cs:effectRef idx="0"/>
+    <cs:fontRef idx="minor">
+      <a:schemeClr val="tx1"/>
+    </cs:fontRef>
+  </cs:plotArea3D>
+  <cs:seriesAxis>
+    <cs:lnRef idx="0"/>
+    <cs:fillRef idx="0"/>
+    <cs:effectRef idx="0"/>
+    <cs:fontRef idx="minor">
+      <a:schemeClr val="lt1">
+        <a:lumMod val="85000"/>
+      </a:schemeClr>
+    </cs:fontRef>
+    <cs:spPr>
+      <a:ln w="12700" cap="flat" cmpd="sng" algn="ctr">
+        <a:solidFill>
+          <a:schemeClr val="lt1">
+            <a:lumMod val="95000"/>
+            <a:alpha val="54000"/>
+          </a:schemeClr>
+        </a:solidFill>
+        <a:round/>
+      </a:ln>
+    </cs:spPr>
+    <cs:defRPr sz="1197" kern="1200"/>
+  </cs:seriesAxis>
+  <cs:seriesLine>
+    <cs:lnRef idx="0"/>
+    <cs:fillRef idx="0"/>
+    <cs:effectRef idx="0"/>
+    <cs:fontRef idx="minor">
+      <a:schemeClr val="lt1"/>
+    </cs:fontRef>
+    <cs:spPr>
+      <a:ln w="9525" cap="flat" cmpd="sng" algn="ctr">
+        <a:solidFill>
+          <a:schemeClr val="lt1">
+            <a:lumMod val="95000"/>
+            <a:alpha val="54000"/>
+          </a:schemeClr>
+        </a:solidFill>
+        <a:round/>
+      </a:ln>
+    </cs:spPr>
+  </cs:seriesLine>
+  <cs:title>
+    <cs:lnRef idx="0"/>
+    <cs:fillRef idx="0"/>
+    <cs:effectRef idx="0"/>
+    <cs:fontRef idx="minor">
+      <a:schemeClr val="lt1">
+        <a:lumMod val="95000"/>
+      </a:schemeClr>
+    </cs:fontRef>
+    <cs:defRPr sz="2128" b="1" kern="1200" spc="100" baseline="0">
+      <a:effectLst>
+        <a:outerShdw blurRad="50800" dist="38100" dir="5400000" algn="t" rotWithShape="0">
+          <a:prstClr val="black">
+            <a:alpha val="40000"/>
+          </a:prstClr>
+        </a:outerShdw>
+      </a:effectLst>
+    </cs:defRPr>
+  </cs:title>
+  <cs:trendline>
+    <cs:lnRef idx="0">
+      <cs:styleClr val="auto"/>
+    </cs:lnRef>
+    <cs:fillRef idx="0"/>
+    <cs:effectRef idx="0"/>
+    <cs:fontRef idx="minor">
+      <a:schemeClr val="tx1"/>
+    </cs:fontRef>
+    <cs:spPr>
+      <a:ln w="19050" cap="rnd">
+        <a:solidFill>
+          <a:schemeClr val="phClr"/>
+        </a:solidFill>
+      </a:ln>
+    </cs:spPr>
+  </cs:trendline>
+  <cs:trendlineLabel>
+    <cs:lnRef idx="0"/>
+    <cs:fillRef idx="0"/>
+    <cs:effectRef idx="0"/>
+    <cs:fontRef idx="minor">
+      <a:schemeClr val="lt1">
+        <a:lumMod val="85000"/>
+      </a:schemeClr>
+    </cs:fontRef>
+    <cs:defRPr sz="1197" kern="1200"/>
+  </cs:trendlineLabel>
+  <cs:upBar>
+    <cs:lnRef idx="0"/>
+    <cs:fillRef idx="0"/>
+    <cs:effectRef idx="0"/>
+    <cs:fontRef idx="minor">
+      <a:schemeClr val="tx1"/>
+    </cs:fontRef>
+    <cs:spPr>
+      <a:solidFill>
+        <a:schemeClr val="lt1"/>
+      </a:solidFill>
+      <a:ln w="9525">
+        <a:solidFill>
+          <a:schemeClr val="lt1">
+            <a:lumMod val="95000"/>
+            <a:alpha val="54000"/>
+          </a:schemeClr>
+        </a:solidFill>
+      </a:ln>
+    </cs:spPr>
+  </cs:upBar>
+  <cs:valueAxis>
+    <cs:lnRef idx="0"/>
+    <cs:fillRef idx="0"/>
+    <cs:effectRef idx="0"/>
+    <cs:fontRef idx="minor">
+      <a:schemeClr val="lt1">
+        <a:lumMod val="85000"/>
+      </a:schemeClr>
+    </cs:fontRef>
+    <cs:defRPr sz="1197" kern="1200"/>
+  </cs:valueAxis>
+  <cs:wall>
+    <cs:lnRef idx="0"/>
+    <cs:fillRef idx="0"/>
+    <cs:effectRef idx="0"/>
+    <cs:fontRef idx="minor">
+      <a:schemeClr val="tx1"/>
+    </cs:fontRef>
+  </cs:wall>
+</cs:chartStyle>
+</file>
+
 <file path=ppt/slideLayouts/slideLayout1.xml><?xml version="1.0" encoding="utf-8"?>
 <p:sldLayout xmlns:a="http://schemas.openxmlformats.org/drawingml/2006/main" xmlns:r="http://schemas.openxmlformats.org/officeDocument/2006/relationships" xmlns:p="http://schemas.openxmlformats.org/presentationml/2006/main" type="title" preserve="1">
   <p:cSld name="Title Slide">
@@ -264,7 +3029,7 @@
           <a:p>
             <a:fld id="{1ECB5883-038C-4696-8E27-1811E470D6D4}" type="datetime1">
               <a:rPr lang="en-US" smtClean="0"/>
-              <a:t>9/23/2023</a:t>
+              <a:t>9/26/2023</a:t>
             </a:fld>
             <a:endParaRPr lang="en-US"/>
           </a:p>
@@ -465,7 +3230,7 @@
           <a:p>
             <a:fld id="{61E8A6D4-154B-4E4D-9001-7A6C328D243E}" type="datetime1">
               <a:rPr lang="en-US" smtClean="0"/>
-              <a:t>9/23/2023</a:t>
+              <a:t>9/26/2023</a:t>
             </a:fld>
             <a:endParaRPr lang="en-US"/>
           </a:p>
@@ -676,7 +3441,7 @@
           <a:p>
             <a:fld id="{EF880999-9BD6-4929-BDEC-B84E21C16701}" type="datetime1">
               <a:rPr lang="en-US" smtClean="0"/>
-              <a:t>9/23/2023</a:t>
+              <a:t>9/26/2023</a:t>
             </a:fld>
             <a:endParaRPr lang="en-US"/>
           </a:p>
@@ -877,7 +3642,7 @@
           <a:p>
             <a:fld id="{579F6069-8263-4296-913A-BC2234E8D32B}" type="datetime1">
               <a:rPr lang="en-US" smtClean="0"/>
-              <a:t>9/23/2023</a:t>
+              <a:t>9/26/2023</a:t>
             </a:fld>
             <a:endParaRPr lang="en-US"/>
           </a:p>
@@ -1157,7 +3922,7 @@
           <a:p>
             <a:fld id="{BC9F5005-EC25-4FB9-B19B-2437F0B120D2}" type="datetime1">
               <a:rPr lang="en-US" smtClean="0"/>
-              <a:t>9/23/2023</a:t>
+              <a:t>9/26/2023</a:t>
             </a:fld>
             <a:endParaRPr lang="en-US"/>
           </a:p>
@@ -1425,7 +4190,7 @@
           <a:p>
             <a:fld id="{0B283B5C-2325-42FF-AF91-C1451D9D66CC}" type="datetime1">
               <a:rPr lang="en-US" smtClean="0"/>
-              <a:t>9/23/2023</a:t>
+              <a:t>9/26/2023</a:t>
             </a:fld>
             <a:endParaRPr lang="en-US"/>
           </a:p>
@@ -1844,7 +4609,7 @@
           <a:p>
             <a:fld id="{0F88DB08-3B01-46DD-99F2-F6F6334EA669}" type="datetime1">
               <a:rPr lang="en-US" smtClean="0"/>
-              <a:t>9/23/2023</a:t>
+              <a:t>9/26/2023</a:t>
             </a:fld>
             <a:endParaRPr lang="en-US"/>
           </a:p>
@@ -1988,7 +4753,7 @@
           <a:p>
             <a:fld id="{5892AC11-ACC3-4129-BBD7-C580BF1A4EE7}" type="datetime1">
               <a:rPr lang="en-US" smtClean="0"/>
-              <a:t>9/23/2023</a:t>
+              <a:t>9/26/2023</a:t>
             </a:fld>
             <a:endParaRPr lang="en-US"/>
           </a:p>
@@ -2104,7 +4869,7 @@
           <a:p>
             <a:fld id="{6D80F7F3-E406-44E2-93AF-674B3F1A2E51}" type="datetime1">
               <a:rPr lang="en-US" smtClean="0"/>
-              <a:t>9/23/2023</a:t>
+              <a:t>9/26/2023</a:t>
             </a:fld>
             <a:endParaRPr lang="en-US"/>
           </a:p>
@@ -2422,7 +5187,7 @@
           <a:p>
             <a:fld id="{2FB1DD93-7C9D-4E53-81F0-DDE57FEA7EDB}" type="datetime1">
               <a:rPr lang="en-US" smtClean="0"/>
-              <a:t>9/23/2023</a:t>
+              <a:t>9/26/2023</a:t>
             </a:fld>
             <a:endParaRPr lang="en-US"/>
           </a:p>
@@ -2715,7 +5480,7 @@
           <a:p>
             <a:fld id="{3DF7BC28-59DE-4F83-B4A1-497203279FAD}" type="datetime1">
               <a:rPr lang="en-US" smtClean="0"/>
-              <a:t>9/23/2023</a:t>
+              <a:t>9/26/2023</a:t>
             </a:fld>
             <a:endParaRPr lang="en-US"/>
           </a:p>
@@ -3015,7 +5780,7 @@
           <a:p>
             <a:fld id="{0BDC4764-F656-4735-9820-9886F8DF1D6A}" type="datetime1">
               <a:rPr lang="en-US" smtClean="0"/>
-              <a:t>9/23/2023</a:t>
+              <a:t>9/26/2023</a:t>
             </a:fld>
             <a:endParaRPr lang="en-US" dirty="0"/>
           </a:p>
@@ -3443,12 +6208,148 @@
           <a:chExt cx="0" cy="0"/>
         </a:xfrm>
       </p:grpSpPr>
+      <p:sp>
+        <p:nvSpPr>
+          <p:cNvPr id="2" name="Title 1">
+            <a:extLst>
+              <a:ext uri="{FF2B5EF4-FFF2-40B4-BE49-F238E27FC236}">
+                <a16:creationId xmlns:a16="http://schemas.microsoft.com/office/drawing/2014/main" id="{06716356-5F33-70F6-7F12-9339519E4141}"/>
+              </a:ext>
+            </a:extLst>
+          </p:cNvPr>
+          <p:cNvSpPr>
+            <a:spLocks noGrp="1"/>
+          </p:cNvSpPr>
+          <p:nvPr>
+            <p:ph type="title"/>
+          </p:nvPr>
+        </p:nvSpPr>
+        <p:spPr/>
+        <p:txBody>
+          <a:bodyPr/>
+          <a:lstStyle/>
+          <a:p>
+            <a:endParaRPr lang="en-US"/>
+          </a:p>
+        </p:txBody>
+      </p:sp>
+      <p:sp>
+        <p:nvSpPr>
+          <p:cNvPr id="3" name="Content Placeholder 2">
+            <a:extLst>
+              <a:ext uri="{FF2B5EF4-FFF2-40B4-BE49-F238E27FC236}">
+                <a16:creationId xmlns:a16="http://schemas.microsoft.com/office/drawing/2014/main" id="{D7B3C03B-E2CA-99B9-51ED-662DF6FB1A86}"/>
+              </a:ext>
+            </a:extLst>
+          </p:cNvPr>
+          <p:cNvSpPr>
+            <a:spLocks noGrp="1"/>
+          </p:cNvSpPr>
+          <p:nvPr>
+            <p:ph idx="1"/>
+          </p:nvPr>
+        </p:nvSpPr>
+        <p:spPr/>
+        <p:txBody>
+          <a:bodyPr/>
+          <a:lstStyle/>
+          <a:p>
+            <a:endParaRPr lang="en-US"/>
+          </a:p>
+        </p:txBody>
+      </p:sp>
+      <p:sp>
+        <p:nvSpPr>
+          <p:cNvPr id="4" name="Date Placeholder 3">
+            <a:extLst>
+              <a:ext uri="{FF2B5EF4-FFF2-40B4-BE49-F238E27FC236}">
+                <a16:creationId xmlns:a16="http://schemas.microsoft.com/office/drawing/2014/main" id="{1A0637B6-4E32-2075-DE68-F8428C1D2A33}"/>
+              </a:ext>
+            </a:extLst>
+          </p:cNvPr>
+          <p:cNvSpPr>
+            <a:spLocks noGrp="1"/>
+          </p:cNvSpPr>
+          <p:nvPr>
+            <p:ph type="dt" sz="half" idx="10"/>
+          </p:nvPr>
+        </p:nvSpPr>
+        <p:spPr/>
+        <p:txBody>
+          <a:bodyPr/>
+          <a:lstStyle/>
+          <a:p>
+            <a:fld id="{579F6069-8263-4296-913A-BC2234E8D32B}" type="datetime1">
+              <a:rPr lang="en-US" smtClean="0"/>
+              <a:t>9/26/2023</a:t>
+            </a:fld>
+            <a:endParaRPr lang="en-US"/>
+          </a:p>
+        </p:txBody>
+      </p:sp>
+      <p:sp>
+        <p:nvSpPr>
+          <p:cNvPr id="5" name="Footer Placeholder 4">
+            <a:extLst>
+              <a:ext uri="{FF2B5EF4-FFF2-40B4-BE49-F238E27FC236}">
+                <a16:creationId xmlns:a16="http://schemas.microsoft.com/office/drawing/2014/main" id="{BB627B1D-ACE9-42D2-3192-D46BE346D255}"/>
+              </a:ext>
+            </a:extLst>
+          </p:cNvPr>
+          <p:cNvSpPr>
+            <a:spLocks noGrp="1"/>
+          </p:cNvSpPr>
+          <p:nvPr>
+            <p:ph type="ftr" sz="quarter" idx="11"/>
+          </p:nvPr>
+        </p:nvSpPr>
+        <p:spPr/>
+        <p:txBody>
+          <a:bodyPr/>
+          <a:lstStyle/>
+          <a:p>
+            <a:r>
+              <a:rPr lang="en-US"/>
+              <a:t>Sample Footer Text</a:t>
+            </a:r>
+          </a:p>
+        </p:txBody>
+      </p:sp>
+      <p:sp>
+        <p:nvSpPr>
+          <p:cNvPr id="6" name="Slide Number Placeholder 5">
+            <a:extLst>
+              <a:ext uri="{FF2B5EF4-FFF2-40B4-BE49-F238E27FC236}">
+                <a16:creationId xmlns:a16="http://schemas.microsoft.com/office/drawing/2014/main" id="{9174F9F2-0CEF-9429-980E-B0BD6A35B731}"/>
+              </a:ext>
+            </a:extLst>
+          </p:cNvPr>
+          <p:cNvSpPr>
+            <a:spLocks noGrp="1"/>
+          </p:cNvSpPr>
+          <p:nvPr>
+            <p:ph type="sldNum" sz="quarter" idx="12"/>
+          </p:nvPr>
+        </p:nvSpPr>
+        <p:spPr/>
+        <p:txBody>
+          <a:bodyPr/>
+          <a:lstStyle/>
+          <a:p>
+            <a:fld id="{C68AC1EC-23E2-4F0E-A5A4-674EC8DB954E}" type="slidenum">
+              <a:rPr lang="en-US" smtClean="0"/>
+              <a:t>1</a:t>
+            </a:fld>
+            <a:endParaRPr lang="en-US"/>
+          </a:p>
+        </p:txBody>
+      </p:sp>
       <p:pic>
         <p:nvPicPr>
-          <p:cNvPr id="22" name="Picture 3" descr="Red rose on top of a gravestone">
-            <a:extLst>
-              <a:ext uri="{FF2B5EF4-FFF2-40B4-BE49-F238E27FC236}">
-                <a16:creationId xmlns:a16="http://schemas.microsoft.com/office/drawing/2014/main" id="{6AE8CF26-5D95-D628-23C9-E4B651105428}"/>
+          <p:cNvPr id="7" name="Picture 6">
+            <a:extLst>
+              <a:ext uri="{FF2B5EF4-FFF2-40B4-BE49-F238E27FC236}">
+                <a16:creationId xmlns:a16="http://schemas.microsoft.com/office/drawing/2014/main" id="{E1061E07-AF63-4407-A9D5-FE25F89795E8}"/>
               </a:ext>
             </a:extLst>
           </p:cNvPr>
@@ -3457,15 +6358,16 @@
           </p:cNvPicPr>
           <p:nvPr/>
         </p:nvPicPr>
-        <p:blipFill rotWithShape="1">
-          <a:blip r:embed="rId2"/>
-          <a:srcRect t="4291" b="11440"/>
-          <a:stretch/>
+        <p:blipFill>
+          <a:blip r:embed="rId3"/>
+          <a:stretch>
+            <a:fillRect/>
+          </a:stretch>
         </p:blipFill>
         <p:spPr>
           <a:xfrm>
-            <a:off x="-4483661" y="-998"/>
-            <a:ext cx="12191980" cy="6858000"/>
+            <a:off x="62990" y="1"/>
+            <a:ext cx="12192000" cy="6857999"/>
           </a:xfrm>
           <a:prstGeom prst="rect">
             <a:avLst/>
@@ -3474,2076 +6376,20 @@
       </p:pic>
       <p:sp>
         <p:nvSpPr>
-          <p:cNvPr id="9" name="Rectangle 8">
-            <a:extLst>
-              <a:ext uri="{FF2B5EF4-FFF2-40B4-BE49-F238E27FC236}">
-                <a16:creationId xmlns:a16="http://schemas.microsoft.com/office/drawing/2014/main" id="{45E16140-3297-21C6-DBE3-C39B7C320DEB}"/>
-              </a:ext>
-              <a:ext uri="{C183D7F6-B498-43B3-948B-1728B52AA6E4}">
-                <adec:decorative xmlns:adec="http://schemas.microsoft.com/office/drawing/2017/decorative" val="1"/>
-              </a:ext>
-            </a:extLst>
-          </p:cNvPr>
-          <p:cNvSpPr>
-            <a:spLocks noGrp="1" noRot="1" noChangeAspect="1" noMove="1" noResize="1" noEditPoints="1" noAdjustHandles="1" noChangeArrowheads="1" noChangeShapeType="1" noTextEdit="1"/>
-          </p:cNvSpPr>
-          <p:nvPr>
-            <p:extLst>
-              <p:ext uri="{386F3935-93C4-4BCD-93E2-E3B085C9AB24}">
-                <p16:designElem xmlns:p16="http://schemas.microsoft.com/office/powerpoint/2015/main" val="1"/>
-              </p:ext>
-            </p:extLst>
-          </p:nvPr>
+          <p:cNvPr id="9" name="TextBox 8">
+            <a:extLst>
+              <a:ext uri="{FF2B5EF4-FFF2-40B4-BE49-F238E27FC236}">
+                <a16:creationId xmlns:a16="http://schemas.microsoft.com/office/drawing/2014/main" id="{DB87A3CC-5C89-22E5-54CC-26B5AF7DE0D1}"/>
+              </a:ext>
+            </a:extLst>
+          </p:cNvPr>
+          <p:cNvSpPr txBox="1"/>
+          <p:nvPr/>
         </p:nvSpPr>
         <p:spPr>
           <a:xfrm>
-            <a:off x="5334001" y="233334"/>
-            <a:ext cx="6857999" cy="6623668"/>
-          </a:xfrm>
-          <a:prstGeom prst="rect">
-            <a:avLst/>
-          </a:prstGeom>
-          <a:gradFill flip="none" rotWithShape="1">
-            <a:gsLst>
-              <a:gs pos="0">
-                <a:srgbClr val="000000">
-                  <a:alpha val="46000"/>
-                </a:srgbClr>
-              </a:gs>
-              <a:gs pos="58000">
-                <a:srgbClr val="000000">
-                  <a:alpha val="0"/>
-                </a:srgbClr>
-              </a:gs>
-            </a:gsLst>
-            <a:path path="circle">
-              <a:fillToRect l="100000" t="100000"/>
-            </a:path>
-            <a:tileRect r="-100000" b="-100000"/>
-          </a:gradFill>
-          <a:ln>
-            <a:noFill/>
-          </a:ln>
-        </p:spPr>
-        <p:style>
-          <a:lnRef idx="2">
-            <a:schemeClr val="accent1">
-              <a:shade val="15000"/>
-            </a:schemeClr>
-          </a:lnRef>
-          <a:fillRef idx="1">
-            <a:schemeClr val="accent1"/>
-          </a:fillRef>
-          <a:effectRef idx="0">
-            <a:schemeClr val="accent1"/>
-          </a:effectRef>
-          <a:fontRef idx="minor">
-            <a:schemeClr val="lt1"/>
-          </a:fontRef>
-        </p:style>
-        <p:txBody>
-          <a:bodyPr rtlCol="0" anchor="ctr"/>
-          <a:lstStyle/>
-          <a:p>
-            <a:pPr algn="ctr"/>
-            <a:endParaRPr lang="en-US"/>
-          </a:p>
-        </p:txBody>
-      </p:sp>
-      <p:sp useBgFill="1">
-        <p:nvSpPr>
-          <p:cNvPr id="11" name="Freeform: Shape 10">
-            <a:extLst>
-              <a:ext uri="{FF2B5EF4-FFF2-40B4-BE49-F238E27FC236}">
-                <a16:creationId xmlns:a16="http://schemas.microsoft.com/office/drawing/2014/main" id="{7D6274A0-3052-A9E5-D76E-A868BE1964C8}"/>
-              </a:ext>
-              <a:ext uri="{C183D7F6-B498-43B3-948B-1728B52AA6E4}">
-                <adec:decorative xmlns:adec="http://schemas.microsoft.com/office/drawing/2017/decorative" val="1"/>
-              </a:ext>
-            </a:extLst>
-          </p:cNvPr>
-          <p:cNvSpPr>
-            <a:spLocks noGrp="1" noRot="1" noChangeAspect="1" noMove="1" noResize="1" noEditPoints="1" noAdjustHandles="1" noChangeArrowheads="1" noChangeShapeType="1" noTextEdit="1"/>
-          </p:cNvSpPr>
-          <p:nvPr>
-            <p:extLst>
-              <p:ext uri="{386F3935-93C4-4BCD-93E2-E3B085C9AB24}">
-                <p16:designElem xmlns:p16="http://schemas.microsoft.com/office/powerpoint/2015/main" val="1"/>
-              </p:ext>
-            </p:extLst>
-          </p:nvPr>
-        </p:nvSpPr>
-        <p:spPr>
-          <a:xfrm>
-            <a:off x="7855824" y="1711793"/>
-            <a:ext cx="3475365" cy="3381685"/>
-          </a:xfrm>
-          <a:custGeom>
-            <a:avLst/>
-            <a:gdLst>
-              <a:gd name="connsiteX0" fmla="*/ 66240 w 1495757"/>
-              <a:gd name="connsiteY0" fmla="*/ 1054656 h 1666165"/>
-              <a:gd name="connsiteX1" fmla="*/ 228925 w 1495757"/>
-              <a:gd name="connsiteY1" fmla="*/ 1307098 h 1666165"/>
-              <a:gd name="connsiteX2" fmla="*/ 397220 w 1495757"/>
-              <a:gd name="connsiteY2" fmla="*/ 1542710 h 1666165"/>
-              <a:gd name="connsiteX3" fmla="*/ 834785 w 1495757"/>
-              <a:gd name="connsiteY3" fmla="*/ 1666126 h 1666165"/>
-              <a:gd name="connsiteX4" fmla="*/ 1339669 w 1495757"/>
-              <a:gd name="connsiteY4" fmla="*/ 1531491 h 1666165"/>
-              <a:gd name="connsiteX5" fmla="*/ 1446255 w 1495757"/>
-              <a:gd name="connsiteY5" fmla="*/ 1189292 h 1666165"/>
-              <a:gd name="connsiteX6" fmla="*/ 1491134 w 1495757"/>
-              <a:gd name="connsiteY6" fmla="*/ 779775 h 1666165"/>
-              <a:gd name="connsiteX7" fmla="*/ 1339669 w 1495757"/>
-              <a:gd name="connsiteY7" fmla="*/ 420747 h 1666165"/>
-              <a:gd name="connsiteX8" fmla="*/ 1148935 w 1495757"/>
-              <a:gd name="connsiteY8" fmla="*/ 123427 h 1666165"/>
-              <a:gd name="connsiteX9" fmla="*/ 941372 w 1495757"/>
-              <a:gd name="connsiteY9" fmla="*/ 11 h 1666165"/>
-              <a:gd name="connsiteX10" fmla="*/ 554294 w 1495757"/>
-              <a:gd name="connsiteY10" fmla="*/ 129037 h 1666165"/>
-              <a:gd name="connsiteX11" fmla="*/ 189656 w 1495757"/>
-              <a:gd name="connsiteY11" fmla="*/ 375869 h 1666165"/>
-              <a:gd name="connsiteX12" fmla="*/ 15752 w 1495757"/>
-              <a:gd name="connsiteY12" fmla="*/ 594652 h 1666165"/>
-              <a:gd name="connsiteX13" fmla="*/ 15752 w 1495757"/>
-              <a:gd name="connsiteY13" fmla="*/ 880752 h 1666165"/>
-              <a:gd name="connsiteX14" fmla="*/ 66240 w 1495757"/>
-              <a:gd name="connsiteY14" fmla="*/ 1054656 h 1666165"/>
-              <a:gd name="connsiteX0" fmla="*/ 56549 w 1486066"/>
-              <a:gd name="connsiteY0" fmla="*/ 1054656 h 1666165"/>
-              <a:gd name="connsiteX1" fmla="*/ 219234 w 1486066"/>
-              <a:gd name="connsiteY1" fmla="*/ 1307098 h 1666165"/>
-              <a:gd name="connsiteX2" fmla="*/ 387529 w 1486066"/>
-              <a:gd name="connsiteY2" fmla="*/ 1542710 h 1666165"/>
-              <a:gd name="connsiteX3" fmla="*/ 825094 w 1486066"/>
-              <a:gd name="connsiteY3" fmla="*/ 1666126 h 1666165"/>
-              <a:gd name="connsiteX4" fmla="*/ 1329978 w 1486066"/>
-              <a:gd name="connsiteY4" fmla="*/ 1531491 h 1666165"/>
-              <a:gd name="connsiteX5" fmla="*/ 1436564 w 1486066"/>
-              <a:gd name="connsiteY5" fmla="*/ 1189292 h 1666165"/>
-              <a:gd name="connsiteX6" fmla="*/ 1481443 w 1486066"/>
-              <a:gd name="connsiteY6" fmla="*/ 779775 h 1666165"/>
-              <a:gd name="connsiteX7" fmla="*/ 1329978 w 1486066"/>
-              <a:gd name="connsiteY7" fmla="*/ 420747 h 1666165"/>
-              <a:gd name="connsiteX8" fmla="*/ 1139244 w 1486066"/>
-              <a:gd name="connsiteY8" fmla="*/ 123427 h 1666165"/>
-              <a:gd name="connsiteX9" fmla="*/ 931681 w 1486066"/>
-              <a:gd name="connsiteY9" fmla="*/ 11 h 1666165"/>
-              <a:gd name="connsiteX10" fmla="*/ 544603 w 1486066"/>
-              <a:gd name="connsiteY10" fmla="*/ 129037 h 1666165"/>
-              <a:gd name="connsiteX11" fmla="*/ 179965 w 1486066"/>
-              <a:gd name="connsiteY11" fmla="*/ 375869 h 1666165"/>
-              <a:gd name="connsiteX12" fmla="*/ 6061 w 1486066"/>
-              <a:gd name="connsiteY12" fmla="*/ 594652 h 1666165"/>
-              <a:gd name="connsiteX13" fmla="*/ 56549 w 1486066"/>
-              <a:gd name="connsiteY13" fmla="*/ 1054656 h 1666165"/>
-              <a:gd name="connsiteX0" fmla="*/ 0 w 1480005"/>
-              <a:gd name="connsiteY0" fmla="*/ 594652 h 1666165"/>
-              <a:gd name="connsiteX1" fmla="*/ 213173 w 1480005"/>
-              <a:gd name="connsiteY1" fmla="*/ 1307098 h 1666165"/>
-              <a:gd name="connsiteX2" fmla="*/ 381468 w 1480005"/>
-              <a:gd name="connsiteY2" fmla="*/ 1542710 h 1666165"/>
-              <a:gd name="connsiteX3" fmla="*/ 819033 w 1480005"/>
-              <a:gd name="connsiteY3" fmla="*/ 1666126 h 1666165"/>
-              <a:gd name="connsiteX4" fmla="*/ 1323917 w 1480005"/>
-              <a:gd name="connsiteY4" fmla="*/ 1531491 h 1666165"/>
-              <a:gd name="connsiteX5" fmla="*/ 1430503 w 1480005"/>
-              <a:gd name="connsiteY5" fmla="*/ 1189292 h 1666165"/>
-              <a:gd name="connsiteX6" fmla="*/ 1475382 w 1480005"/>
-              <a:gd name="connsiteY6" fmla="*/ 779775 h 1666165"/>
-              <a:gd name="connsiteX7" fmla="*/ 1323917 w 1480005"/>
-              <a:gd name="connsiteY7" fmla="*/ 420747 h 1666165"/>
-              <a:gd name="connsiteX8" fmla="*/ 1133183 w 1480005"/>
-              <a:gd name="connsiteY8" fmla="*/ 123427 h 1666165"/>
-              <a:gd name="connsiteX9" fmla="*/ 925620 w 1480005"/>
-              <a:gd name="connsiteY9" fmla="*/ 11 h 1666165"/>
-              <a:gd name="connsiteX10" fmla="*/ 538542 w 1480005"/>
-              <a:gd name="connsiteY10" fmla="*/ 129037 h 1666165"/>
-              <a:gd name="connsiteX11" fmla="*/ 173904 w 1480005"/>
-              <a:gd name="connsiteY11" fmla="*/ 375869 h 1666165"/>
-              <a:gd name="connsiteX12" fmla="*/ 0 w 1480005"/>
-              <a:gd name="connsiteY12" fmla="*/ 594652 h 1666165"/>
-              <a:gd name="connsiteX0" fmla="*/ 14219 w 1494224"/>
-              <a:gd name="connsiteY0" fmla="*/ 594652 h 1666165"/>
-              <a:gd name="connsiteX1" fmla="*/ 227392 w 1494224"/>
-              <a:gd name="connsiteY1" fmla="*/ 1307098 h 1666165"/>
-              <a:gd name="connsiteX2" fmla="*/ 395687 w 1494224"/>
-              <a:gd name="connsiteY2" fmla="*/ 1542710 h 1666165"/>
-              <a:gd name="connsiteX3" fmla="*/ 833252 w 1494224"/>
-              <a:gd name="connsiteY3" fmla="*/ 1666126 h 1666165"/>
-              <a:gd name="connsiteX4" fmla="*/ 1338136 w 1494224"/>
-              <a:gd name="connsiteY4" fmla="*/ 1531491 h 1666165"/>
-              <a:gd name="connsiteX5" fmla="*/ 1444722 w 1494224"/>
-              <a:gd name="connsiteY5" fmla="*/ 1189292 h 1666165"/>
-              <a:gd name="connsiteX6" fmla="*/ 1489601 w 1494224"/>
-              <a:gd name="connsiteY6" fmla="*/ 779775 h 1666165"/>
-              <a:gd name="connsiteX7" fmla="*/ 1338136 w 1494224"/>
-              <a:gd name="connsiteY7" fmla="*/ 420747 h 1666165"/>
-              <a:gd name="connsiteX8" fmla="*/ 1147402 w 1494224"/>
-              <a:gd name="connsiteY8" fmla="*/ 123427 h 1666165"/>
-              <a:gd name="connsiteX9" fmla="*/ 939839 w 1494224"/>
-              <a:gd name="connsiteY9" fmla="*/ 11 h 1666165"/>
-              <a:gd name="connsiteX10" fmla="*/ 552761 w 1494224"/>
-              <a:gd name="connsiteY10" fmla="*/ 129037 h 1666165"/>
-              <a:gd name="connsiteX11" fmla="*/ 188123 w 1494224"/>
-              <a:gd name="connsiteY11" fmla="*/ 375869 h 1666165"/>
-              <a:gd name="connsiteX12" fmla="*/ 14219 w 1494224"/>
-              <a:gd name="connsiteY12" fmla="*/ 594652 h 1666165"/>
-              <a:gd name="connsiteX0" fmla="*/ 9077 w 1489082"/>
-              <a:gd name="connsiteY0" fmla="*/ 594652 h 1666165"/>
-              <a:gd name="connsiteX1" fmla="*/ 222250 w 1489082"/>
-              <a:gd name="connsiteY1" fmla="*/ 1307098 h 1666165"/>
-              <a:gd name="connsiteX2" fmla="*/ 390545 w 1489082"/>
-              <a:gd name="connsiteY2" fmla="*/ 1542710 h 1666165"/>
-              <a:gd name="connsiteX3" fmla="*/ 828110 w 1489082"/>
-              <a:gd name="connsiteY3" fmla="*/ 1666126 h 1666165"/>
-              <a:gd name="connsiteX4" fmla="*/ 1332994 w 1489082"/>
-              <a:gd name="connsiteY4" fmla="*/ 1531491 h 1666165"/>
-              <a:gd name="connsiteX5" fmla="*/ 1439580 w 1489082"/>
-              <a:gd name="connsiteY5" fmla="*/ 1189292 h 1666165"/>
-              <a:gd name="connsiteX6" fmla="*/ 1484459 w 1489082"/>
-              <a:gd name="connsiteY6" fmla="*/ 779775 h 1666165"/>
-              <a:gd name="connsiteX7" fmla="*/ 1332994 w 1489082"/>
-              <a:gd name="connsiteY7" fmla="*/ 420747 h 1666165"/>
-              <a:gd name="connsiteX8" fmla="*/ 1142260 w 1489082"/>
-              <a:gd name="connsiteY8" fmla="*/ 123427 h 1666165"/>
-              <a:gd name="connsiteX9" fmla="*/ 934697 w 1489082"/>
-              <a:gd name="connsiteY9" fmla="*/ 11 h 1666165"/>
-              <a:gd name="connsiteX10" fmla="*/ 547619 w 1489082"/>
-              <a:gd name="connsiteY10" fmla="*/ 129037 h 1666165"/>
-              <a:gd name="connsiteX11" fmla="*/ 9077 w 1489082"/>
-              <a:gd name="connsiteY11" fmla="*/ 594652 h 1666165"/>
-              <a:gd name="connsiteX0" fmla="*/ 9077 w 1501902"/>
-              <a:gd name="connsiteY0" fmla="*/ 594652 h 1666165"/>
-              <a:gd name="connsiteX1" fmla="*/ 222250 w 1501902"/>
-              <a:gd name="connsiteY1" fmla="*/ 1307098 h 1666165"/>
-              <a:gd name="connsiteX2" fmla="*/ 390545 w 1501902"/>
-              <a:gd name="connsiteY2" fmla="*/ 1542710 h 1666165"/>
-              <a:gd name="connsiteX3" fmla="*/ 828110 w 1501902"/>
-              <a:gd name="connsiteY3" fmla="*/ 1666126 h 1666165"/>
-              <a:gd name="connsiteX4" fmla="*/ 1332994 w 1501902"/>
-              <a:gd name="connsiteY4" fmla="*/ 1531491 h 1666165"/>
-              <a:gd name="connsiteX5" fmla="*/ 1439580 w 1501902"/>
-              <a:gd name="connsiteY5" fmla="*/ 1189292 h 1666165"/>
-              <a:gd name="connsiteX6" fmla="*/ 1484459 w 1501902"/>
-              <a:gd name="connsiteY6" fmla="*/ 779775 h 1666165"/>
-              <a:gd name="connsiteX7" fmla="*/ 1142260 w 1501902"/>
-              <a:gd name="connsiteY7" fmla="*/ 123427 h 1666165"/>
-              <a:gd name="connsiteX8" fmla="*/ 934697 w 1501902"/>
-              <a:gd name="connsiteY8" fmla="*/ 11 h 1666165"/>
-              <a:gd name="connsiteX9" fmla="*/ 547619 w 1501902"/>
-              <a:gd name="connsiteY9" fmla="*/ 129037 h 1666165"/>
-              <a:gd name="connsiteX10" fmla="*/ 9077 w 1501902"/>
-              <a:gd name="connsiteY10" fmla="*/ 594652 h 1666165"/>
-              <a:gd name="connsiteX0" fmla="*/ 9077 w 1491891"/>
-              <a:gd name="connsiteY0" fmla="*/ 594652 h 1666165"/>
-              <a:gd name="connsiteX1" fmla="*/ 222250 w 1491891"/>
-              <a:gd name="connsiteY1" fmla="*/ 1307098 h 1666165"/>
-              <a:gd name="connsiteX2" fmla="*/ 390545 w 1491891"/>
-              <a:gd name="connsiteY2" fmla="*/ 1542710 h 1666165"/>
-              <a:gd name="connsiteX3" fmla="*/ 828110 w 1491891"/>
-              <a:gd name="connsiteY3" fmla="*/ 1666126 h 1666165"/>
-              <a:gd name="connsiteX4" fmla="*/ 1332994 w 1491891"/>
-              <a:gd name="connsiteY4" fmla="*/ 1531491 h 1666165"/>
-              <a:gd name="connsiteX5" fmla="*/ 1484459 w 1491891"/>
-              <a:gd name="connsiteY5" fmla="*/ 779775 h 1666165"/>
-              <a:gd name="connsiteX6" fmla="*/ 1142260 w 1491891"/>
-              <a:gd name="connsiteY6" fmla="*/ 123427 h 1666165"/>
-              <a:gd name="connsiteX7" fmla="*/ 934697 w 1491891"/>
-              <a:gd name="connsiteY7" fmla="*/ 11 h 1666165"/>
-              <a:gd name="connsiteX8" fmla="*/ 547619 w 1491891"/>
-              <a:gd name="connsiteY8" fmla="*/ 129037 h 1666165"/>
-              <a:gd name="connsiteX9" fmla="*/ 9077 w 1491891"/>
-              <a:gd name="connsiteY9" fmla="*/ 594652 h 1666165"/>
-              <a:gd name="connsiteX0" fmla="*/ 10852 w 1493666"/>
-              <a:gd name="connsiteY0" fmla="*/ 594652 h 1666169"/>
-              <a:gd name="connsiteX1" fmla="*/ 183580 w 1493666"/>
-              <a:gd name="connsiteY1" fmla="*/ 1268412 h 1666169"/>
-              <a:gd name="connsiteX2" fmla="*/ 392320 w 1493666"/>
-              <a:gd name="connsiteY2" fmla="*/ 1542710 h 1666169"/>
-              <a:gd name="connsiteX3" fmla="*/ 829885 w 1493666"/>
-              <a:gd name="connsiteY3" fmla="*/ 1666126 h 1666169"/>
-              <a:gd name="connsiteX4" fmla="*/ 1334769 w 1493666"/>
-              <a:gd name="connsiteY4" fmla="*/ 1531491 h 1666169"/>
-              <a:gd name="connsiteX5" fmla="*/ 1486234 w 1493666"/>
-              <a:gd name="connsiteY5" fmla="*/ 779775 h 1666169"/>
-              <a:gd name="connsiteX6" fmla="*/ 1144035 w 1493666"/>
-              <a:gd name="connsiteY6" fmla="*/ 123427 h 1666169"/>
-              <a:gd name="connsiteX7" fmla="*/ 936472 w 1493666"/>
-              <a:gd name="connsiteY7" fmla="*/ 11 h 1666169"/>
-              <a:gd name="connsiteX8" fmla="*/ 549394 w 1493666"/>
-              <a:gd name="connsiteY8" fmla="*/ 129037 h 1666169"/>
-              <a:gd name="connsiteX9" fmla="*/ 10852 w 1493666"/>
-              <a:gd name="connsiteY9" fmla="*/ 594652 h 1666169"/>
-              <a:gd name="connsiteX0" fmla="*/ 13894 w 1496708"/>
-              <a:gd name="connsiteY0" fmla="*/ 594652 h 1666169"/>
-              <a:gd name="connsiteX1" fmla="*/ 140902 w 1496708"/>
-              <a:gd name="connsiteY1" fmla="*/ 1268412 h 1666169"/>
-              <a:gd name="connsiteX2" fmla="*/ 395362 w 1496708"/>
-              <a:gd name="connsiteY2" fmla="*/ 1542710 h 1666169"/>
-              <a:gd name="connsiteX3" fmla="*/ 832927 w 1496708"/>
-              <a:gd name="connsiteY3" fmla="*/ 1666126 h 1666169"/>
-              <a:gd name="connsiteX4" fmla="*/ 1337811 w 1496708"/>
-              <a:gd name="connsiteY4" fmla="*/ 1531491 h 1666169"/>
-              <a:gd name="connsiteX5" fmla="*/ 1489276 w 1496708"/>
-              <a:gd name="connsiteY5" fmla="*/ 779775 h 1666169"/>
-              <a:gd name="connsiteX6" fmla="*/ 1147077 w 1496708"/>
-              <a:gd name="connsiteY6" fmla="*/ 123427 h 1666169"/>
-              <a:gd name="connsiteX7" fmla="*/ 939514 w 1496708"/>
-              <a:gd name="connsiteY7" fmla="*/ 11 h 1666169"/>
-              <a:gd name="connsiteX8" fmla="*/ 552436 w 1496708"/>
-              <a:gd name="connsiteY8" fmla="*/ 129037 h 1666169"/>
-              <a:gd name="connsiteX9" fmla="*/ 13894 w 1496708"/>
-              <a:gd name="connsiteY9" fmla="*/ 594652 h 1666169"/>
-              <a:gd name="connsiteX0" fmla="*/ 13894 w 1493356"/>
-              <a:gd name="connsiteY0" fmla="*/ 594652 h 1666169"/>
-              <a:gd name="connsiteX1" fmla="*/ 140902 w 1493356"/>
-              <a:gd name="connsiteY1" fmla="*/ 1268412 h 1666169"/>
-              <a:gd name="connsiteX2" fmla="*/ 395362 w 1493356"/>
-              <a:gd name="connsiteY2" fmla="*/ 1542710 h 1666169"/>
-              <a:gd name="connsiteX3" fmla="*/ 832927 w 1493356"/>
-              <a:gd name="connsiteY3" fmla="*/ 1666126 h 1666169"/>
-              <a:gd name="connsiteX4" fmla="*/ 1337811 w 1493356"/>
-              <a:gd name="connsiteY4" fmla="*/ 1531491 h 1666169"/>
-              <a:gd name="connsiteX5" fmla="*/ 1489276 w 1493356"/>
-              <a:gd name="connsiteY5" fmla="*/ 779775 h 1666169"/>
-              <a:gd name="connsiteX6" fmla="*/ 1210382 w 1493356"/>
-              <a:gd name="connsiteY6" fmla="*/ 123427 h 1666169"/>
-              <a:gd name="connsiteX7" fmla="*/ 939514 w 1493356"/>
-              <a:gd name="connsiteY7" fmla="*/ 11 h 1666169"/>
-              <a:gd name="connsiteX8" fmla="*/ 552436 w 1493356"/>
-              <a:gd name="connsiteY8" fmla="*/ 129037 h 1666169"/>
-              <a:gd name="connsiteX9" fmla="*/ 13894 w 1493356"/>
-              <a:gd name="connsiteY9" fmla="*/ 594652 h 1666169"/>
-              <a:gd name="connsiteX0" fmla="*/ 13894 w 1492733"/>
-              <a:gd name="connsiteY0" fmla="*/ 594652 h 1666935"/>
-              <a:gd name="connsiteX1" fmla="*/ 140902 w 1492733"/>
-              <a:gd name="connsiteY1" fmla="*/ 1268412 h 1666935"/>
-              <a:gd name="connsiteX2" fmla="*/ 395362 w 1492733"/>
-              <a:gd name="connsiteY2" fmla="*/ 1542710 h 1666935"/>
-              <a:gd name="connsiteX3" fmla="*/ 832927 w 1492733"/>
-              <a:gd name="connsiteY3" fmla="*/ 1666126 h 1666935"/>
-              <a:gd name="connsiteX4" fmla="*/ 1330777 w 1492733"/>
-              <a:gd name="connsiteY4" fmla="*/ 1489288 h 1666935"/>
-              <a:gd name="connsiteX5" fmla="*/ 1489276 w 1492733"/>
-              <a:gd name="connsiteY5" fmla="*/ 779775 h 1666935"/>
-              <a:gd name="connsiteX6" fmla="*/ 1210382 w 1492733"/>
-              <a:gd name="connsiteY6" fmla="*/ 123427 h 1666935"/>
-              <a:gd name="connsiteX7" fmla="*/ 939514 w 1492733"/>
-              <a:gd name="connsiteY7" fmla="*/ 11 h 1666935"/>
-              <a:gd name="connsiteX8" fmla="*/ 552436 w 1492733"/>
-              <a:gd name="connsiteY8" fmla="*/ 129037 h 1666935"/>
-              <a:gd name="connsiteX9" fmla="*/ 13894 w 1492733"/>
-              <a:gd name="connsiteY9" fmla="*/ 594652 h 1666935"/>
-              <a:gd name="connsiteX0" fmla="*/ 13894 w 1492733"/>
-              <a:gd name="connsiteY0" fmla="*/ 539375 h 1611658"/>
-              <a:gd name="connsiteX1" fmla="*/ 140902 w 1492733"/>
-              <a:gd name="connsiteY1" fmla="*/ 1213135 h 1611658"/>
-              <a:gd name="connsiteX2" fmla="*/ 395362 w 1492733"/>
-              <a:gd name="connsiteY2" fmla="*/ 1487433 h 1611658"/>
-              <a:gd name="connsiteX3" fmla="*/ 832927 w 1492733"/>
-              <a:gd name="connsiteY3" fmla="*/ 1610849 h 1611658"/>
-              <a:gd name="connsiteX4" fmla="*/ 1330777 w 1492733"/>
-              <a:gd name="connsiteY4" fmla="*/ 1434011 h 1611658"/>
-              <a:gd name="connsiteX5" fmla="*/ 1489276 w 1492733"/>
-              <a:gd name="connsiteY5" fmla="*/ 724498 h 1611658"/>
-              <a:gd name="connsiteX6" fmla="*/ 1210382 w 1492733"/>
-              <a:gd name="connsiteY6" fmla="*/ 68150 h 1611658"/>
-              <a:gd name="connsiteX7" fmla="*/ 552436 w 1492733"/>
-              <a:gd name="connsiteY7" fmla="*/ 73760 h 1611658"/>
-              <a:gd name="connsiteX8" fmla="*/ 13894 w 1492733"/>
-              <a:gd name="connsiteY8" fmla="*/ 539375 h 1611658"/>
-              <a:gd name="connsiteX0" fmla="*/ 22437 w 1501276"/>
-              <a:gd name="connsiteY0" fmla="*/ 539375 h 1620865"/>
-              <a:gd name="connsiteX1" fmla="*/ 149445 w 1501276"/>
-              <a:gd name="connsiteY1" fmla="*/ 1213135 h 1620865"/>
-              <a:gd name="connsiteX2" fmla="*/ 841470 w 1501276"/>
-              <a:gd name="connsiteY2" fmla="*/ 1610849 h 1620865"/>
-              <a:gd name="connsiteX3" fmla="*/ 1339320 w 1501276"/>
-              <a:gd name="connsiteY3" fmla="*/ 1434011 h 1620865"/>
-              <a:gd name="connsiteX4" fmla="*/ 1497819 w 1501276"/>
-              <a:gd name="connsiteY4" fmla="*/ 724498 h 1620865"/>
-              <a:gd name="connsiteX5" fmla="*/ 1218925 w 1501276"/>
-              <a:gd name="connsiteY5" fmla="*/ 68150 h 1620865"/>
-              <a:gd name="connsiteX6" fmla="*/ 560979 w 1501276"/>
-              <a:gd name="connsiteY6" fmla="*/ 73760 h 1620865"/>
-              <a:gd name="connsiteX7" fmla="*/ 22437 w 1501276"/>
-              <a:gd name="connsiteY7" fmla="*/ 539375 h 1620865"/>
-              <a:gd name="connsiteX0" fmla="*/ 18441 w 1498582"/>
-              <a:gd name="connsiteY0" fmla="*/ 539375 h 1620866"/>
-              <a:gd name="connsiteX1" fmla="*/ 145449 w 1498582"/>
-              <a:gd name="connsiteY1" fmla="*/ 1213135 h 1620866"/>
-              <a:gd name="connsiteX2" fmla="*/ 672288 w 1498582"/>
-              <a:gd name="connsiteY2" fmla="*/ 1610850 h 1620866"/>
-              <a:gd name="connsiteX3" fmla="*/ 1335324 w 1498582"/>
-              <a:gd name="connsiteY3" fmla="*/ 1434011 h 1620866"/>
-              <a:gd name="connsiteX4" fmla="*/ 1493823 w 1498582"/>
-              <a:gd name="connsiteY4" fmla="*/ 724498 h 1620866"/>
-              <a:gd name="connsiteX5" fmla="*/ 1214929 w 1498582"/>
-              <a:gd name="connsiteY5" fmla="*/ 68150 h 1620866"/>
-              <a:gd name="connsiteX6" fmla="*/ 556983 w 1498582"/>
-              <a:gd name="connsiteY6" fmla="*/ 73760 h 1620866"/>
-              <a:gd name="connsiteX7" fmla="*/ 18441 w 1498582"/>
-              <a:gd name="connsiteY7" fmla="*/ 539375 h 1620866"/>
-              <a:gd name="connsiteX0" fmla="*/ 18441 w 1502750"/>
-              <a:gd name="connsiteY0" fmla="*/ 539375 h 1618556"/>
-              <a:gd name="connsiteX1" fmla="*/ 145449 w 1502750"/>
-              <a:gd name="connsiteY1" fmla="*/ 1213135 h 1618556"/>
-              <a:gd name="connsiteX2" fmla="*/ 672288 w 1502750"/>
-              <a:gd name="connsiteY2" fmla="*/ 1610850 h 1618556"/>
-              <a:gd name="connsiteX3" fmla="*/ 1361406 w 1502750"/>
-              <a:gd name="connsiteY3" fmla="*/ 1416622 h 1618556"/>
-              <a:gd name="connsiteX4" fmla="*/ 1493823 w 1502750"/>
-              <a:gd name="connsiteY4" fmla="*/ 724498 h 1618556"/>
-              <a:gd name="connsiteX5" fmla="*/ 1214929 w 1502750"/>
-              <a:gd name="connsiteY5" fmla="*/ 68150 h 1618556"/>
-              <a:gd name="connsiteX6" fmla="*/ 556983 w 1502750"/>
-              <a:gd name="connsiteY6" fmla="*/ 73760 h 1618556"/>
-              <a:gd name="connsiteX7" fmla="*/ 18441 w 1502750"/>
-              <a:gd name="connsiteY7" fmla="*/ 539375 h 1618556"/>
-              <a:gd name="connsiteX0" fmla="*/ 18441 w 1502157"/>
-              <a:gd name="connsiteY0" fmla="*/ 500120 h 1579301"/>
-              <a:gd name="connsiteX1" fmla="*/ 145449 w 1502157"/>
-              <a:gd name="connsiteY1" fmla="*/ 1173880 h 1579301"/>
-              <a:gd name="connsiteX2" fmla="*/ 672288 w 1502157"/>
-              <a:gd name="connsiteY2" fmla="*/ 1571595 h 1579301"/>
-              <a:gd name="connsiteX3" fmla="*/ 1361406 w 1502157"/>
-              <a:gd name="connsiteY3" fmla="*/ 1377367 h 1579301"/>
-              <a:gd name="connsiteX4" fmla="*/ 1493823 w 1502157"/>
-              <a:gd name="connsiteY4" fmla="*/ 685243 h 1579301"/>
-              <a:gd name="connsiteX5" fmla="*/ 1223623 w 1502157"/>
-              <a:gd name="connsiteY5" fmla="*/ 107141 h 1579301"/>
-              <a:gd name="connsiteX6" fmla="*/ 556983 w 1502157"/>
-              <a:gd name="connsiteY6" fmla="*/ 34505 h 1579301"/>
-              <a:gd name="connsiteX7" fmla="*/ 18441 w 1502157"/>
-              <a:gd name="connsiteY7" fmla="*/ 500120 h 1579301"/>
-              <a:gd name="connsiteX0" fmla="*/ 41126 w 1426063"/>
-              <a:gd name="connsiteY0" fmla="*/ 528950 h 1581283"/>
-              <a:gd name="connsiteX1" fmla="*/ 69355 w 1426063"/>
-              <a:gd name="connsiteY1" fmla="*/ 1175862 h 1581283"/>
-              <a:gd name="connsiteX2" fmla="*/ 596194 w 1426063"/>
-              <a:gd name="connsiteY2" fmla="*/ 1573577 h 1581283"/>
-              <a:gd name="connsiteX3" fmla="*/ 1285312 w 1426063"/>
-              <a:gd name="connsiteY3" fmla="*/ 1379349 h 1581283"/>
-              <a:gd name="connsiteX4" fmla="*/ 1417729 w 1426063"/>
-              <a:gd name="connsiteY4" fmla="*/ 687225 h 1581283"/>
-              <a:gd name="connsiteX5" fmla="*/ 1147529 w 1426063"/>
-              <a:gd name="connsiteY5" fmla="*/ 109123 h 1581283"/>
-              <a:gd name="connsiteX6" fmla="*/ 480889 w 1426063"/>
-              <a:gd name="connsiteY6" fmla="*/ 36487 h 1581283"/>
-              <a:gd name="connsiteX7" fmla="*/ 41126 w 1426063"/>
-              <a:gd name="connsiteY7" fmla="*/ 528950 h 1581283"/>
-              <a:gd name="connsiteX0" fmla="*/ 41126 w 1422860"/>
-              <a:gd name="connsiteY0" fmla="*/ 528950 h 1579832"/>
-              <a:gd name="connsiteX1" fmla="*/ 69355 w 1422860"/>
-              <a:gd name="connsiteY1" fmla="*/ 1175862 h 1579832"/>
-              <a:gd name="connsiteX2" fmla="*/ 596194 w 1422860"/>
-              <a:gd name="connsiteY2" fmla="*/ 1573577 h 1579832"/>
-              <a:gd name="connsiteX3" fmla="*/ 1266038 w 1422860"/>
-              <a:gd name="connsiteY3" fmla="*/ 1365925 h 1579832"/>
-              <a:gd name="connsiteX4" fmla="*/ 1417729 w 1422860"/>
-              <a:gd name="connsiteY4" fmla="*/ 687225 h 1579832"/>
-              <a:gd name="connsiteX5" fmla="*/ 1147529 w 1422860"/>
-              <a:gd name="connsiteY5" fmla="*/ 109123 h 1579832"/>
-              <a:gd name="connsiteX6" fmla="*/ 480889 w 1422860"/>
-              <a:gd name="connsiteY6" fmla="*/ 36487 h 1579832"/>
-              <a:gd name="connsiteX7" fmla="*/ 41126 w 1422860"/>
-              <a:gd name="connsiteY7" fmla="*/ 528950 h 1579832"/>
-              <a:gd name="connsiteX0" fmla="*/ 41126 w 1422860"/>
-              <a:gd name="connsiteY0" fmla="*/ 528950 h 1579832"/>
-              <a:gd name="connsiteX1" fmla="*/ 69355 w 1422860"/>
-              <a:gd name="connsiteY1" fmla="*/ 1175862 h 1579832"/>
-              <a:gd name="connsiteX2" fmla="*/ 596194 w 1422860"/>
-              <a:gd name="connsiteY2" fmla="*/ 1573577 h 1579832"/>
-              <a:gd name="connsiteX3" fmla="*/ 1266038 w 1422860"/>
-              <a:gd name="connsiteY3" fmla="*/ 1365925 h 1579832"/>
-              <a:gd name="connsiteX4" fmla="*/ 1417729 w 1422860"/>
-              <a:gd name="connsiteY4" fmla="*/ 687225 h 1579832"/>
-              <a:gd name="connsiteX5" fmla="*/ 1147529 w 1422860"/>
-              <a:gd name="connsiteY5" fmla="*/ 109123 h 1579832"/>
-              <a:gd name="connsiteX6" fmla="*/ 480889 w 1422860"/>
-              <a:gd name="connsiteY6" fmla="*/ 36487 h 1579832"/>
-              <a:gd name="connsiteX7" fmla="*/ 41126 w 1422860"/>
-              <a:gd name="connsiteY7" fmla="*/ 528950 h 1579832"/>
-              <a:gd name="connsiteX0" fmla="*/ 41126 w 1421757"/>
-              <a:gd name="connsiteY0" fmla="*/ 530936 h 1581818"/>
-              <a:gd name="connsiteX1" fmla="*/ 69355 w 1421757"/>
-              <a:gd name="connsiteY1" fmla="*/ 1177848 h 1581818"/>
-              <a:gd name="connsiteX2" fmla="*/ 596194 w 1421757"/>
-              <a:gd name="connsiteY2" fmla="*/ 1575563 h 1581818"/>
-              <a:gd name="connsiteX3" fmla="*/ 1266038 w 1421757"/>
-              <a:gd name="connsiteY3" fmla="*/ 1367911 h 1581818"/>
-              <a:gd name="connsiteX4" fmla="*/ 1417729 w 1421757"/>
-              <a:gd name="connsiteY4" fmla="*/ 689211 h 1581818"/>
-              <a:gd name="connsiteX5" fmla="*/ 1166803 w 1421757"/>
-              <a:gd name="connsiteY5" fmla="*/ 105739 h 1581818"/>
-              <a:gd name="connsiteX6" fmla="*/ 480889 w 1421757"/>
-              <a:gd name="connsiteY6" fmla="*/ 38473 h 1581818"/>
-              <a:gd name="connsiteX7" fmla="*/ 41126 w 1421757"/>
-              <a:gd name="connsiteY7" fmla="*/ 530936 h 1581818"/>
-              <a:gd name="connsiteX0" fmla="*/ 41126 w 1458842"/>
-              <a:gd name="connsiteY0" fmla="*/ 530936 h 1581880"/>
-              <a:gd name="connsiteX1" fmla="*/ 69355 w 1458842"/>
-              <a:gd name="connsiteY1" fmla="*/ 1177848 h 1581880"/>
-              <a:gd name="connsiteX2" fmla="*/ 596194 w 1458842"/>
-              <a:gd name="connsiteY2" fmla="*/ 1575563 h 1581880"/>
-              <a:gd name="connsiteX3" fmla="*/ 1266038 w 1458842"/>
-              <a:gd name="connsiteY3" fmla="*/ 1367911 h 1581880"/>
-              <a:gd name="connsiteX4" fmla="*/ 1456277 w 1458842"/>
-              <a:gd name="connsiteY4" fmla="*/ 681157 h 1581880"/>
-              <a:gd name="connsiteX5" fmla="*/ 1166803 w 1458842"/>
-              <a:gd name="connsiteY5" fmla="*/ 105739 h 1581880"/>
-              <a:gd name="connsiteX6" fmla="*/ 480889 w 1458842"/>
-              <a:gd name="connsiteY6" fmla="*/ 38473 h 1581880"/>
-              <a:gd name="connsiteX7" fmla="*/ 41126 w 1458842"/>
-              <a:gd name="connsiteY7" fmla="*/ 530936 h 1581880"/>
-            </a:gdLst>
-            <a:ahLst/>
-            <a:cxnLst>
-              <a:cxn ang="0">
-                <a:pos x="connsiteX0" y="connsiteY0"/>
-              </a:cxn>
-              <a:cxn ang="0">
-                <a:pos x="connsiteX1" y="connsiteY1"/>
-              </a:cxn>
-              <a:cxn ang="0">
-                <a:pos x="connsiteX2" y="connsiteY2"/>
-              </a:cxn>
-              <a:cxn ang="0">
-                <a:pos x="connsiteX3" y="connsiteY3"/>
-              </a:cxn>
-              <a:cxn ang="0">
-                <a:pos x="connsiteX4" y="connsiteY4"/>
-              </a:cxn>
-              <a:cxn ang="0">
-                <a:pos x="connsiteX5" y="connsiteY5"/>
-              </a:cxn>
-              <a:cxn ang="0">
-                <a:pos x="connsiteX6" y="connsiteY6"/>
-              </a:cxn>
-              <a:cxn ang="0">
-                <a:pos x="connsiteX7" y="connsiteY7"/>
-              </a:cxn>
-            </a:cxnLst>
-            <a:rect l="l" t="t" r="r" b="b"/>
-            <a:pathLst>
-              <a:path w="1458842" h="1581880">
-                <a:moveTo>
-                  <a:pt x="41126" y="530936"/>
-                </a:moveTo>
-                <a:cubicBezTo>
-                  <a:pt x="-13102" y="727279"/>
-                  <a:pt x="-23156" y="1003744"/>
-                  <a:pt x="69355" y="1177848"/>
-                </a:cubicBezTo>
-                <a:cubicBezTo>
-                  <a:pt x="161866" y="1351953"/>
-                  <a:pt x="396747" y="1543886"/>
-                  <a:pt x="596194" y="1575563"/>
-                </a:cubicBezTo>
-                <a:cubicBezTo>
-                  <a:pt x="795641" y="1607240"/>
-                  <a:pt x="1122691" y="1516979"/>
-                  <a:pt x="1266038" y="1367911"/>
-                </a:cubicBezTo>
-                <a:cubicBezTo>
-                  <a:pt x="1409385" y="1218843"/>
-                  <a:pt x="1472816" y="891519"/>
-                  <a:pt x="1456277" y="681157"/>
-                </a:cubicBezTo>
-                <a:cubicBezTo>
-                  <a:pt x="1439738" y="470795"/>
-                  <a:pt x="1335526" y="235700"/>
-                  <a:pt x="1166803" y="105739"/>
-                </a:cubicBezTo>
-                <a:cubicBezTo>
-                  <a:pt x="1010663" y="-2717"/>
-                  <a:pt x="668502" y="-32393"/>
-                  <a:pt x="480889" y="38473"/>
-                </a:cubicBezTo>
-                <a:cubicBezTo>
-                  <a:pt x="293276" y="109339"/>
-                  <a:pt x="95354" y="334593"/>
-                  <a:pt x="41126" y="530936"/>
-                </a:cubicBezTo>
-                <a:close/>
-              </a:path>
-            </a:pathLst>
-          </a:custGeom>
-          <a:ln>
-            <a:noFill/>
-          </a:ln>
-        </p:spPr>
-        <p:style>
-          <a:lnRef idx="2">
-            <a:schemeClr val="accent1">
-              <a:shade val="15000"/>
-            </a:schemeClr>
-          </a:lnRef>
-          <a:fillRef idx="1">
-            <a:schemeClr val="accent1"/>
-          </a:fillRef>
-          <a:effectRef idx="0">
-            <a:schemeClr val="accent1"/>
-          </a:effectRef>
-          <a:fontRef idx="minor">
-            <a:schemeClr val="lt1"/>
-          </a:fontRef>
-        </p:style>
-        <p:txBody>
-          <a:bodyPr rtlCol="0" anchor="ctr"/>
-          <a:lstStyle/>
-          <a:p>
-            <a:pPr algn="ctr"/>
-            <a:endParaRPr lang="en-US"/>
-          </a:p>
-        </p:txBody>
-      </p:sp>
-      <p:sp>
-        <p:nvSpPr>
-          <p:cNvPr id="13" name="Freeform: Shape 12">
-            <a:extLst>
-              <a:ext uri="{FF2B5EF4-FFF2-40B4-BE49-F238E27FC236}">
-                <a16:creationId xmlns:a16="http://schemas.microsoft.com/office/drawing/2014/main" id="{69C11463-76D9-83D2-14F6-879EE5DD76EC}"/>
-              </a:ext>
-              <a:ext uri="{C183D7F6-B498-43B3-948B-1728B52AA6E4}">
-                <adec:decorative xmlns:adec="http://schemas.microsoft.com/office/drawing/2017/decorative" val="1"/>
-              </a:ext>
-            </a:extLst>
-          </p:cNvPr>
-          <p:cNvSpPr>
-            <a:spLocks noGrp="1" noRot="1" noChangeAspect="1" noMove="1" noResize="1" noEditPoints="1" noAdjustHandles="1" noChangeArrowheads="1" noChangeShapeType="1" noTextEdit="1"/>
-          </p:cNvSpPr>
-          <p:nvPr>
-            <p:extLst>
-              <p:ext uri="{386F3935-93C4-4BCD-93E2-E3B085C9AB24}">
-                <p16:designElem xmlns:p16="http://schemas.microsoft.com/office/powerpoint/2015/main" val="1"/>
-              </p:ext>
-            </p:extLst>
-          </p:nvPr>
-        </p:nvSpPr>
-        <p:spPr>
-          <a:xfrm>
-            <a:off x="7855824" y="1711793"/>
-            <a:ext cx="3475365" cy="3381685"/>
-          </a:xfrm>
-          <a:custGeom>
-            <a:avLst/>
-            <a:gdLst>
-              <a:gd name="connsiteX0" fmla="*/ 66240 w 1495757"/>
-              <a:gd name="connsiteY0" fmla="*/ 1054656 h 1666165"/>
-              <a:gd name="connsiteX1" fmla="*/ 228925 w 1495757"/>
-              <a:gd name="connsiteY1" fmla="*/ 1307098 h 1666165"/>
-              <a:gd name="connsiteX2" fmla="*/ 397220 w 1495757"/>
-              <a:gd name="connsiteY2" fmla="*/ 1542710 h 1666165"/>
-              <a:gd name="connsiteX3" fmla="*/ 834785 w 1495757"/>
-              <a:gd name="connsiteY3" fmla="*/ 1666126 h 1666165"/>
-              <a:gd name="connsiteX4" fmla="*/ 1339669 w 1495757"/>
-              <a:gd name="connsiteY4" fmla="*/ 1531491 h 1666165"/>
-              <a:gd name="connsiteX5" fmla="*/ 1446255 w 1495757"/>
-              <a:gd name="connsiteY5" fmla="*/ 1189292 h 1666165"/>
-              <a:gd name="connsiteX6" fmla="*/ 1491134 w 1495757"/>
-              <a:gd name="connsiteY6" fmla="*/ 779775 h 1666165"/>
-              <a:gd name="connsiteX7" fmla="*/ 1339669 w 1495757"/>
-              <a:gd name="connsiteY7" fmla="*/ 420747 h 1666165"/>
-              <a:gd name="connsiteX8" fmla="*/ 1148935 w 1495757"/>
-              <a:gd name="connsiteY8" fmla="*/ 123427 h 1666165"/>
-              <a:gd name="connsiteX9" fmla="*/ 941372 w 1495757"/>
-              <a:gd name="connsiteY9" fmla="*/ 11 h 1666165"/>
-              <a:gd name="connsiteX10" fmla="*/ 554294 w 1495757"/>
-              <a:gd name="connsiteY10" fmla="*/ 129037 h 1666165"/>
-              <a:gd name="connsiteX11" fmla="*/ 189656 w 1495757"/>
-              <a:gd name="connsiteY11" fmla="*/ 375869 h 1666165"/>
-              <a:gd name="connsiteX12" fmla="*/ 15752 w 1495757"/>
-              <a:gd name="connsiteY12" fmla="*/ 594652 h 1666165"/>
-              <a:gd name="connsiteX13" fmla="*/ 15752 w 1495757"/>
-              <a:gd name="connsiteY13" fmla="*/ 880752 h 1666165"/>
-              <a:gd name="connsiteX14" fmla="*/ 66240 w 1495757"/>
-              <a:gd name="connsiteY14" fmla="*/ 1054656 h 1666165"/>
-              <a:gd name="connsiteX0" fmla="*/ 56549 w 1486066"/>
-              <a:gd name="connsiteY0" fmla="*/ 1054656 h 1666165"/>
-              <a:gd name="connsiteX1" fmla="*/ 219234 w 1486066"/>
-              <a:gd name="connsiteY1" fmla="*/ 1307098 h 1666165"/>
-              <a:gd name="connsiteX2" fmla="*/ 387529 w 1486066"/>
-              <a:gd name="connsiteY2" fmla="*/ 1542710 h 1666165"/>
-              <a:gd name="connsiteX3" fmla="*/ 825094 w 1486066"/>
-              <a:gd name="connsiteY3" fmla="*/ 1666126 h 1666165"/>
-              <a:gd name="connsiteX4" fmla="*/ 1329978 w 1486066"/>
-              <a:gd name="connsiteY4" fmla="*/ 1531491 h 1666165"/>
-              <a:gd name="connsiteX5" fmla="*/ 1436564 w 1486066"/>
-              <a:gd name="connsiteY5" fmla="*/ 1189292 h 1666165"/>
-              <a:gd name="connsiteX6" fmla="*/ 1481443 w 1486066"/>
-              <a:gd name="connsiteY6" fmla="*/ 779775 h 1666165"/>
-              <a:gd name="connsiteX7" fmla="*/ 1329978 w 1486066"/>
-              <a:gd name="connsiteY7" fmla="*/ 420747 h 1666165"/>
-              <a:gd name="connsiteX8" fmla="*/ 1139244 w 1486066"/>
-              <a:gd name="connsiteY8" fmla="*/ 123427 h 1666165"/>
-              <a:gd name="connsiteX9" fmla="*/ 931681 w 1486066"/>
-              <a:gd name="connsiteY9" fmla="*/ 11 h 1666165"/>
-              <a:gd name="connsiteX10" fmla="*/ 544603 w 1486066"/>
-              <a:gd name="connsiteY10" fmla="*/ 129037 h 1666165"/>
-              <a:gd name="connsiteX11" fmla="*/ 179965 w 1486066"/>
-              <a:gd name="connsiteY11" fmla="*/ 375869 h 1666165"/>
-              <a:gd name="connsiteX12" fmla="*/ 6061 w 1486066"/>
-              <a:gd name="connsiteY12" fmla="*/ 594652 h 1666165"/>
-              <a:gd name="connsiteX13" fmla="*/ 56549 w 1486066"/>
-              <a:gd name="connsiteY13" fmla="*/ 1054656 h 1666165"/>
-              <a:gd name="connsiteX0" fmla="*/ 0 w 1480005"/>
-              <a:gd name="connsiteY0" fmla="*/ 594652 h 1666165"/>
-              <a:gd name="connsiteX1" fmla="*/ 213173 w 1480005"/>
-              <a:gd name="connsiteY1" fmla="*/ 1307098 h 1666165"/>
-              <a:gd name="connsiteX2" fmla="*/ 381468 w 1480005"/>
-              <a:gd name="connsiteY2" fmla="*/ 1542710 h 1666165"/>
-              <a:gd name="connsiteX3" fmla="*/ 819033 w 1480005"/>
-              <a:gd name="connsiteY3" fmla="*/ 1666126 h 1666165"/>
-              <a:gd name="connsiteX4" fmla="*/ 1323917 w 1480005"/>
-              <a:gd name="connsiteY4" fmla="*/ 1531491 h 1666165"/>
-              <a:gd name="connsiteX5" fmla="*/ 1430503 w 1480005"/>
-              <a:gd name="connsiteY5" fmla="*/ 1189292 h 1666165"/>
-              <a:gd name="connsiteX6" fmla="*/ 1475382 w 1480005"/>
-              <a:gd name="connsiteY6" fmla="*/ 779775 h 1666165"/>
-              <a:gd name="connsiteX7" fmla="*/ 1323917 w 1480005"/>
-              <a:gd name="connsiteY7" fmla="*/ 420747 h 1666165"/>
-              <a:gd name="connsiteX8" fmla="*/ 1133183 w 1480005"/>
-              <a:gd name="connsiteY8" fmla="*/ 123427 h 1666165"/>
-              <a:gd name="connsiteX9" fmla="*/ 925620 w 1480005"/>
-              <a:gd name="connsiteY9" fmla="*/ 11 h 1666165"/>
-              <a:gd name="connsiteX10" fmla="*/ 538542 w 1480005"/>
-              <a:gd name="connsiteY10" fmla="*/ 129037 h 1666165"/>
-              <a:gd name="connsiteX11" fmla="*/ 173904 w 1480005"/>
-              <a:gd name="connsiteY11" fmla="*/ 375869 h 1666165"/>
-              <a:gd name="connsiteX12" fmla="*/ 0 w 1480005"/>
-              <a:gd name="connsiteY12" fmla="*/ 594652 h 1666165"/>
-              <a:gd name="connsiteX0" fmla="*/ 14219 w 1494224"/>
-              <a:gd name="connsiteY0" fmla="*/ 594652 h 1666165"/>
-              <a:gd name="connsiteX1" fmla="*/ 227392 w 1494224"/>
-              <a:gd name="connsiteY1" fmla="*/ 1307098 h 1666165"/>
-              <a:gd name="connsiteX2" fmla="*/ 395687 w 1494224"/>
-              <a:gd name="connsiteY2" fmla="*/ 1542710 h 1666165"/>
-              <a:gd name="connsiteX3" fmla="*/ 833252 w 1494224"/>
-              <a:gd name="connsiteY3" fmla="*/ 1666126 h 1666165"/>
-              <a:gd name="connsiteX4" fmla="*/ 1338136 w 1494224"/>
-              <a:gd name="connsiteY4" fmla="*/ 1531491 h 1666165"/>
-              <a:gd name="connsiteX5" fmla="*/ 1444722 w 1494224"/>
-              <a:gd name="connsiteY5" fmla="*/ 1189292 h 1666165"/>
-              <a:gd name="connsiteX6" fmla="*/ 1489601 w 1494224"/>
-              <a:gd name="connsiteY6" fmla="*/ 779775 h 1666165"/>
-              <a:gd name="connsiteX7" fmla="*/ 1338136 w 1494224"/>
-              <a:gd name="connsiteY7" fmla="*/ 420747 h 1666165"/>
-              <a:gd name="connsiteX8" fmla="*/ 1147402 w 1494224"/>
-              <a:gd name="connsiteY8" fmla="*/ 123427 h 1666165"/>
-              <a:gd name="connsiteX9" fmla="*/ 939839 w 1494224"/>
-              <a:gd name="connsiteY9" fmla="*/ 11 h 1666165"/>
-              <a:gd name="connsiteX10" fmla="*/ 552761 w 1494224"/>
-              <a:gd name="connsiteY10" fmla="*/ 129037 h 1666165"/>
-              <a:gd name="connsiteX11" fmla="*/ 188123 w 1494224"/>
-              <a:gd name="connsiteY11" fmla="*/ 375869 h 1666165"/>
-              <a:gd name="connsiteX12" fmla="*/ 14219 w 1494224"/>
-              <a:gd name="connsiteY12" fmla="*/ 594652 h 1666165"/>
-              <a:gd name="connsiteX0" fmla="*/ 9077 w 1489082"/>
-              <a:gd name="connsiteY0" fmla="*/ 594652 h 1666165"/>
-              <a:gd name="connsiteX1" fmla="*/ 222250 w 1489082"/>
-              <a:gd name="connsiteY1" fmla="*/ 1307098 h 1666165"/>
-              <a:gd name="connsiteX2" fmla="*/ 390545 w 1489082"/>
-              <a:gd name="connsiteY2" fmla="*/ 1542710 h 1666165"/>
-              <a:gd name="connsiteX3" fmla="*/ 828110 w 1489082"/>
-              <a:gd name="connsiteY3" fmla="*/ 1666126 h 1666165"/>
-              <a:gd name="connsiteX4" fmla="*/ 1332994 w 1489082"/>
-              <a:gd name="connsiteY4" fmla="*/ 1531491 h 1666165"/>
-              <a:gd name="connsiteX5" fmla="*/ 1439580 w 1489082"/>
-              <a:gd name="connsiteY5" fmla="*/ 1189292 h 1666165"/>
-              <a:gd name="connsiteX6" fmla="*/ 1484459 w 1489082"/>
-              <a:gd name="connsiteY6" fmla="*/ 779775 h 1666165"/>
-              <a:gd name="connsiteX7" fmla="*/ 1332994 w 1489082"/>
-              <a:gd name="connsiteY7" fmla="*/ 420747 h 1666165"/>
-              <a:gd name="connsiteX8" fmla="*/ 1142260 w 1489082"/>
-              <a:gd name="connsiteY8" fmla="*/ 123427 h 1666165"/>
-              <a:gd name="connsiteX9" fmla="*/ 934697 w 1489082"/>
-              <a:gd name="connsiteY9" fmla="*/ 11 h 1666165"/>
-              <a:gd name="connsiteX10" fmla="*/ 547619 w 1489082"/>
-              <a:gd name="connsiteY10" fmla="*/ 129037 h 1666165"/>
-              <a:gd name="connsiteX11" fmla="*/ 9077 w 1489082"/>
-              <a:gd name="connsiteY11" fmla="*/ 594652 h 1666165"/>
-              <a:gd name="connsiteX0" fmla="*/ 9077 w 1501902"/>
-              <a:gd name="connsiteY0" fmla="*/ 594652 h 1666165"/>
-              <a:gd name="connsiteX1" fmla="*/ 222250 w 1501902"/>
-              <a:gd name="connsiteY1" fmla="*/ 1307098 h 1666165"/>
-              <a:gd name="connsiteX2" fmla="*/ 390545 w 1501902"/>
-              <a:gd name="connsiteY2" fmla="*/ 1542710 h 1666165"/>
-              <a:gd name="connsiteX3" fmla="*/ 828110 w 1501902"/>
-              <a:gd name="connsiteY3" fmla="*/ 1666126 h 1666165"/>
-              <a:gd name="connsiteX4" fmla="*/ 1332994 w 1501902"/>
-              <a:gd name="connsiteY4" fmla="*/ 1531491 h 1666165"/>
-              <a:gd name="connsiteX5" fmla="*/ 1439580 w 1501902"/>
-              <a:gd name="connsiteY5" fmla="*/ 1189292 h 1666165"/>
-              <a:gd name="connsiteX6" fmla="*/ 1484459 w 1501902"/>
-              <a:gd name="connsiteY6" fmla="*/ 779775 h 1666165"/>
-              <a:gd name="connsiteX7" fmla="*/ 1142260 w 1501902"/>
-              <a:gd name="connsiteY7" fmla="*/ 123427 h 1666165"/>
-              <a:gd name="connsiteX8" fmla="*/ 934697 w 1501902"/>
-              <a:gd name="connsiteY8" fmla="*/ 11 h 1666165"/>
-              <a:gd name="connsiteX9" fmla="*/ 547619 w 1501902"/>
-              <a:gd name="connsiteY9" fmla="*/ 129037 h 1666165"/>
-              <a:gd name="connsiteX10" fmla="*/ 9077 w 1501902"/>
-              <a:gd name="connsiteY10" fmla="*/ 594652 h 1666165"/>
-              <a:gd name="connsiteX0" fmla="*/ 9077 w 1491891"/>
-              <a:gd name="connsiteY0" fmla="*/ 594652 h 1666165"/>
-              <a:gd name="connsiteX1" fmla="*/ 222250 w 1491891"/>
-              <a:gd name="connsiteY1" fmla="*/ 1307098 h 1666165"/>
-              <a:gd name="connsiteX2" fmla="*/ 390545 w 1491891"/>
-              <a:gd name="connsiteY2" fmla="*/ 1542710 h 1666165"/>
-              <a:gd name="connsiteX3" fmla="*/ 828110 w 1491891"/>
-              <a:gd name="connsiteY3" fmla="*/ 1666126 h 1666165"/>
-              <a:gd name="connsiteX4" fmla="*/ 1332994 w 1491891"/>
-              <a:gd name="connsiteY4" fmla="*/ 1531491 h 1666165"/>
-              <a:gd name="connsiteX5" fmla="*/ 1484459 w 1491891"/>
-              <a:gd name="connsiteY5" fmla="*/ 779775 h 1666165"/>
-              <a:gd name="connsiteX6" fmla="*/ 1142260 w 1491891"/>
-              <a:gd name="connsiteY6" fmla="*/ 123427 h 1666165"/>
-              <a:gd name="connsiteX7" fmla="*/ 934697 w 1491891"/>
-              <a:gd name="connsiteY7" fmla="*/ 11 h 1666165"/>
-              <a:gd name="connsiteX8" fmla="*/ 547619 w 1491891"/>
-              <a:gd name="connsiteY8" fmla="*/ 129037 h 1666165"/>
-              <a:gd name="connsiteX9" fmla="*/ 9077 w 1491891"/>
-              <a:gd name="connsiteY9" fmla="*/ 594652 h 1666165"/>
-              <a:gd name="connsiteX0" fmla="*/ 10852 w 1493666"/>
-              <a:gd name="connsiteY0" fmla="*/ 594652 h 1666169"/>
-              <a:gd name="connsiteX1" fmla="*/ 183580 w 1493666"/>
-              <a:gd name="connsiteY1" fmla="*/ 1268412 h 1666169"/>
-              <a:gd name="connsiteX2" fmla="*/ 392320 w 1493666"/>
-              <a:gd name="connsiteY2" fmla="*/ 1542710 h 1666169"/>
-              <a:gd name="connsiteX3" fmla="*/ 829885 w 1493666"/>
-              <a:gd name="connsiteY3" fmla="*/ 1666126 h 1666169"/>
-              <a:gd name="connsiteX4" fmla="*/ 1334769 w 1493666"/>
-              <a:gd name="connsiteY4" fmla="*/ 1531491 h 1666169"/>
-              <a:gd name="connsiteX5" fmla="*/ 1486234 w 1493666"/>
-              <a:gd name="connsiteY5" fmla="*/ 779775 h 1666169"/>
-              <a:gd name="connsiteX6" fmla="*/ 1144035 w 1493666"/>
-              <a:gd name="connsiteY6" fmla="*/ 123427 h 1666169"/>
-              <a:gd name="connsiteX7" fmla="*/ 936472 w 1493666"/>
-              <a:gd name="connsiteY7" fmla="*/ 11 h 1666169"/>
-              <a:gd name="connsiteX8" fmla="*/ 549394 w 1493666"/>
-              <a:gd name="connsiteY8" fmla="*/ 129037 h 1666169"/>
-              <a:gd name="connsiteX9" fmla="*/ 10852 w 1493666"/>
-              <a:gd name="connsiteY9" fmla="*/ 594652 h 1666169"/>
-              <a:gd name="connsiteX0" fmla="*/ 13894 w 1496708"/>
-              <a:gd name="connsiteY0" fmla="*/ 594652 h 1666169"/>
-              <a:gd name="connsiteX1" fmla="*/ 140902 w 1496708"/>
-              <a:gd name="connsiteY1" fmla="*/ 1268412 h 1666169"/>
-              <a:gd name="connsiteX2" fmla="*/ 395362 w 1496708"/>
-              <a:gd name="connsiteY2" fmla="*/ 1542710 h 1666169"/>
-              <a:gd name="connsiteX3" fmla="*/ 832927 w 1496708"/>
-              <a:gd name="connsiteY3" fmla="*/ 1666126 h 1666169"/>
-              <a:gd name="connsiteX4" fmla="*/ 1337811 w 1496708"/>
-              <a:gd name="connsiteY4" fmla="*/ 1531491 h 1666169"/>
-              <a:gd name="connsiteX5" fmla="*/ 1489276 w 1496708"/>
-              <a:gd name="connsiteY5" fmla="*/ 779775 h 1666169"/>
-              <a:gd name="connsiteX6" fmla="*/ 1147077 w 1496708"/>
-              <a:gd name="connsiteY6" fmla="*/ 123427 h 1666169"/>
-              <a:gd name="connsiteX7" fmla="*/ 939514 w 1496708"/>
-              <a:gd name="connsiteY7" fmla="*/ 11 h 1666169"/>
-              <a:gd name="connsiteX8" fmla="*/ 552436 w 1496708"/>
-              <a:gd name="connsiteY8" fmla="*/ 129037 h 1666169"/>
-              <a:gd name="connsiteX9" fmla="*/ 13894 w 1496708"/>
-              <a:gd name="connsiteY9" fmla="*/ 594652 h 1666169"/>
-              <a:gd name="connsiteX0" fmla="*/ 13894 w 1493356"/>
-              <a:gd name="connsiteY0" fmla="*/ 594652 h 1666169"/>
-              <a:gd name="connsiteX1" fmla="*/ 140902 w 1493356"/>
-              <a:gd name="connsiteY1" fmla="*/ 1268412 h 1666169"/>
-              <a:gd name="connsiteX2" fmla="*/ 395362 w 1493356"/>
-              <a:gd name="connsiteY2" fmla="*/ 1542710 h 1666169"/>
-              <a:gd name="connsiteX3" fmla="*/ 832927 w 1493356"/>
-              <a:gd name="connsiteY3" fmla="*/ 1666126 h 1666169"/>
-              <a:gd name="connsiteX4" fmla="*/ 1337811 w 1493356"/>
-              <a:gd name="connsiteY4" fmla="*/ 1531491 h 1666169"/>
-              <a:gd name="connsiteX5" fmla="*/ 1489276 w 1493356"/>
-              <a:gd name="connsiteY5" fmla="*/ 779775 h 1666169"/>
-              <a:gd name="connsiteX6" fmla="*/ 1210382 w 1493356"/>
-              <a:gd name="connsiteY6" fmla="*/ 123427 h 1666169"/>
-              <a:gd name="connsiteX7" fmla="*/ 939514 w 1493356"/>
-              <a:gd name="connsiteY7" fmla="*/ 11 h 1666169"/>
-              <a:gd name="connsiteX8" fmla="*/ 552436 w 1493356"/>
-              <a:gd name="connsiteY8" fmla="*/ 129037 h 1666169"/>
-              <a:gd name="connsiteX9" fmla="*/ 13894 w 1493356"/>
-              <a:gd name="connsiteY9" fmla="*/ 594652 h 1666169"/>
-              <a:gd name="connsiteX0" fmla="*/ 13894 w 1492733"/>
-              <a:gd name="connsiteY0" fmla="*/ 594652 h 1666935"/>
-              <a:gd name="connsiteX1" fmla="*/ 140902 w 1492733"/>
-              <a:gd name="connsiteY1" fmla="*/ 1268412 h 1666935"/>
-              <a:gd name="connsiteX2" fmla="*/ 395362 w 1492733"/>
-              <a:gd name="connsiteY2" fmla="*/ 1542710 h 1666935"/>
-              <a:gd name="connsiteX3" fmla="*/ 832927 w 1492733"/>
-              <a:gd name="connsiteY3" fmla="*/ 1666126 h 1666935"/>
-              <a:gd name="connsiteX4" fmla="*/ 1330777 w 1492733"/>
-              <a:gd name="connsiteY4" fmla="*/ 1489288 h 1666935"/>
-              <a:gd name="connsiteX5" fmla="*/ 1489276 w 1492733"/>
-              <a:gd name="connsiteY5" fmla="*/ 779775 h 1666935"/>
-              <a:gd name="connsiteX6" fmla="*/ 1210382 w 1492733"/>
-              <a:gd name="connsiteY6" fmla="*/ 123427 h 1666935"/>
-              <a:gd name="connsiteX7" fmla="*/ 939514 w 1492733"/>
-              <a:gd name="connsiteY7" fmla="*/ 11 h 1666935"/>
-              <a:gd name="connsiteX8" fmla="*/ 552436 w 1492733"/>
-              <a:gd name="connsiteY8" fmla="*/ 129037 h 1666935"/>
-              <a:gd name="connsiteX9" fmla="*/ 13894 w 1492733"/>
-              <a:gd name="connsiteY9" fmla="*/ 594652 h 1666935"/>
-              <a:gd name="connsiteX0" fmla="*/ 13894 w 1492733"/>
-              <a:gd name="connsiteY0" fmla="*/ 539375 h 1611658"/>
-              <a:gd name="connsiteX1" fmla="*/ 140902 w 1492733"/>
-              <a:gd name="connsiteY1" fmla="*/ 1213135 h 1611658"/>
-              <a:gd name="connsiteX2" fmla="*/ 395362 w 1492733"/>
-              <a:gd name="connsiteY2" fmla="*/ 1487433 h 1611658"/>
-              <a:gd name="connsiteX3" fmla="*/ 832927 w 1492733"/>
-              <a:gd name="connsiteY3" fmla="*/ 1610849 h 1611658"/>
-              <a:gd name="connsiteX4" fmla="*/ 1330777 w 1492733"/>
-              <a:gd name="connsiteY4" fmla="*/ 1434011 h 1611658"/>
-              <a:gd name="connsiteX5" fmla="*/ 1489276 w 1492733"/>
-              <a:gd name="connsiteY5" fmla="*/ 724498 h 1611658"/>
-              <a:gd name="connsiteX6" fmla="*/ 1210382 w 1492733"/>
-              <a:gd name="connsiteY6" fmla="*/ 68150 h 1611658"/>
-              <a:gd name="connsiteX7" fmla="*/ 552436 w 1492733"/>
-              <a:gd name="connsiteY7" fmla="*/ 73760 h 1611658"/>
-              <a:gd name="connsiteX8" fmla="*/ 13894 w 1492733"/>
-              <a:gd name="connsiteY8" fmla="*/ 539375 h 1611658"/>
-              <a:gd name="connsiteX0" fmla="*/ 22437 w 1501276"/>
-              <a:gd name="connsiteY0" fmla="*/ 539375 h 1620865"/>
-              <a:gd name="connsiteX1" fmla="*/ 149445 w 1501276"/>
-              <a:gd name="connsiteY1" fmla="*/ 1213135 h 1620865"/>
-              <a:gd name="connsiteX2" fmla="*/ 841470 w 1501276"/>
-              <a:gd name="connsiteY2" fmla="*/ 1610849 h 1620865"/>
-              <a:gd name="connsiteX3" fmla="*/ 1339320 w 1501276"/>
-              <a:gd name="connsiteY3" fmla="*/ 1434011 h 1620865"/>
-              <a:gd name="connsiteX4" fmla="*/ 1497819 w 1501276"/>
-              <a:gd name="connsiteY4" fmla="*/ 724498 h 1620865"/>
-              <a:gd name="connsiteX5" fmla="*/ 1218925 w 1501276"/>
-              <a:gd name="connsiteY5" fmla="*/ 68150 h 1620865"/>
-              <a:gd name="connsiteX6" fmla="*/ 560979 w 1501276"/>
-              <a:gd name="connsiteY6" fmla="*/ 73760 h 1620865"/>
-              <a:gd name="connsiteX7" fmla="*/ 22437 w 1501276"/>
-              <a:gd name="connsiteY7" fmla="*/ 539375 h 1620865"/>
-              <a:gd name="connsiteX0" fmla="*/ 18441 w 1498582"/>
-              <a:gd name="connsiteY0" fmla="*/ 539375 h 1620866"/>
-              <a:gd name="connsiteX1" fmla="*/ 145449 w 1498582"/>
-              <a:gd name="connsiteY1" fmla="*/ 1213135 h 1620866"/>
-              <a:gd name="connsiteX2" fmla="*/ 672288 w 1498582"/>
-              <a:gd name="connsiteY2" fmla="*/ 1610850 h 1620866"/>
-              <a:gd name="connsiteX3" fmla="*/ 1335324 w 1498582"/>
-              <a:gd name="connsiteY3" fmla="*/ 1434011 h 1620866"/>
-              <a:gd name="connsiteX4" fmla="*/ 1493823 w 1498582"/>
-              <a:gd name="connsiteY4" fmla="*/ 724498 h 1620866"/>
-              <a:gd name="connsiteX5" fmla="*/ 1214929 w 1498582"/>
-              <a:gd name="connsiteY5" fmla="*/ 68150 h 1620866"/>
-              <a:gd name="connsiteX6" fmla="*/ 556983 w 1498582"/>
-              <a:gd name="connsiteY6" fmla="*/ 73760 h 1620866"/>
-              <a:gd name="connsiteX7" fmla="*/ 18441 w 1498582"/>
-              <a:gd name="connsiteY7" fmla="*/ 539375 h 1620866"/>
-              <a:gd name="connsiteX0" fmla="*/ 18441 w 1502750"/>
-              <a:gd name="connsiteY0" fmla="*/ 539375 h 1618556"/>
-              <a:gd name="connsiteX1" fmla="*/ 145449 w 1502750"/>
-              <a:gd name="connsiteY1" fmla="*/ 1213135 h 1618556"/>
-              <a:gd name="connsiteX2" fmla="*/ 672288 w 1502750"/>
-              <a:gd name="connsiteY2" fmla="*/ 1610850 h 1618556"/>
-              <a:gd name="connsiteX3" fmla="*/ 1361406 w 1502750"/>
-              <a:gd name="connsiteY3" fmla="*/ 1416622 h 1618556"/>
-              <a:gd name="connsiteX4" fmla="*/ 1493823 w 1502750"/>
-              <a:gd name="connsiteY4" fmla="*/ 724498 h 1618556"/>
-              <a:gd name="connsiteX5" fmla="*/ 1214929 w 1502750"/>
-              <a:gd name="connsiteY5" fmla="*/ 68150 h 1618556"/>
-              <a:gd name="connsiteX6" fmla="*/ 556983 w 1502750"/>
-              <a:gd name="connsiteY6" fmla="*/ 73760 h 1618556"/>
-              <a:gd name="connsiteX7" fmla="*/ 18441 w 1502750"/>
-              <a:gd name="connsiteY7" fmla="*/ 539375 h 1618556"/>
-              <a:gd name="connsiteX0" fmla="*/ 18441 w 1502157"/>
-              <a:gd name="connsiteY0" fmla="*/ 500120 h 1579301"/>
-              <a:gd name="connsiteX1" fmla="*/ 145449 w 1502157"/>
-              <a:gd name="connsiteY1" fmla="*/ 1173880 h 1579301"/>
-              <a:gd name="connsiteX2" fmla="*/ 672288 w 1502157"/>
-              <a:gd name="connsiteY2" fmla="*/ 1571595 h 1579301"/>
-              <a:gd name="connsiteX3" fmla="*/ 1361406 w 1502157"/>
-              <a:gd name="connsiteY3" fmla="*/ 1377367 h 1579301"/>
-              <a:gd name="connsiteX4" fmla="*/ 1493823 w 1502157"/>
-              <a:gd name="connsiteY4" fmla="*/ 685243 h 1579301"/>
-              <a:gd name="connsiteX5" fmla="*/ 1223623 w 1502157"/>
-              <a:gd name="connsiteY5" fmla="*/ 107141 h 1579301"/>
-              <a:gd name="connsiteX6" fmla="*/ 556983 w 1502157"/>
-              <a:gd name="connsiteY6" fmla="*/ 34505 h 1579301"/>
-              <a:gd name="connsiteX7" fmla="*/ 18441 w 1502157"/>
-              <a:gd name="connsiteY7" fmla="*/ 500120 h 1579301"/>
-              <a:gd name="connsiteX0" fmla="*/ 41126 w 1426063"/>
-              <a:gd name="connsiteY0" fmla="*/ 528950 h 1581283"/>
-              <a:gd name="connsiteX1" fmla="*/ 69355 w 1426063"/>
-              <a:gd name="connsiteY1" fmla="*/ 1175862 h 1581283"/>
-              <a:gd name="connsiteX2" fmla="*/ 596194 w 1426063"/>
-              <a:gd name="connsiteY2" fmla="*/ 1573577 h 1581283"/>
-              <a:gd name="connsiteX3" fmla="*/ 1285312 w 1426063"/>
-              <a:gd name="connsiteY3" fmla="*/ 1379349 h 1581283"/>
-              <a:gd name="connsiteX4" fmla="*/ 1417729 w 1426063"/>
-              <a:gd name="connsiteY4" fmla="*/ 687225 h 1581283"/>
-              <a:gd name="connsiteX5" fmla="*/ 1147529 w 1426063"/>
-              <a:gd name="connsiteY5" fmla="*/ 109123 h 1581283"/>
-              <a:gd name="connsiteX6" fmla="*/ 480889 w 1426063"/>
-              <a:gd name="connsiteY6" fmla="*/ 36487 h 1581283"/>
-              <a:gd name="connsiteX7" fmla="*/ 41126 w 1426063"/>
-              <a:gd name="connsiteY7" fmla="*/ 528950 h 1581283"/>
-              <a:gd name="connsiteX0" fmla="*/ 41126 w 1422860"/>
-              <a:gd name="connsiteY0" fmla="*/ 528950 h 1579832"/>
-              <a:gd name="connsiteX1" fmla="*/ 69355 w 1422860"/>
-              <a:gd name="connsiteY1" fmla="*/ 1175862 h 1579832"/>
-              <a:gd name="connsiteX2" fmla="*/ 596194 w 1422860"/>
-              <a:gd name="connsiteY2" fmla="*/ 1573577 h 1579832"/>
-              <a:gd name="connsiteX3" fmla="*/ 1266038 w 1422860"/>
-              <a:gd name="connsiteY3" fmla="*/ 1365925 h 1579832"/>
-              <a:gd name="connsiteX4" fmla="*/ 1417729 w 1422860"/>
-              <a:gd name="connsiteY4" fmla="*/ 687225 h 1579832"/>
-              <a:gd name="connsiteX5" fmla="*/ 1147529 w 1422860"/>
-              <a:gd name="connsiteY5" fmla="*/ 109123 h 1579832"/>
-              <a:gd name="connsiteX6" fmla="*/ 480889 w 1422860"/>
-              <a:gd name="connsiteY6" fmla="*/ 36487 h 1579832"/>
-              <a:gd name="connsiteX7" fmla="*/ 41126 w 1422860"/>
-              <a:gd name="connsiteY7" fmla="*/ 528950 h 1579832"/>
-              <a:gd name="connsiteX0" fmla="*/ 41126 w 1422860"/>
-              <a:gd name="connsiteY0" fmla="*/ 528950 h 1579832"/>
-              <a:gd name="connsiteX1" fmla="*/ 69355 w 1422860"/>
-              <a:gd name="connsiteY1" fmla="*/ 1175862 h 1579832"/>
-              <a:gd name="connsiteX2" fmla="*/ 596194 w 1422860"/>
-              <a:gd name="connsiteY2" fmla="*/ 1573577 h 1579832"/>
-              <a:gd name="connsiteX3" fmla="*/ 1266038 w 1422860"/>
-              <a:gd name="connsiteY3" fmla="*/ 1365925 h 1579832"/>
-              <a:gd name="connsiteX4" fmla="*/ 1417729 w 1422860"/>
-              <a:gd name="connsiteY4" fmla="*/ 687225 h 1579832"/>
-              <a:gd name="connsiteX5" fmla="*/ 1147529 w 1422860"/>
-              <a:gd name="connsiteY5" fmla="*/ 109123 h 1579832"/>
-              <a:gd name="connsiteX6" fmla="*/ 480889 w 1422860"/>
-              <a:gd name="connsiteY6" fmla="*/ 36487 h 1579832"/>
-              <a:gd name="connsiteX7" fmla="*/ 41126 w 1422860"/>
-              <a:gd name="connsiteY7" fmla="*/ 528950 h 1579832"/>
-              <a:gd name="connsiteX0" fmla="*/ 41126 w 1421757"/>
-              <a:gd name="connsiteY0" fmla="*/ 530936 h 1581818"/>
-              <a:gd name="connsiteX1" fmla="*/ 69355 w 1421757"/>
-              <a:gd name="connsiteY1" fmla="*/ 1177848 h 1581818"/>
-              <a:gd name="connsiteX2" fmla="*/ 596194 w 1421757"/>
-              <a:gd name="connsiteY2" fmla="*/ 1575563 h 1581818"/>
-              <a:gd name="connsiteX3" fmla="*/ 1266038 w 1421757"/>
-              <a:gd name="connsiteY3" fmla="*/ 1367911 h 1581818"/>
-              <a:gd name="connsiteX4" fmla="*/ 1417729 w 1421757"/>
-              <a:gd name="connsiteY4" fmla="*/ 689211 h 1581818"/>
-              <a:gd name="connsiteX5" fmla="*/ 1166803 w 1421757"/>
-              <a:gd name="connsiteY5" fmla="*/ 105739 h 1581818"/>
-              <a:gd name="connsiteX6" fmla="*/ 480889 w 1421757"/>
-              <a:gd name="connsiteY6" fmla="*/ 38473 h 1581818"/>
-              <a:gd name="connsiteX7" fmla="*/ 41126 w 1421757"/>
-              <a:gd name="connsiteY7" fmla="*/ 530936 h 1581818"/>
-              <a:gd name="connsiteX0" fmla="*/ 41126 w 1458842"/>
-              <a:gd name="connsiteY0" fmla="*/ 530936 h 1581880"/>
-              <a:gd name="connsiteX1" fmla="*/ 69355 w 1458842"/>
-              <a:gd name="connsiteY1" fmla="*/ 1177848 h 1581880"/>
-              <a:gd name="connsiteX2" fmla="*/ 596194 w 1458842"/>
-              <a:gd name="connsiteY2" fmla="*/ 1575563 h 1581880"/>
-              <a:gd name="connsiteX3" fmla="*/ 1266038 w 1458842"/>
-              <a:gd name="connsiteY3" fmla="*/ 1367911 h 1581880"/>
-              <a:gd name="connsiteX4" fmla="*/ 1456277 w 1458842"/>
-              <a:gd name="connsiteY4" fmla="*/ 681157 h 1581880"/>
-              <a:gd name="connsiteX5" fmla="*/ 1166803 w 1458842"/>
-              <a:gd name="connsiteY5" fmla="*/ 105739 h 1581880"/>
-              <a:gd name="connsiteX6" fmla="*/ 480889 w 1458842"/>
-              <a:gd name="connsiteY6" fmla="*/ 38473 h 1581880"/>
-              <a:gd name="connsiteX7" fmla="*/ 41126 w 1458842"/>
-              <a:gd name="connsiteY7" fmla="*/ 530936 h 1581880"/>
-            </a:gdLst>
-            <a:ahLst/>
-            <a:cxnLst>
-              <a:cxn ang="0">
-                <a:pos x="connsiteX0" y="connsiteY0"/>
-              </a:cxn>
-              <a:cxn ang="0">
-                <a:pos x="connsiteX1" y="connsiteY1"/>
-              </a:cxn>
-              <a:cxn ang="0">
-                <a:pos x="connsiteX2" y="connsiteY2"/>
-              </a:cxn>
-              <a:cxn ang="0">
-                <a:pos x="connsiteX3" y="connsiteY3"/>
-              </a:cxn>
-              <a:cxn ang="0">
-                <a:pos x="connsiteX4" y="connsiteY4"/>
-              </a:cxn>
-              <a:cxn ang="0">
-                <a:pos x="connsiteX5" y="connsiteY5"/>
-              </a:cxn>
-              <a:cxn ang="0">
-                <a:pos x="connsiteX6" y="connsiteY6"/>
-              </a:cxn>
-              <a:cxn ang="0">
-                <a:pos x="connsiteX7" y="connsiteY7"/>
-              </a:cxn>
-            </a:cxnLst>
-            <a:rect l="l" t="t" r="r" b="b"/>
-            <a:pathLst>
-              <a:path w="1458842" h="1581880">
-                <a:moveTo>
-                  <a:pt x="41126" y="530936"/>
-                </a:moveTo>
-                <a:cubicBezTo>
-                  <a:pt x="-13102" y="727279"/>
-                  <a:pt x="-23156" y="1003744"/>
-                  <a:pt x="69355" y="1177848"/>
-                </a:cubicBezTo>
-                <a:cubicBezTo>
-                  <a:pt x="161866" y="1351953"/>
-                  <a:pt x="396747" y="1543886"/>
-                  <a:pt x="596194" y="1575563"/>
-                </a:cubicBezTo>
-                <a:cubicBezTo>
-                  <a:pt x="795641" y="1607240"/>
-                  <a:pt x="1122691" y="1516979"/>
-                  <a:pt x="1266038" y="1367911"/>
-                </a:cubicBezTo>
-                <a:cubicBezTo>
-                  <a:pt x="1409385" y="1218843"/>
-                  <a:pt x="1472816" y="891519"/>
-                  <a:pt x="1456277" y="681157"/>
-                </a:cubicBezTo>
-                <a:cubicBezTo>
-                  <a:pt x="1439738" y="470795"/>
-                  <a:pt x="1335526" y="235700"/>
-                  <a:pt x="1166803" y="105739"/>
-                </a:cubicBezTo>
-                <a:cubicBezTo>
-                  <a:pt x="1010663" y="-2717"/>
-                  <a:pt x="668502" y="-32393"/>
-                  <a:pt x="480889" y="38473"/>
-                </a:cubicBezTo>
-                <a:cubicBezTo>
-                  <a:pt x="293276" y="109339"/>
-                  <a:pt x="95354" y="334593"/>
-                  <a:pt x="41126" y="530936"/>
-                </a:cubicBezTo>
-                <a:close/>
-              </a:path>
-            </a:pathLst>
-          </a:custGeom>
-          <a:solidFill>
-            <a:schemeClr val="bg2">
-              <a:lumMod val="75000"/>
-              <a:alpha val="15000"/>
-            </a:schemeClr>
-          </a:solidFill>
-          <a:ln>
-            <a:noFill/>
-          </a:ln>
-        </p:spPr>
-        <p:style>
-          <a:lnRef idx="2">
-            <a:schemeClr val="accent1">
-              <a:shade val="15000"/>
-            </a:schemeClr>
-          </a:lnRef>
-          <a:fillRef idx="1">
-            <a:schemeClr val="accent1"/>
-          </a:fillRef>
-          <a:effectRef idx="0">
-            <a:schemeClr val="accent1"/>
-          </a:effectRef>
-          <a:fontRef idx="minor">
-            <a:schemeClr val="lt1"/>
-          </a:fontRef>
-        </p:style>
-        <p:txBody>
-          <a:bodyPr rtlCol="0" anchor="ctr"/>
-          <a:lstStyle/>
-          <a:p>
-            <a:pPr algn="ctr"/>
-            <a:endParaRPr lang="en-US"/>
-          </a:p>
-        </p:txBody>
-      </p:sp>
-      <p:sp>
-        <p:nvSpPr>
-          <p:cNvPr id="2" name="Title 1">
-            <a:extLst>
-              <a:ext uri="{FF2B5EF4-FFF2-40B4-BE49-F238E27FC236}">
-                <a16:creationId xmlns:a16="http://schemas.microsoft.com/office/drawing/2014/main" id="{75859704-62FA-A564-FB14-698E6033DF31}"/>
-              </a:ext>
-            </a:extLst>
-          </p:cNvPr>
-          <p:cNvSpPr>
-            <a:spLocks noGrp="1"/>
-          </p:cNvSpPr>
-          <p:nvPr>
-            <p:ph type="ctrTitle"/>
-          </p:nvPr>
-        </p:nvSpPr>
-        <p:spPr>
-          <a:xfrm>
-            <a:off x="8064235" y="2144390"/>
-            <a:ext cx="3058543" cy="1743212"/>
-          </a:xfrm>
-        </p:spPr>
-        <p:txBody>
-          <a:bodyPr anchor="ctr">
-            <a:normAutofit/>
-          </a:bodyPr>
-          <a:lstStyle/>
-          <a:p>
-            <a:r>
-              <a:rPr lang="en-US" sz="2800" dirty="0"/>
-              <a:t>Nashville City </a:t>
-            </a:r>
-            <a:br>
-              <a:rPr lang="en-US" sz="2800" dirty="0"/>
-            </a:br>
-            <a:r>
-              <a:rPr lang="en-US" sz="2800" dirty="0"/>
-              <a:t>Cemetery</a:t>
-            </a:r>
-          </a:p>
-        </p:txBody>
-      </p:sp>
-      <p:sp>
-        <p:nvSpPr>
-          <p:cNvPr id="3" name="Subtitle 2">
-            <a:extLst>
-              <a:ext uri="{FF2B5EF4-FFF2-40B4-BE49-F238E27FC236}">
-                <a16:creationId xmlns:a16="http://schemas.microsoft.com/office/drawing/2014/main" id="{43ADCD7F-4869-1B16-E646-884BE673E073}"/>
-              </a:ext>
-            </a:extLst>
-          </p:cNvPr>
-          <p:cNvSpPr>
-            <a:spLocks noGrp="1"/>
-          </p:cNvSpPr>
-          <p:nvPr>
-            <p:ph type="subTitle" idx="1"/>
-          </p:nvPr>
-        </p:nvSpPr>
-        <p:spPr>
-          <a:xfrm>
-            <a:off x="8320078" y="3904431"/>
-            <a:ext cx="2546857" cy="974476"/>
-          </a:xfrm>
-        </p:spPr>
-        <p:txBody>
-          <a:bodyPr>
-            <a:normAutofit/>
-          </a:bodyPr>
-          <a:lstStyle/>
-          <a:p>
-            <a:r>
-              <a:rPr lang="en-US" sz="1400" dirty="0"/>
-              <a:t>Come see us!</a:t>
-            </a:r>
-          </a:p>
-        </p:txBody>
-      </p:sp>
-      <p:sp>
-        <p:nvSpPr>
-          <p:cNvPr id="15" name="Freeform: Shape 14">
-            <a:extLst>
-              <a:ext uri="{FF2B5EF4-FFF2-40B4-BE49-F238E27FC236}">
-                <a16:creationId xmlns:a16="http://schemas.microsoft.com/office/drawing/2014/main" id="{13BA3BAD-941F-EE8D-CDE3-9730D10D5B51}"/>
-              </a:ext>
-              <a:ext uri="{C183D7F6-B498-43B3-948B-1728B52AA6E4}">
-                <adec:decorative xmlns:adec="http://schemas.microsoft.com/office/drawing/2017/decorative" val="1"/>
-              </a:ext>
-            </a:extLst>
-          </p:cNvPr>
-          <p:cNvSpPr>
-            <a:spLocks noGrp="1" noRot="1" noChangeAspect="1" noMove="1" noResize="1" noEditPoints="1" noAdjustHandles="1" noChangeArrowheads="1" noChangeShapeType="1" noTextEdit="1"/>
-          </p:cNvSpPr>
-          <p:nvPr>
-            <p:extLst>
-              <p:ext uri="{386F3935-93C4-4BCD-93E2-E3B085C9AB24}">
-                <p16:designElem xmlns:p16="http://schemas.microsoft.com/office/powerpoint/2015/main" val="1"/>
-              </p:ext>
-            </p:extLst>
-          </p:nvPr>
-        </p:nvSpPr>
-        <p:spPr>
-          <a:xfrm>
-            <a:off x="11222851" y="4332698"/>
-            <a:ext cx="228254" cy="215345"/>
-          </a:xfrm>
-          <a:custGeom>
-            <a:avLst/>
-            <a:gdLst>
-              <a:gd name="connsiteX0" fmla="*/ 66240 w 1495757"/>
-              <a:gd name="connsiteY0" fmla="*/ 1054656 h 1666165"/>
-              <a:gd name="connsiteX1" fmla="*/ 228925 w 1495757"/>
-              <a:gd name="connsiteY1" fmla="*/ 1307098 h 1666165"/>
-              <a:gd name="connsiteX2" fmla="*/ 397220 w 1495757"/>
-              <a:gd name="connsiteY2" fmla="*/ 1542710 h 1666165"/>
-              <a:gd name="connsiteX3" fmla="*/ 834785 w 1495757"/>
-              <a:gd name="connsiteY3" fmla="*/ 1666126 h 1666165"/>
-              <a:gd name="connsiteX4" fmla="*/ 1339669 w 1495757"/>
-              <a:gd name="connsiteY4" fmla="*/ 1531491 h 1666165"/>
-              <a:gd name="connsiteX5" fmla="*/ 1446255 w 1495757"/>
-              <a:gd name="connsiteY5" fmla="*/ 1189292 h 1666165"/>
-              <a:gd name="connsiteX6" fmla="*/ 1491134 w 1495757"/>
-              <a:gd name="connsiteY6" fmla="*/ 779775 h 1666165"/>
-              <a:gd name="connsiteX7" fmla="*/ 1339669 w 1495757"/>
-              <a:gd name="connsiteY7" fmla="*/ 420747 h 1666165"/>
-              <a:gd name="connsiteX8" fmla="*/ 1148935 w 1495757"/>
-              <a:gd name="connsiteY8" fmla="*/ 123427 h 1666165"/>
-              <a:gd name="connsiteX9" fmla="*/ 941372 w 1495757"/>
-              <a:gd name="connsiteY9" fmla="*/ 11 h 1666165"/>
-              <a:gd name="connsiteX10" fmla="*/ 554294 w 1495757"/>
-              <a:gd name="connsiteY10" fmla="*/ 129037 h 1666165"/>
-              <a:gd name="connsiteX11" fmla="*/ 189656 w 1495757"/>
-              <a:gd name="connsiteY11" fmla="*/ 375869 h 1666165"/>
-              <a:gd name="connsiteX12" fmla="*/ 15752 w 1495757"/>
-              <a:gd name="connsiteY12" fmla="*/ 594652 h 1666165"/>
-              <a:gd name="connsiteX13" fmla="*/ 15752 w 1495757"/>
-              <a:gd name="connsiteY13" fmla="*/ 880752 h 1666165"/>
-              <a:gd name="connsiteX14" fmla="*/ 66240 w 1495757"/>
-              <a:gd name="connsiteY14" fmla="*/ 1054656 h 1666165"/>
-              <a:gd name="connsiteX0" fmla="*/ 56549 w 1486066"/>
-              <a:gd name="connsiteY0" fmla="*/ 1054656 h 1666165"/>
-              <a:gd name="connsiteX1" fmla="*/ 219234 w 1486066"/>
-              <a:gd name="connsiteY1" fmla="*/ 1307098 h 1666165"/>
-              <a:gd name="connsiteX2" fmla="*/ 387529 w 1486066"/>
-              <a:gd name="connsiteY2" fmla="*/ 1542710 h 1666165"/>
-              <a:gd name="connsiteX3" fmla="*/ 825094 w 1486066"/>
-              <a:gd name="connsiteY3" fmla="*/ 1666126 h 1666165"/>
-              <a:gd name="connsiteX4" fmla="*/ 1329978 w 1486066"/>
-              <a:gd name="connsiteY4" fmla="*/ 1531491 h 1666165"/>
-              <a:gd name="connsiteX5" fmla="*/ 1436564 w 1486066"/>
-              <a:gd name="connsiteY5" fmla="*/ 1189292 h 1666165"/>
-              <a:gd name="connsiteX6" fmla="*/ 1481443 w 1486066"/>
-              <a:gd name="connsiteY6" fmla="*/ 779775 h 1666165"/>
-              <a:gd name="connsiteX7" fmla="*/ 1329978 w 1486066"/>
-              <a:gd name="connsiteY7" fmla="*/ 420747 h 1666165"/>
-              <a:gd name="connsiteX8" fmla="*/ 1139244 w 1486066"/>
-              <a:gd name="connsiteY8" fmla="*/ 123427 h 1666165"/>
-              <a:gd name="connsiteX9" fmla="*/ 931681 w 1486066"/>
-              <a:gd name="connsiteY9" fmla="*/ 11 h 1666165"/>
-              <a:gd name="connsiteX10" fmla="*/ 544603 w 1486066"/>
-              <a:gd name="connsiteY10" fmla="*/ 129037 h 1666165"/>
-              <a:gd name="connsiteX11" fmla="*/ 179965 w 1486066"/>
-              <a:gd name="connsiteY11" fmla="*/ 375869 h 1666165"/>
-              <a:gd name="connsiteX12" fmla="*/ 6061 w 1486066"/>
-              <a:gd name="connsiteY12" fmla="*/ 594652 h 1666165"/>
-              <a:gd name="connsiteX13" fmla="*/ 56549 w 1486066"/>
-              <a:gd name="connsiteY13" fmla="*/ 1054656 h 1666165"/>
-              <a:gd name="connsiteX0" fmla="*/ 0 w 1480005"/>
-              <a:gd name="connsiteY0" fmla="*/ 594652 h 1666165"/>
-              <a:gd name="connsiteX1" fmla="*/ 213173 w 1480005"/>
-              <a:gd name="connsiteY1" fmla="*/ 1307098 h 1666165"/>
-              <a:gd name="connsiteX2" fmla="*/ 381468 w 1480005"/>
-              <a:gd name="connsiteY2" fmla="*/ 1542710 h 1666165"/>
-              <a:gd name="connsiteX3" fmla="*/ 819033 w 1480005"/>
-              <a:gd name="connsiteY3" fmla="*/ 1666126 h 1666165"/>
-              <a:gd name="connsiteX4" fmla="*/ 1323917 w 1480005"/>
-              <a:gd name="connsiteY4" fmla="*/ 1531491 h 1666165"/>
-              <a:gd name="connsiteX5" fmla="*/ 1430503 w 1480005"/>
-              <a:gd name="connsiteY5" fmla="*/ 1189292 h 1666165"/>
-              <a:gd name="connsiteX6" fmla="*/ 1475382 w 1480005"/>
-              <a:gd name="connsiteY6" fmla="*/ 779775 h 1666165"/>
-              <a:gd name="connsiteX7" fmla="*/ 1323917 w 1480005"/>
-              <a:gd name="connsiteY7" fmla="*/ 420747 h 1666165"/>
-              <a:gd name="connsiteX8" fmla="*/ 1133183 w 1480005"/>
-              <a:gd name="connsiteY8" fmla="*/ 123427 h 1666165"/>
-              <a:gd name="connsiteX9" fmla="*/ 925620 w 1480005"/>
-              <a:gd name="connsiteY9" fmla="*/ 11 h 1666165"/>
-              <a:gd name="connsiteX10" fmla="*/ 538542 w 1480005"/>
-              <a:gd name="connsiteY10" fmla="*/ 129037 h 1666165"/>
-              <a:gd name="connsiteX11" fmla="*/ 173904 w 1480005"/>
-              <a:gd name="connsiteY11" fmla="*/ 375869 h 1666165"/>
-              <a:gd name="connsiteX12" fmla="*/ 0 w 1480005"/>
-              <a:gd name="connsiteY12" fmla="*/ 594652 h 1666165"/>
-              <a:gd name="connsiteX0" fmla="*/ 14219 w 1494224"/>
-              <a:gd name="connsiteY0" fmla="*/ 594652 h 1666165"/>
-              <a:gd name="connsiteX1" fmla="*/ 227392 w 1494224"/>
-              <a:gd name="connsiteY1" fmla="*/ 1307098 h 1666165"/>
-              <a:gd name="connsiteX2" fmla="*/ 395687 w 1494224"/>
-              <a:gd name="connsiteY2" fmla="*/ 1542710 h 1666165"/>
-              <a:gd name="connsiteX3" fmla="*/ 833252 w 1494224"/>
-              <a:gd name="connsiteY3" fmla="*/ 1666126 h 1666165"/>
-              <a:gd name="connsiteX4" fmla="*/ 1338136 w 1494224"/>
-              <a:gd name="connsiteY4" fmla="*/ 1531491 h 1666165"/>
-              <a:gd name="connsiteX5" fmla="*/ 1444722 w 1494224"/>
-              <a:gd name="connsiteY5" fmla="*/ 1189292 h 1666165"/>
-              <a:gd name="connsiteX6" fmla="*/ 1489601 w 1494224"/>
-              <a:gd name="connsiteY6" fmla="*/ 779775 h 1666165"/>
-              <a:gd name="connsiteX7" fmla="*/ 1338136 w 1494224"/>
-              <a:gd name="connsiteY7" fmla="*/ 420747 h 1666165"/>
-              <a:gd name="connsiteX8" fmla="*/ 1147402 w 1494224"/>
-              <a:gd name="connsiteY8" fmla="*/ 123427 h 1666165"/>
-              <a:gd name="connsiteX9" fmla="*/ 939839 w 1494224"/>
-              <a:gd name="connsiteY9" fmla="*/ 11 h 1666165"/>
-              <a:gd name="connsiteX10" fmla="*/ 552761 w 1494224"/>
-              <a:gd name="connsiteY10" fmla="*/ 129037 h 1666165"/>
-              <a:gd name="connsiteX11" fmla="*/ 188123 w 1494224"/>
-              <a:gd name="connsiteY11" fmla="*/ 375869 h 1666165"/>
-              <a:gd name="connsiteX12" fmla="*/ 14219 w 1494224"/>
-              <a:gd name="connsiteY12" fmla="*/ 594652 h 1666165"/>
-              <a:gd name="connsiteX0" fmla="*/ 9077 w 1489082"/>
-              <a:gd name="connsiteY0" fmla="*/ 594652 h 1666165"/>
-              <a:gd name="connsiteX1" fmla="*/ 222250 w 1489082"/>
-              <a:gd name="connsiteY1" fmla="*/ 1307098 h 1666165"/>
-              <a:gd name="connsiteX2" fmla="*/ 390545 w 1489082"/>
-              <a:gd name="connsiteY2" fmla="*/ 1542710 h 1666165"/>
-              <a:gd name="connsiteX3" fmla="*/ 828110 w 1489082"/>
-              <a:gd name="connsiteY3" fmla="*/ 1666126 h 1666165"/>
-              <a:gd name="connsiteX4" fmla="*/ 1332994 w 1489082"/>
-              <a:gd name="connsiteY4" fmla="*/ 1531491 h 1666165"/>
-              <a:gd name="connsiteX5" fmla="*/ 1439580 w 1489082"/>
-              <a:gd name="connsiteY5" fmla="*/ 1189292 h 1666165"/>
-              <a:gd name="connsiteX6" fmla="*/ 1484459 w 1489082"/>
-              <a:gd name="connsiteY6" fmla="*/ 779775 h 1666165"/>
-              <a:gd name="connsiteX7" fmla="*/ 1332994 w 1489082"/>
-              <a:gd name="connsiteY7" fmla="*/ 420747 h 1666165"/>
-              <a:gd name="connsiteX8" fmla="*/ 1142260 w 1489082"/>
-              <a:gd name="connsiteY8" fmla="*/ 123427 h 1666165"/>
-              <a:gd name="connsiteX9" fmla="*/ 934697 w 1489082"/>
-              <a:gd name="connsiteY9" fmla="*/ 11 h 1666165"/>
-              <a:gd name="connsiteX10" fmla="*/ 547619 w 1489082"/>
-              <a:gd name="connsiteY10" fmla="*/ 129037 h 1666165"/>
-              <a:gd name="connsiteX11" fmla="*/ 9077 w 1489082"/>
-              <a:gd name="connsiteY11" fmla="*/ 594652 h 1666165"/>
-              <a:gd name="connsiteX0" fmla="*/ 9077 w 1501902"/>
-              <a:gd name="connsiteY0" fmla="*/ 594652 h 1666165"/>
-              <a:gd name="connsiteX1" fmla="*/ 222250 w 1501902"/>
-              <a:gd name="connsiteY1" fmla="*/ 1307098 h 1666165"/>
-              <a:gd name="connsiteX2" fmla="*/ 390545 w 1501902"/>
-              <a:gd name="connsiteY2" fmla="*/ 1542710 h 1666165"/>
-              <a:gd name="connsiteX3" fmla="*/ 828110 w 1501902"/>
-              <a:gd name="connsiteY3" fmla="*/ 1666126 h 1666165"/>
-              <a:gd name="connsiteX4" fmla="*/ 1332994 w 1501902"/>
-              <a:gd name="connsiteY4" fmla="*/ 1531491 h 1666165"/>
-              <a:gd name="connsiteX5" fmla="*/ 1439580 w 1501902"/>
-              <a:gd name="connsiteY5" fmla="*/ 1189292 h 1666165"/>
-              <a:gd name="connsiteX6" fmla="*/ 1484459 w 1501902"/>
-              <a:gd name="connsiteY6" fmla="*/ 779775 h 1666165"/>
-              <a:gd name="connsiteX7" fmla="*/ 1142260 w 1501902"/>
-              <a:gd name="connsiteY7" fmla="*/ 123427 h 1666165"/>
-              <a:gd name="connsiteX8" fmla="*/ 934697 w 1501902"/>
-              <a:gd name="connsiteY8" fmla="*/ 11 h 1666165"/>
-              <a:gd name="connsiteX9" fmla="*/ 547619 w 1501902"/>
-              <a:gd name="connsiteY9" fmla="*/ 129037 h 1666165"/>
-              <a:gd name="connsiteX10" fmla="*/ 9077 w 1501902"/>
-              <a:gd name="connsiteY10" fmla="*/ 594652 h 1666165"/>
-              <a:gd name="connsiteX0" fmla="*/ 9077 w 1491891"/>
-              <a:gd name="connsiteY0" fmla="*/ 594652 h 1666165"/>
-              <a:gd name="connsiteX1" fmla="*/ 222250 w 1491891"/>
-              <a:gd name="connsiteY1" fmla="*/ 1307098 h 1666165"/>
-              <a:gd name="connsiteX2" fmla="*/ 390545 w 1491891"/>
-              <a:gd name="connsiteY2" fmla="*/ 1542710 h 1666165"/>
-              <a:gd name="connsiteX3" fmla="*/ 828110 w 1491891"/>
-              <a:gd name="connsiteY3" fmla="*/ 1666126 h 1666165"/>
-              <a:gd name="connsiteX4" fmla="*/ 1332994 w 1491891"/>
-              <a:gd name="connsiteY4" fmla="*/ 1531491 h 1666165"/>
-              <a:gd name="connsiteX5" fmla="*/ 1484459 w 1491891"/>
-              <a:gd name="connsiteY5" fmla="*/ 779775 h 1666165"/>
-              <a:gd name="connsiteX6" fmla="*/ 1142260 w 1491891"/>
-              <a:gd name="connsiteY6" fmla="*/ 123427 h 1666165"/>
-              <a:gd name="connsiteX7" fmla="*/ 934697 w 1491891"/>
-              <a:gd name="connsiteY7" fmla="*/ 11 h 1666165"/>
-              <a:gd name="connsiteX8" fmla="*/ 547619 w 1491891"/>
-              <a:gd name="connsiteY8" fmla="*/ 129037 h 1666165"/>
-              <a:gd name="connsiteX9" fmla="*/ 9077 w 1491891"/>
-              <a:gd name="connsiteY9" fmla="*/ 594652 h 1666165"/>
-              <a:gd name="connsiteX0" fmla="*/ 10852 w 1493666"/>
-              <a:gd name="connsiteY0" fmla="*/ 594652 h 1666169"/>
-              <a:gd name="connsiteX1" fmla="*/ 183580 w 1493666"/>
-              <a:gd name="connsiteY1" fmla="*/ 1268412 h 1666169"/>
-              <a:gd name="connsiteX2" fmla="*/ 392320 w 1493666"/>
-              <a:gd name="connsiteY2" fmla="*/ 1542710 h 1666169"/>
-              <a:gd name="connsiteX3" fmla="*/ 829885 w 1493666"/>
-              <a:gd name="connsiteY3" fmla="*/ 1666126 h 1666169"/>
-              <a:gd name="connsiteX4" fmla="*/ 1334769 w 1493666"/>
-              <a:gd name="connsiteY4" fmla="*/ 1531491 h 1666169"/>
-              <a:gd name="connsiteX5" fmla="*/ 1486234 w 1493666"/>
-              <a:gd name="connsiteY5" fmla="*/ 779775 h 1666169"/>
-              <a:gd name="connsiteX6" fmla="*/ 1144035 w 1493666"/>
-              <a:gd name="connsiteY6" fmla="*/ 123427 h 1666169"/>
-              <a:gd name="connsiteX7" fmla="*/ 936472 w 1493666"/>
-              <a:gd name="connsiteY7" fmla="*/ 11 h 1666169"/>
-              <a:gd name="connsiteX8" fmla="*/ 549394 w 1493666"/>
-              <a:gd name="connsiteY8" fmla="*/ 129037 h 1666169"/>
-              <a:gd name="connsiteX9" fmla="*/ 10852 w 1493666"/>
-              <a:gd name="connsiteY9" fmla="*/ 594652 h 1666169"/>
-              <a:gd name="connsiteX0" fmla="*/ 13894 w 1496708"/>
-              <a:gd name="connsiteY0" fmla="*/ 594652 h 1666169"/>
-              <a:gd name="connsiteX1" fmla="*/ 140902 w 1496708"/>
-              <a:gd name="connsiteY1" fmla="*/ 1268412 h 1666169"/>
-              <a:gd name="connsiteX2" fmla="*/ 395362 w 1496708"/>
-              <a:gd name="connsiteY2" fmla="*/ 1542710 h 1666169"/>
-              <a:gd name="connsiteX3" fmla="*/ 832927 w 1496708"/>
-              <a:gd name="connsiteY3" fmla="*/ 1666126 h 1666169"/>
-              <a:gd name="connsiteX4" fmla="*/ 1337811 w 1496708"/>
-              <a:gd name="connsiteY4" fmla="*/ 1531491 h 1666169"/>
-              <a:gd name="connsiteX5" fmla="*/ 1489276 w 1496708"/>
-              <a:gd name="connsiteY5" fmla="*/ 779775 h 1666169"/>
-              <a:gd name="connsiteX6" fmla="*/ 1147077 w 1496708"/>
-              <a:gd name="connsiteY6" fmla="*/ 123427 h 1666169"/>
-              <a:gd name="connsiteX7" fmla="*/ 939514 w 1496708"/>
-              <a:gd name="connsiteY7" fmla="*/ 11 h 1666169"/>
-              <a:gd name="connsiteX8" fmla="*/ 552436 w 1496708"/>
-              <a:gd name="connsiteY8" fmla="*/ 129037 h 1666169"/>
-              <a:gd name="connsiteX9" fmla="*/ 13894 w 1496708"/>
-              <a:gd name="connsiteY9" fmla="*/ 594652 h 1666169"/>
-              <a:gd name="connsiteX0" fmla="*/ 13894 w 1493356"/>
-              <a:gd name="connsiteY0" fmla="*/ 594652 h 1666169"/>
-              <a:gd name="connsiteX1" fmla="*/ 140902 w 1493356"/>
-              <a:gd name="connsiteY1" fmla="*/ 1268412 h 1666169"/>
-              <a:gd name="connsiteX2" fmla="*/ 395362 w 1493356"/>
-              <a:gd name="connsiteY2" fmla="*/ 1542710 h 1666169"/>
-              <a:gd name="connsiteX3" fmla="*/ 832927 w 1493356"/>
-              <a:gd name="connsiteY3" fmla="*/ 1666126 h 1666169"/>
-              <a:gd name="connsiteX4" fmla="*/ 1337811 w 1493356"/>
-              <a:gd name="connsiteY4" fmla="*/ 1531491 h 1666169"/>
-              <a:gd name="connsiteX5" fmla="*/ 1489276 w 1493356"/>
-              <a:gd name="connsiteY5" fmla="*/ 779775 h 1666169"/>
-              <a:gd name="connsiteX6" fmla="*/ 1210382 w 1493356"/>
-              <a:gd name="connsiteY6" fmla="*/ 123427 h 1666169"/>
-              <a:gd name="connsiteX7" fmla="*/ 939514 w 1493356"/>
-              <a:gd name="connsiteY7" fmla="*/ 11 h 1666169"/>
-              <a:gd name="connsiteX8" fmla="*/ 552436 w 1493356"/>
-              <a:gd name="connsiteY8" fmla="*/ 129037 h 1666169"/>
-              <a:gd name="connsiteX9" fmla="*/ 13894 w 1493356"/>
-              <a:gd name="connsiteY9" fmla="*/ 594652 h 1666169"/>
-              <a:gd name="connsiteX0" fmla="*/ 13894 w 1492733"/>
-              <a:gd name="connsiteY0" fmla="*/ 594652 h 1666935"/>
-              <a:gd name="connsiteX1" fmla="*/ 140902 w 1492733"/>
-              <a:gd name="connsiteY1" fmla="*/ 1268412 h 1666935"/>
-              <a:gd name="connsiteX2" fmla="*/ 395362 w 1492733"/>
-              <a:gd name="connsiteY2" fmla="*/ 1542710 h 1666935"/>
-              <a:gd name="connsiteX3" fmla="*/ 832927 w 1492733"/>
-              <a:gd name="connsiteY3" fmla="*/ 1666126 h 1666935"/>
-              <a:gd name="connsiteX4" fmla="*/ 1330777 w 1492733"/>
-              <a:gd name="connsiteY4" fmla="*/ 1489288 h 1666935"/>
-              <a:gd name="connsiteX5" fmla="*/ 1489276 w 1492733"/>
-              <a:gd name="connsiteY5" fmla="*/ 779775 h 1666935"/>
-              <a:gd name="connsiteX6" fmla="*/ 1210382 w 1492733"/>
-              <a:gd name="connsiteY6" fmla="*/ 123427 h 1666935"/>
-              <a:gd name="connsiteX7" fmla="*/ 939514 w 1492733"/>
-              <a:gd name="connsiteY7" fmla="*/ 11 h 1666935"/>
-              <a:gd name="connsiteX8" fmla="*/ 552436 w 1492733"/>
-              <a:gd name="connsiteY8" fmla="*/ 129037 h 1666935"/>
-              <a:gd name="connsiteX9" fmla="*/ 13894 w 1492733"/>
-              <a:gd name="connsiteY9" fmla="*/ 594652 h 1666935"/>
-              <a:gd name="connsiteX0" fmla="*/ 13894 w 1492733"/>
-              <a:gd name="connsiteY0" fmla="*/ 539375 h 1611658"/>
-              <a:gd name="connsiteX1" fmla="*/ 140902 w 1492733"/>
-              <a:gd name="connsiteY1" fmla="*/ 1213135 h 1611658"/>
-              <a:gd name="connsiteX2" fmla="*/ 395362 w 1492733"/>
-              <a:gd name="connsiteY2" fmla="*/ 1487433 h 1611658"/>
-              <a:gd name="connsiteX3" fmla="*/ 832927 w 1492733"/>
-              <a:gd name="connsiteY3" fmla="*/ 1610849 h 1611658"/>
-              <a:gd name="connsiteX4" fmla="*/ 1330777 w 1492733"/>
-              <a:gd name="connsiteY4" fmla="*/ 1434011 h 1611658"/>
-              <a:gd name="connsiteX5" fmla="*/ 1489276 w 1492733"/>
-              <a:gd name="connsiteY5" fmla="*/ 724498 h 1611658"/>
-              <a:gd name="connsiteX6" fmla="*/ 1210382 w 1492733"/>
-              <a:gd name="connsiteY6" fmla="*/ 68150 h 1611658"/>
-              <a:gd name="connsiteX7" fmla="*/ 552436 w 1492733"/>
-              <a:gd name="connsiteY7" fmla="*/ 73760 h 1611658"/>
-              <a:gd name="connsiteX8" fmla="*/ 13894 w 1492733"/>
-              <a:gd name="connsiteY8" fmla="*/ 539375 h 1611658"/>
-              <a:gd name="connsiteX0" fmla="*/ 22437 w 1501276"/>
-              <a:gd name="connsiteY0" fmla="*/ 539375 h 1620865"/>
-              <a:gd name="connsiteX1" fmla="*/ 149445 w 1501276"/>
-              <a:gd name="connsiteY1" fmla="*/ 1213135 h 1620865"/>
-              <a:gd name="connsiteX2" fmla="*/ 841470 w 1501276"/>
-              <a:gd name="connsiteY2" fmla="*/ 1610849 h 1620865"/>
-              <a:gd name="connsiteX3" fmla="*/ 1339320 w 1501276"/>
-              <a:gd name="connsiteY3" fmla="*/ 1434011 h 1620865"/>
-              <a:gd name="connsiteX4" fmla="*/ 1497819 w 1501276"/>
-              <a:gd name="connsiteY4" fmla="*/ 724498 h 1620865"/>
-              <a:gd name="connsiteX5" fmla="*/ 1218925 w 1501276"/>
-              <a:gd name="connsiteY5" fmla="*/ 68150 h 1620865"/>
-              <a:gd name="connsiteX6" fmla="*/ 560979 w 1501276"/>
-              <a:gd name="connsiteY6" fmla="*/ 73760 h 1620865"/>
-              <a:gd name="connsiteX7" fmla="*/ 22437 w 1501276"/>
-              <a:gd name="connsiteY7" fmla="*/ 539375 h 1620865"/>
-              <a:gd name="connsiteX0" fmla="*/ 18441 w 1498582"/>
-              <a:gd name="connsiteY0" fmla="*/ 539375 h 1620866"/>
-              <a:gd name="connsiteX1" fmla="*/ 145449 w 1498582"/>
-              <a:gd name="connsiteY1" fmla="*/ 1213135 h 1620866"/>
-              <a:gd name="connsiteX2" fmla="*/ 672288 w 1498582"/>
-              <a:gd name="connsiteY2" fmla="*/ 1610850 h 1620866"/>
-              <a:gd name="connsiteX3" fmla="*/ 1335324 w 1498582"/>
-              <a:gd name="connsiteY3" fmla="*/ 1434011 h 1620866"/>
-              <a:gd name="connsiteX4" fmla="*/ 1493823 w 1498582"/>
-              <a:gd name="connsiteY4" fmla="*/ 724498 h 1620866"/>
-              <a:gd name="connsiteX5" fmla="*/ 1214929 w 1498582"/>
-              <a:gd name="connsiteY5" fmla="*/ 68150 h 1620866"/>
-              <a:gd name="connsiteX6" fmla="*/ 556983 w 1498582"/>
-              <a:gd name="connsiteY6" fmla="*/ 73760 h 1620866"/>
-              <a:gd name="connsiteX7" fmla="*/ 18441 w 1498582"/>
-              <a:gd name="connsiteY7" fmla="*/ 539375 h 1620866"/>
-              <a:gd name="connsiteX0" fmla="*/ 18441 w 1502750"/>
-              <a:gd name="connsiteY0" fmla="*/ 539375 h 1618556"/>
-              <a:gd name="connsiteX1" fmla="*/ 145449 w 1502750"/>
-              <a:gd name="connsiteY1" fmla="*/ 1213135 h 1618556"/>
-              <a:gd name="connsiteX2" fmla="*/ 672288 w 1502750"/>
-              <a:gd name="connsiteY2" fmla="*/ 1610850 h 1618556"/>
-              <a:gd name="connsiteX3" fmla="*/ 1361406 w 1502750"/>
-              <a:gd name="connsiteY3" fmla="*/ 1416622 h 1618556"/>
-              <a:gd name="connsiteX4" fmla="*/ 1493823 w 1502750"/>
-              <a:gd name="connsiteY4" fmla="*/ 724498 h 1618556"/>
-              <a:gd name="connsiteX5" fmla="*/ 1214929 w 1502750"/>
-              <a:gd name="connsiteY5" fmla="*/ 68150 h 1618556"/>
-              <a:gd name="connsiteX6" fmla="*/ 556983 w 1502750"/>
-              <a:gd name="connsiteY6" fmla="*/ 73760 h 1618556"/>
-              <a:gd name="connsiteX7" fmla="*/ 18441 w 1502750"/>
-              <a:gd name="connsiteY7" fmla="*/ 539375 h 1618556"/>
-              <a:gd name="connsiteX0" fmla="*/ 18441 w 1502157"/>
-              <a:gd name="connsiteY0" fmla="*/ 500120 h 1579301"/>
-              <a:gd name="connsiteX1" fmla="*/ 145449 w 1502157"/>
-              <a:gd name="connsiteY1" fmla="*/ 1173880 h 1579301"/>
-              <a:gd name="connsiteX2" fmla="*/ 672288 w 1502157"/>
-              <a:gd name="connsiteY2" fmla="*/ 1571595 h 1579301"/>
-              <a:gd name="connsiteX3" fmla="*/ 1361406 w 1502157"/>
-              <a:gd name="connsiteY3" fmla="*/ 1377367 h 1579301"/>
-              <a:gd name="connsiteX4" fmla="*/ 1493823 w 1502157"/>
-              <a:gd name="connsiteY4" fmla="*/ 685243 h 1579301"/>
-              <a:gd name="connsiteX5" fmla="*/ 1223623 w 1502157"/>
-              <a:gd name="connsiteY5" fmla="*/ 107141 h 1579301"/>
-              <a:gd name="connsiteX6" fmla="*/ 556983 w 1502157"/>
-              <a:gd name="connsiteY6" fmla="*/ 34505 h 1579301"/>
-              <a:gd name="connsiteX7" fmla="*/ 18441 w 1502157"/>
-              <a:gd name="connsiteY7" fmla="*/ 500120 h 1579301"/>
-            </a:gdLst>
-            <a:ahLst/>
-            <a:cxnLst>
-              <a:cxn ang="0">
-                <a:pos x="connsiteX0" y="connsiteY0"/>
-              </a:cxn>
-              <a:cxn ang="0">
-                <a:pos x="connsiteX1" y="connsiteY1"/>
-              </a:cxn>
-              <a:cxn ang="0">
-                <a:pos x="connsiteX2" y="connsiteY2"/>
-              </a:cxn>
-              <a:cxn ang="0">
-                <a:pos x="connsiteX3" y="connsiteY3"/>
-              </a:cxn>
-              <a:cxn ang="0">
-                <a:pos x="connsiteX4" y="connsiteY4"/>
-              </a:cxn>
-              <a:cxn ang="0">
-                <a:pos x="connsiteX5" y="connsiteY5"/>
-              </a:cxn>
-              <a:cxn ang="0">
-                <a:pos x="connsiteX6" y="connsiteY6"/>
-              </a:cxn>
-              <a:cxn ang="0">
-                <a:pos x="connsiteX7" y="connsiteY7"/>
-              </a:cxn>
-            </a:cxnLst>
-            <a:rect l="l" t="t" r="r" b="b"/>
-            <a:pathLst>
-              <a:path w="1502157" h="1579301">
-                <a:moveTo>
-                  <a:pt x="18441" y="500120"/>
-                </a:moveTo>
-                <a:cubicBezTo>
-                  <a:pt x="-35787" y="696463"/>
-                  <a:pt x="36475" y="995301"/>
-                  <a:pt x="145449" y="1173880"/>
-                </a:cubicBezTo>
-                <a:cubicBezTo>
-                  <a:pt x="254423" y="1352459"/>
-                  <a:pt x="469629" y="1537681"/>
-                  <a:pt x="672288" y="1571595"/>
-                </a:cubicBezTo>
-                <a:cubicBezTo>
-                  <a:pt x="874948" y="1605510"/>
-                  <a:pt x="1224484" y="1525092"/>
-                  <a:pt x="1361406" y="1377367"/>
-                </a:cubicBezTo>
-                <a:cubicBezTo>
-                  <a:pt x="1498328" y="1229642"/>
-                  <a:pt x="1516787" y="896947"/>
-                  <a:pt x="1493823" y="685243"/>
-                </a:cubicBezTo>
-                <a:cubicBezTo>
-                  <a:pt x="1470859" y="473539"/>
-                  <a:pt x="1315250" y="237102"/>
-                  <a:pt x="1223623" y="107141"/>
-                </a:cubicBezTo>
-                <a:cubicBezTo>
-                  <a:pt x="1067483" y="-1315"/>
-                  <a:pt x="757847" y="-30991"/>
-                  <a:pt x="556983" y="34505"/>
-                </a:cubicBezTo>
-                <a:cubicBezTo>
-                  <a:pt x="356119" y="100002"/>
-                  <a:pt x="72669" y="303777"/>
-                  <a:pt x="18441" y="500120"/>
-                </a:cubicBezTo>
-                <a:close/>
-              </a:path>
-            </a:pathLst>
-          </a:custGeom>
-          <a:solidFill>
-            <a:schemeClr val="accent1"/>
-          </a:solidFill>
-          <a:ln>
-            <a:noFill/>
-          </a:ln>
-        </p:spPr>
-        <p:style>
-          <a:lnRef idx="2">
-            <a:schemeClr val="accent1">
-              <a:shade val="15000"/>
-            </a:schemeClr>
-          </a:lnRef>
-          <a:fillRef idx="1">
-            <a:schemeClr val="accent1"/>
-          </a:fillRef>
-          <a:effectRef idx="0">
-            <a:schemeClr val="accent1"/>
-          </a:effectRef>
-          <a:fontRef idx="minor">
-            <a:schemeClr val="lt1"/>
-          </a:fontRef>
-        </p:style>
-        <p:txBody>
-          <a:bodyPr rtlCol="0" anchor="ctr"/>
-          <a:lstStyle/>
-          <a:p>
-            <a:pPr algn="ctr"/>
-            <a:endParaRPr lang="en-US"/>
-          </a:p>
-        </p:txBody>
-      </p:sp>
-      <p:sp>
-        <p:nvSpPr>
-          <p:cNvPr id="17" name="Freeform: Shape 16">
-            <a:extLst>
-              <a:ext uri="{FF2B5EF4-FFF2-40B4-BE49-F238E27FC236}">
-                <a16:creationId xmlns:a16="http://schemas.microsoft.com/office/drawing/2014/main" id="{47FB2A60-2A54-1631-7DBE-48F0A07433D1}"/>
-              </a:ext>
-              <a:ext uri="{C183D7F6-B498-43B3-948B-1728B52AA6E4}">
-                <adec:decorative xmlns:adec="http://schemas.microsoft.com/office/drawing/2017/decorative" val="1"/>
-              </a:ext>
-            </a:extLst>
-          </p:cNvPr>
-          <p:cNvSpPr>
-            <a:spLocks noGrp="1" noRot="1" noChangeAspect="1" noMove="1" noResize="1" noEditPoints="1" noAdjustHandles="1" noChangeArrowheads="1" noChangeShapeType="1" noTextEdit="1"/>
-          </p:cNvSpPr>
-          <p:nvPr>
-            <p:extLst>
-              <p:ext uri="{386F3935-93C4-4BCD-93E2-E3B085C9AB24}">
-                <p16:designElem xmlns:p16="http://schemas.microsoft.com/office/powerpoint/2015/main" val="1"/>
-              </p:ext>
-            </p:extLst>
-          </p:nvPr>
-        </p:nvSpPr>
-        <p:spPr>
-          <a:xfrm rot="10439416">
-            <a:off x="10146826" y="4764864"/>
-            <a:ext cx="1344253" cy="508606"/>
-          </a:xfrm>
-          <a:custGeom>
-            <a:avLst/>
-            <a:gdLst>
-              <a:gd name="connsiteX0" fmla="*/ 1581291 w 2857990"/>
-              <a:gd name="connsiteY0" fmla="*/ 8826 h 1204311"/>
-              <a:gd name="connsiteX1" fmla="*/ 801137 w 2857990"/>
-              <a:gd name="connsiteY1" fmla="*/ 108293 h 1204311"/>
-              <a:gd name="connsiteX2" fmla="*/ 18370 w 2857990"/>
-              <a:gd name="connsiteY2" fmla="*/ 754421 h 1204311"/>
-              <a:gd name="connsiteX3" fmla="*/ 449552 w 2857990"/>
-              <a:gd name="connsiteY3" fmla="*/ 932464 h 1204311"/>
-              <a:gd name="connsiteX4" fmla="*/ 699738 w 2857990"/>
-              <a:gd name="connsiteY4" fmla="*/ 964852 h 1204311"/>
-              <a:gd name="connsiteX5" fmla="*/ 837825 w 2857990"/>
-              <a:gd name="connsiteY5" fmla="*/ 984075 h 1204311"/>
-              <a:gd name="connsiteX6" fmla="*/ 2857990 w 2857990"/>
-              <a:gd name="connsiteY6" fmla="*/ 1204311 h 1204311"/>
-              <a:gd name="connsiteX7" fmla="*/ 2857523 w 2857990"/>
-              <a:gd name="connsiteY7" fmla="*/ 1157953 h 1204311"/>
-              <a:gd name="connsiteX8" fmla="*/ 2632851 w 2857990"/>
-              <a:gd name="connsiteY8" fmla="*/ 723381 h 1204311"/>
-              <a:gd name="connsiteX9" fmla="*/ 1828135 w 2857990"/>
-              <a:gd name="connsiteY9" fmla="*/ 60927 h 1204311"/>
-              <a:gd name="connsiteX10" fmla="*/ 1581291 w 2857990"/>
-              <a:gd name="connsiteY10" fmla="*/ 8826 h 1204311"/>
-              <a:gd name="connsiteX0" fmla="*/ 1581291 w 2857990"/>
-              <a:gd name="connsiteY0" fmla="*/ 8826 h 1204311"/>
-              <a:gd name="connsiteX1" fmla="*/ 801137 w 2857990"/>
-              <a:gd name="connsiteY1" fmla="*/ 108293 h 1204311"/>
-              <a:gd name="connsiteX2" fmla="*/ 18370 w 2857990"/>
-              <a:gd name="connsiteY2" fmla="*/ 754421 h 1204311"/>
-              <a:gd name="connsiteX3" fmla="*/ 449552 w 2857990"/>
-              <a:gd name="connsiteY3" fmla="*/ 932464 h 1204311"/>
-              <a:gd name="connsiteX4" fmla="*/ 837825 w 2857990"/>
-              <a:gd name="connsiteY4" fmla="*/ 984075 h 1204311"/>
-              <a:gd name="connsiteX5" fmla="*/ 2857990 w 2857990"/>
-              <a:gd name="connsiteY5" fmla="*/ 1204311 h 1204311"/>
-              <a:gd name="connsiteX6" fmla="*/ 2857523 w 2857990"/>
-              <a:gd name="connsiteY6" fmla="*/ 1157953 h 1204311"/>
-              <a:gd name="connsiteX7" fmla="*/ 2632851 w 2857990"/>
-              <a:gd name="connsiteY7" fmla="*/ 723381 h 1204311"/>
-              <a:gd name="connsiteX8" fmla="*/ 1828135 w 2857990"/>
-              <a:gd name="connsiteY8" fmla="*/ 60927 h 1204311"/>
-              <a:gd name="connsiteX9" fmla="*/ 1581291 w 2857990"/>
-              <a:gd name="connsiteY9" fmla="*/ 8826 h 1204311"/>
-              <a:gd name="connsiteX0" fmla="*/ 1581291 w 2858024"/>
-              <a:gd name="connsiteY0" fmla="*/ 8826 h 1207869"/>
-              <a:gd name="connsiteX1" fmla="*/ 801137 w 2858024"/>
-              <a:gd name="connsiteY1" fmla="*/ 108293 h 1207869"/>
-              <a:gd name="connsiteX2" fmla="*/ 18370 w 2858024"/>
-              <a:gd name="connsiteY2" fmla="*/ 754421 h 1207869"/>
-              <a:gd name="connsiteX3" fmla="*/ 449552 w 2858024"/>
-              <a:gd name="connsiteY3" fmla="*/ 932464 h 1207869"/>
-              <a:gd name="connsiteX4" fmla="*/ 837825 w 2858024"/>
-              <a:gd name="connsiteY4" fmla="*/ 984075 h 1207869"/>
-              <a:gd name="connsiteX5" fmla="*/ 2857990 w 2858024"/>
-              <a:gd name="connsiteY5" fmla="*/ 1204311 h 1207869"/>
-              <a:gd name="connsiteX6" fmla="*/ 2857523 w 2858024"/>
-              <a:gd name="connsiteY6" fmla="*/ 1157953 h 1207869"/>
-              <a:gd name="connsiteX7" fmla="*/ 2632851 w 2858024"/>
-              <a:gd name="connsiteY7" fmla="*/ 723381 h 1207869"/>
-              <a:gd name="connsiteX8" fmla="*/ 1828135 w 2858024"/>
-              <a:gd name="connsiteY8" fmla="*/ 60927 h 1207869"/>
-              <a:gd name="connsiteX9" fmla="*/ 1581291 w 2858024"/>
-              <a:gd name="connsiteY9" fmla="*/ 8826 h 1207869"/>
-              <a:gd name="connsiteX0" fmla="*/ 1581291 w 2858024"/>
-              <a:gd name="connsiteY0" fmla="*/ 8826 h 1207869"/>
-              <a:gd name="connsiteX1" fmla="*/ 801137 w 2858024"/>
-              <a:gd name="connsiteY1" fmla="*/ 108293 h 1207869"/>
-              <a:gd name="connsiteX2" fmla="*/ 18370 w 2858024"/>
-              <a:gd name="connsiteY2" fmla="*/ 754421 h 1207869"/>
-              <a:gd name="connsiteX3" fmla="*/ 449552 w 2858024"/>
-              <a:gd name="connsiteY3" fmla="*/ 932464 h 1207869"/>
-              <a:gd name="connsiteX4" fmla="*/ 837825 w 2858024"/>
-              <a:gd name="connsiteY4" fmla="*/ 984075 h 1207869"/>
-              <a:gd name="connsiteX5" fmla="*/ 2857990 w 2858024"/>
-              <a:gd name="connsiteY5" fmla="*/ 1204311 h 1207869"/>
-              <a:gd name="connsiteX6" fmla="*/ 2832178 w 2858024"/>
-              <a:gd name="connsiteY6" fmla="*/ 1129946 h 1207869"/>
-              <a:gd name="connsiteX7" fmla="*/ 2632851 w 2858024"/>
-              <a:gd name="connsiteY7" fmla="*/ 723381 h 1207869"/>
-              <a:gd name="connsiteX8" fmla="*/ 1828135 w 2858024"/>
-              <a:gd name="connsiteY8" fmla="*/ 60927 h 1207869"/>
-              <a:gd name="connsiteX9" fmla="*/ 1581291 w 2858024"/>
-              <a:gd name="connsiteY9" fmla="*/ 8826 h 1207869"/>
-              <a:gd name="connsiteX0" fmla="*/ 1581291 w 2974264"/>
-              <a:gd name="connsiteY0" fmla="*/ 8826 h 1207869"/>
-              <a:gd name="connsiteX1" fmla="*/ 801137 w 2974264"/>
-              <a:gd name="connsiteY1" fmla="*/ 108293 h 1207869"/>
-              <a:gd name="connsiteX2" fmla="*/ 18370 w 2974264"/>
-              <a:gd name="connsiteY2" fmla="*/ 754421 h 1207869"/>
-              <a:gd name="connsiteX3" fmla="*/ 449552 w 2974264"/>
-              <a:gd name="connsiteY3" fmla="*/ 932464 h 1207869"/>
-              <a:gd name="connsiteX4" fmla="*/ 837825 w 2974264"/>
-              <a:gd name="connsiteY4" fmla="*/ 984075 h 1207869"/>
-              <a:gd name="connsiteX5" fmla="*/ 2857990 w 2974264"/>
-              <a:gd name="connsiteY5" fmla="*/ 1204311 h 1207869"/>
-              <a:gd name="connsiteX6" fmla="*/ 2632851 w 2974264"/>
-              <a:gd name="connsiteY6" fmla="*/ 723381 h 1207869"/>
-              <a:gd name="connsiteX7" fmla="*/ 1828135 w 2974264"/>
-              <a:gd name="connsiteY7" fmla="*/ 60927 h 1207869"/>
-              <a:gd name="connsiteX8" fmla="*/ 1581291 w 2974264"/>
-              <a:gd name="connsiteY8" fmla="*/ 8826 h 1207869"/>
-              <a:gd name="connsiteX0" fmla="*/ 1581291 w 2858024"/>
-              <a:gd name="connsiteY0" fmla="*/ 8826 h 1207869"/>
-              <a:gd name="connsiteX1" fmla="*/ 801137 w 2858024"/>
-              <a:gd name="connsiteY1" fmla="*/ 108293 h 1207869"/>
-              <a:gd name="connsiteX2" fmla="*/ 18370 w 2858024"/>
-              <a:gd name="connsiteY2" fmla="*/ 754421 h 1207869"/>
-              <a:gd name="connsiteX3" fmla="*/ 449552 w 2858024"/>
-              <a:gd name="connsiteY3" fmla="*/ 932464 h 1207869"/>
-              <a:gd name="connsiteX4" fmla="*/ 837825 w 2858024"/>
-              <a:gd name="connsiteY4" fmla="*/ 984075 h 1207869"/>
-              <a:gd name="connsiteX5" fmla="*/ 2857990 w 2858024"/>
-              <a:gd name="connsiteY5" fmla="*/ 1204311 h 1207869"/>
-              <a:gd name="connsiteX6" fmla="*/ 2632851 w 2858024"/>
-              <a:gd name="connsiteY6" fmla="*/ 723381 h 1207869"/>
-              <a:gd name="connsiteX7" fmla="*/ 1828135 w 2858024"/>
-              <a:gd name="connsiteY7" fmla="*/ 60927 h 1207869"/>
-              <a:gd name="connsiteX8" fmla="*/ 1581291 w 2858024"/>
-              <a:gd name="connsiteY8" fmla="*/ 8826 h 1207869"/>
-              <a:gd name="connsiteX0" fmla="*/ 1581291 w 2858024"/>
-              <a:gd name="connsiteY0" fmla="*/ 8826 h 1207869"/>
-              <a:gd name="connsiteX1" fmla="*/ 801137 w 2858024"/>
-              <a:gd name="connsiteY1" fmla="*/ 108293 h 1207869"/>
-              <a:gd name="connsiteX2" fmla="*/ 18370 w 2858024"/>
-              <a:gd name="connsiteY2" fmla="*/ 754421 h 1207869"/>
-              <a:gd name="connsiteX3" fmla="*/ 449552 w 2858024"/>
-              <a:gd name="connsiteY3" fmla="*/ 932464 h 1207869"/>
-              <a:gd name="connsiteX4" fmla="*/ 837825 w 2858024"/>
-              <a:gd name="connsiteY4" fmla="*/ 984075 h 1207869"/>
-              <a:gd name="connsiteX5" fmla="*/ 2857990 w 2858024"/>
-              <a:gd name="connsiteY5" fmla="*/ 1204311 h 1207869"/>
-              <a:gd name="connsiteX6" fmla="*/ 2632851 w 2858024"/>
-              <a:gd name="connsiteY6" fmla="*/ 723381 h 1207869"/>
-              <a:gd name="connsiteX7" fmla="*/ 1828135 w 2858024"/>
-              <a:gd name="connsiteY7" fmla="*/ 60927 h 1207869"/>
-              <a:gd name="connsiteX8" fmla="*/ 1581291 w 2858024"/>
-              <a:gd name="connsiteY8" fmla="*/ 8826 h 1207869"/>
-              <a:gd name="connsiteX0" fmla="*/ 1581291 w 2858024"/>
-              <a:gd name="connsiteY0" fmla="*/ 8826 h 1207869"/>
-              <a:gd name="connsiteX1" fmla="*/ 801137 w 2858024"/>
-              <a:gd name="connsiteY1" fmla="*/ 108293 h 1207869"/>
-              <a:gd name="connsiteX2" fmla="*/ 18370 w 2858024"/>
-              <a:gd name="connsiteY2" fmla="*/ 754421 h 1207869"/>
-              <a:gd name="connsiteX3" fmla="*/ 449552 w 2858024"/>
-              <a:gd name="connsiteY3" fmla="*/ 932464 h 1207869"/>
-              <a:gd name="connsiteX4" fmla="*/ 837825 w 2858024"/>
-              <a:gd name="connsiteY4" fmla="*/ 984075 h 1207869"/>
-              <a:gd name="connsiteX5" fmla="*/ 2857990 w 2858024"/>
-              <a:gd name="connsiteY5" fmla="*/ 1204311 h 1207869"/>
-              <a:gd name="connsiteX6" fmla="*/ 2632851 w 2858024"/>
-              <a:gd name="connsiteY6" fmla="*/ 723381 h 1207869"/>
-              <a:gd name="connsiteX7" fmla="*/ 1828135 w 2858024"/>
-              <a:gd name="connsiteY7" fmla="*/ 60927 h 1207869"/>
-              <a:gd name="connsiteX8" fmla="*/ 1581291 w 2858024"/>
-              <a:gd name="connsiteY8" fmla="*/ 8826 h 1207869"/>
-              <a:gd name="connsiteX0" fmla="*/ 1581291 w 2858025"/>
-              <a:gd name="connsiteY0" fmla="*/ 8826 h 1210692"/>
-              <a:gd name="connsiteX1" fmla="*/ 801137 w 2858025"/>
-              <a:gd name="connsiteY1" fmla="*/ 108293 h 1210692"/>
-              <a:gd name="connsiteX2" fmla="*/ 18370 w 2858025"/>
-              <a:gd name="connsiteY2" fmla="*/ 754421 h 1210692"/>
-              <a:gd name="connsiteX3" fmla="*/ 449552 w 2858025"/>
-              <a:gd name="connsiteY3" fmla="*/ 932464 h 1210692"/>
-              <a:gd name="connsiteX4" fmla="*/ 837825 w 2858025"/>
-              <a:gd name="connsiteY4" fmla="*/ 984075 h 1210692"/>
-              <a:gd name="connsiteX5" fmla="*/ 2857990 w 2858025"/>
-              <a:gd name="connsiteY5" fmla="*/ 1204311 h 1210692"/>
-              <a:gd name="connsiteX6" fmla="*/ 2632851 w 2858025"/>
-              <a:gd name="connsiteY6" fmla="*/ 723381 h 1210692"/>
-              <a:gd name="connsiteX7" fmla="*/ 1828135 w 2858025"/>
-              <a:gd name="connsiteY7" fmla="*/ 60927 h 1210692"/>
-              <a:gd name="connsiteX8" fmla="*/ 1581291 w 2858025"/>
-              <a:gd name="connsiteY8" fmla="*/ 8826 h 1210692"/>
-            </a:gdLst>
-            <a:ahLst/>
-            <a:cxnLst>
-              <a:cxn ang="0">
-                <a:pos x="connsiteX0" y="connsiteY0"/>
-              </a:cxn>
-              <a:cxn ang="0">
-                <a:pos x="connsiteX1" y="connsiteY1"/>
-              </a:cxn>
-              <a:cxn ang="0">
-                <a:pos x="connsiteX2" y="connsiteY2"/>
-              </a:cxn>
-              <a:cxn ang="0">
-                <a:pos x="connsiteX3" y="connsiteY3"/>
-              </a:cxn>
-              <a:cxn ang="0">
-                <a:pos x="connsiteX4" y="connsiteY4"/>
-              </a:cxn>
-              <a:cxn ang="0">
-                <a:pos x="connsiteX5" y="connsiteY5"/>
-              </a:cxn>
-              <a:cxn ang="0">
-                <a:pos x="connsiteX6" y="connsiteY6"/>
-              </a:cxn>
-              <a:cxn ang="0">
-                <a:pos x="connsiteX7" y="connsiteY7"/>
-              </a:cxn>
-              <a:cxn ang="0">
-                <a:pos x="connsiteX8" y="connsiteY8"/>
-              </a:cxn>
-            </a:cxnLst>
-            <a:rect l="l" t="t" r="r" b="b"/>
-            <a:pathLst>
-              <a:path w="2858025" h="1210692">
-                <a:moveTo>
-                  <a:pt x="1581291" y="8826"/>
-                </a:moveTo>
-                <a:cubicBezTo>
-                  <a:pt x="1320211" y="-19359"/>
-                  <a:pt x="1027358" y="21606"/>
-                  <a:pt x="801137" y="108293"/>
-                </a:cubicBezTo>
-                <a:cubicBezTo>
-                  <a:pt x="499509" y="223875"/>
-                  <a:pt x="76968" y="617059"/>
-                  <a:pt x="18370" y="754421"/>
-                </a:cubicBezTo>
-                <a:cubicBezTo>
-                  <a:pt x="-40228" y="891782"/>
-                  <a:pt x="25491" y="874045"/>
-                  <a:pt x="449552" y="932464"/>
-                </a:cubicBezTo>
-                <a:lnTo>
-                  <a:pt x="837825" y="984075"/>
-                </a:lnTo>
-                <a:cubicBezTo>
-                  <a:pt x="1511213" y="1057487"/>
-                  <a:pt x="2866061" y="1247790"/>
-                  <a:pt x="2857990" y="1204311"/>
-                </a:cubicBezTo>
-                <a:cubicBezTo>
-                  <a:pt x="2831541" y="1079608"/>
-                  <a:pt x="2776287" y="926648"/>
-                  <a:pt x="2632851" y="723381"/>
-                </a:cubicBezTo>
-                <a:cubicBezTo>
-                  <a:pt x="2463226" y="526022"/>
-                  <a:pt x="2133422" y="163442"/>
-                  <a:pt x="1828135" y="60927"/>
-                </a:cubicBezTo>
-                <a:cubicBezTo>
-                  <a:pt x="1751813" y="35298"/>
-                  <a:pt x="1668317" y="18220"/>
-                  <a:pt x="1581291" y="8826"/>
-                </a:cubicBezTo>
-                <a:close/>
-              </a:path>
-            </a:pathLst>
-          </a:custGeom>
-          <a:solidFill>
-            <a:schemeClr val="accent5">
-              <a:lumMod val="40000"/>
-              <a:lumOff val="60000"/>
-            </a:schemeClr>
-          </a:solidFill>
-          <a:ln>
-            <a:noFill/>
-          </a:ln>
-        </p:spPr>
-        <p:style>
-          <a:lnRef idx="2">
-            <a:schemeClr val="accent1">
-              <a:shade val="15000"/>
-            </a:schemeClr>
-          </a:lnRef>
-          <a:fillRef idx="1">
-            <a:schemeClr val="accent1"/>
-          </a:fillRef>
-          <a:effectRef idx="0">
-            <a:schemeClr val="accent1"/>
-          </a:effectRef>
-          <a:fontRef idx="minor">
-            <a:schemeClr val="lt1"/>
-          </a:fontRef>
-        </p:style>
-        <p:txBody>
-          <a:bodyPr wrap="square" rtlCol="0" anchor="ctr">
-            <a:noAutofit/>
-          </a:bodyPr>
-          <a:lstStyle/>
-          <a:p>
-            <a:pPr algn="ctr"/>
-            <a:endParaRPr lang="en-US"/>
-          </a:p>
-        </p:txBody>
-      </p:sp>
-      <p:sp>
-        <p:nvSpPr>
-          <p:cNvPr id="7" name="TextBox 6">
-            <a:extLst>
-              <a:ext uri="{FF2B5EF4-FFF2-40B4-BE49-F238E27FC236}">
-                <a16:creationId xmlns:a16="http://schemas.microsoft.com/office/drawing/2014/main" id="{975B7B23-67ED-1879-4A20-0415BAABB5C8}"/>
-              </a:ext>
-            </a:extLst>
-          </p:cNvPr>
-          <p:cNvSpPr txBox="1"/>
-          <p:nvPr/>
-        </p:nvSpPr>
-        <p:spPr>
-          <a:xfrm>
-            <a:off x="-2866030" y="118123"/>
-            <a:ext cx="4735773" cy="1077218"/>
+            <a:off x="545590" y="293698"/>
+            <a:ext cx="8525258" cy="584775"/>
           </a:xfrm>
           <a:prstGeom prst="rect">
             <a:avLst/>
@@ -5572,7 +6418,7 @@
           <p:cNvPr id="12" name="Table 13">
             <a:extLst>
               <a:ext uri="{FF2B5EF4-FFF2-40B4-BE49-F238E27FC236}">
-                <a16:creationId xmlns:a16="http://schemas.microsoft.com/office/drawing/2014/main" id="{12FE5887-530A-F4F6-6317-A7E6924BDF09}"/>
+                <a16:creationId xmlns:a16="http://schemas.microsoft.com/office/drawing/2014/main" id="{E3C91C9E-6850-2056-8CD8-AE9F31B555F0}"/>
               </a:ext>
             </a:extLst>
           </p:cNvPr>
@@ -5582,14 +6428,14 @@
           <p:nvPr>
             <p:extLst>
               <p:ext uri="{D42A27DB-BD31-4B8C-83A1-F6EECF244321}">
-                <p14:modId xmlns:p14="http://schemas.microsoft.com/office/powerpoint/2010/main" val="2134665734"/>
+                <p14:modId xmlns:p14="http://schemas.microsoft.com/office/powerpoint/2010/main" val="3096700417"/>
               </p:ext>
             </p:extLst>
           </p:nvPr>
         </p:nvGraphicFramePr>
         <p:xfrm>
-          <a:off x="-2736471" y="1058540"/>
-          <a:ext cx="3670854" cy="2171700"/>
+          <a:off x="676656" y="1172170"/>
+          <a:ext cx="4663440" cy="2361320"/>
         </p:xfrm>
         <a:graphic>
           <a:graphicData uri="http://schemas.openxmlformats.org/drawingml/2006/table">
@@ -5598,14 +6444,14 @@
                 <a:tableStyleId>{5C22544A-7EE6-4342-B048-85BDC9FD1C3A}</a:tableStyleId>
               </a:tblPr>
               <a:tblGrid>
-                <a:gridCol w="1822071">
+                <a:gridCol w="2314754">
                   <a:extLst>
                     <a:ext uri="{9D8B030D-6E8A-4147-A177-3AD203B41FA5}">
                       <a16:colId xmlns:a16="http://schemas.microsoft.com/office/drawing/2014/main" val="1274321506"/>
                     </a:ext>
                   </a:extLst>
                 </a:gridCol>
-                <a:gridCol w="1848783">
+                <a:gridCol w="2348686">
                   <a:extLst>
                     <a:ext uri="{9D8B030D-6E8A-4147-A177-3AD203B41FA5}">
                       <a16:colId xmlns:a16="http://schemas.microsoft.com/office/drawing/2014/main" val="3516604341"/>
@@ -5613,7 +6459,7 @@
                   </a:extLst>
                 </a:gridCol>
               </a:tblGrid>
-              <a:tr h="213506">
+              <a:tr h="669730">
                 <a:tc>
                   <a:txBody>
                     <a:bodyPr/>
@@ -5660,7 +6506,7 @@
                   </a:ext>
                 </a:extLst>
               </a:tr>
-              <a:tr h="213506">
+              <a:tr h="338318">
                 <a:tc>
                   <a:txBody>
                     <a:bodyPr/>
@@ -5688,7 +6534,7 @@
                     <a:p>
                       <a:pPr algn="r" fontAlgn="b"/>
                       <a:r>
-                        <a:rPr lang="en-US" sz="2000" b="0" i="0" u="none" strike="noStrike">
+                        <a:rPr lang="en-US" sz="2000" b="0" i="0" u="none" strike="noStrike" dirty="0">
                           <a:solidFill>
                             <a:srgbClr val="000000"/>
                           </a:solidFill>
@@ -5707,7 +6553,7 @@
                   </a:ext>
                 </a:extLst>
               </a:tr>
-              <a:tr h="213506">
+              <a:tr h="338318">
                 <a:tc>
                   <a:txBody>
                     <a:bodyPr/>
@@ -5735,7 +6581,7 @@
                     <a:p>
                       <a:pPr algn="r" fontAlgn="b"/>
                       <a:r>
-                        <a:rPr lang="en-US" sz="2000" b="0" i="0" u="none" strike="noStrike">
+                        <a:rPr lang="en-US" sz="2000" b="0" i="0" u="none" strike="noStrike" dirty="0">
                           <a:solidFill>
                             <a:srgbClr val="000000"/>
                           </a:solidFill>
@@ -5754,7 +6600,7 @@
                   </a:ext>
                 </a:extLst>
               </a:tr>
-              <a:tr h="213506">
+              <a:tr h="338318">
                 <a:tc>
                   <a:txBody>
                     <a:bodyPr/>
@@ -5801,7 +6647,7 @@
                   </a:ext>
                 </a:extLst>
               </a:tr>
-              <a:tr h="213506">
+              <a:tr h="338318">
                 <a:tc>
                   <a:txBody>
                     <a:bodyPr/>
@@ -5809,7 +6655,7 @@
                     <a:p>
                       <a:pPr algn="l" fontAlgn="b"/>
                       <a:r>
-                        <a:rPr lang="en-US" sz="2000" b="0" i="0" u="none" strike="noStrike">
+                        <a:rPr lang="en-US" sz="2000" b="0" i="0" u="none" strike="noStrike" dirty="0">
                           <a:solidFill>
                             <a:srgbClr val="000000"/>
                           </a:solidFill>
@@ -5848,7 +6694,7 @@
                   </a:ext>
                 </a:extLst>
               </a:tr>
-              <a:tr h="213506">
+              <a:tr h="338318">
                 <a:tc>
                   <a:txBody>
                     <a:bodyPr/>
@@ -5901,10 +6747,10 @@
       </p:graphicFrame>
       <p:sp>
         <p:nvSpPr>
-          <p:cNvPr id="21" name="TextBox 20">
-            <a:extLst>
-              <a:ext uri="{FF2B5EF4-FFF2-40B4-BE49-F238E27FC236}">
-                <a16:creationId xmlns:a16="http://schemas.microsoft.com/office/drawing/2014/main" id="{08C0F89F-7454-E20F-88A9-D19F09C44F38}"/>
+          <p:cNvPr id="14" name="TextBox 13">
+            <a:extLst>
+              <a:ext uri="{FF2B5EF4-FFF2-40B4-BE49-F238E27FC236}">
+                <a16:creationId xmlns:a16="http://schemas.microsoft.com/office/drawing/2014/main" id="{FFB383AA-04D4-13D3-F691-FB4FFFF2CE72}"/>
               </a:ext>
             </a:extLst>
           </p:cNvPr>
@@ -5913,8 +6759,8 @@
         </p:nvSpPr>
         <p:spPr>
           <a:xfrm>
-            <a:off x="-2866030" y="3172067"/>
-            <a:ext cx="4810444" cy="1569660"/>
+            <a:off x="545590" y="3571284"/>
+            <a:ext cx="8159498" cy="1077218"/>
           </a:xfrm>
           <a:prstGeom prst="rect">
             <a:avLst/>
@@ -5922,7 +6768,7 @@
           <a:noFill/>
         </p:spPr>
         <p:txBody>
-          <a:bodyPr wrap="square" rtlCol="0">
+          <a:bodyPr wrap="square">
             <a:spAutoFit/>
           </a:bodyPr>
           <a:lstStyle/>
@@ -5940,10 +6786,10 @@
       </p:sp>
       <p:graphicFrame>
         <p:nvGraphicFramePr>
-          <p:cNvPr id="23" name="Table 23">
-            <a:extLst>
-              <a:ext uri="{FF2B5EF4-FFF2-40B4-BE49-F238E27FC236}">
-                <a16:creationId xmlns:a16="http://schemas.microsoft.com/office/drawing/2014/main" id="{99BA3AAD-B9F0-8FDE-094B-C0995C3E2774}"/>
+          <p:cNvPr id="18" name="Table 13">
+            <a:extLst>
+              <a:ext uri="{FF2B5EF4-FFF2-40B4-BE49-F238E27FC236}">
+                <a16:creationId xmlns:a16="http://schemas.microsoft.com/office/drawing/2014/main" id="{9E33A26F-511D-1E3B-7EA0-7F7E43A9B5B1}"/>
               </a:ext>
             </a:extLst>
           </p:cNvPr>
@@ -5953,14 +6799,14 @@
           <p:nvPr>
             <p:extLst>
               <p:ext uri="{D42A27DB-BD31-4B8C-83A1-F6EECF244321}">
-                <p14:modId xmlns:p14="http://schemas.microsoft.com/office/powerpoint/2010/main" val="4176607609"/>
+                <p14:modId xmlns:p14="http://schemas.microsoft.com/office/powerpoint/2010/main" val="176540450"/>
               </p:ext>
             </p:extLst>
           </p:nvPr>
         </p:nvGraphicFramePr>
         <p:xfrm>
-          <a:off x="-2793999" y="4577080"/>
-          <a:ext cx="3728382" cy="2225040"/>
+          <a:off x="4773168" y="4151374"/>
+          <a:ext cx="5175504" cy="2476500"/>
         </p:xfrm>
         <a:graphic>
           <a:graphicData uri="http://schemas.openxmlformats.org/drawingml/2006/table">
@@ -5969,22 +6815,22 @@
                 <a:tableStyleId>{5C22544A-7EE6-4342-B048-85BDC9FD1C3A}</a:tableStyleId>
               </a:tblPr>
               <a:tblGrid>
-                <a:gridCol w="1864191">
+                <a:gridCol w="2568924">
                   <a:extLst>
                     <a:ext uri="{9D8B030D-6E8A-4147-A177-3AD203B41FA5}">
-                      <a16:colId xmlns:a16="http://schemas.microsoft.com/office/drawing/2014/main" val="650438248"/>
+                      <a16:colId xmlns:a16="http://schemas.microsoft.com/office/drawing/2014/main" val="1274321506"/>
                     </a:ext>
                   </a:extLst>
                 </a:gridCol>
-                <a:gridCol w="1864191">
+                <a:gridCol w="2606580">
                   <a:extLst>
                     <a:ext uri="{9D8B030D-6E8A-4147-A177-3AD203B41FA5}">
-                      <a16:colId xmlns:a16="http://schemas.microsoft.com/office/drawing/2014/main" val="1853684419"/>
+                      <a16:colId xmlns:a16="http://schemas.microsoft.com/office/drawing/2014/main" val="3516604341"/>
                     </a:ext>
                   </a:extLst>
                 </a:gridCol>
               </a:tblGrid>
-              <a:tr h="370840">
+              <a:tr h="584828">
                 <a:tc>
                   <a:txBody>
                     <a:bodyPr/>
@@ -5992,14 +6838,14 @@
                     <a:p>
                       <a:pPr algn="l" fontAlgn="b"/>
                       <a:r>
-                        <a:rPr lang="en-US" sz="1800" b="1" i="0" u="none" strike="noStrike" dirty="0">
+                        <a:rPr lang="en-US" sz="2000" b="1" i="0" u="none" strike="noStrike" dirty="0">
                           <a:solidFill>
                             <a:srgbClr val="000000"/>
                           </a:solidFill>
                           <a:effectLst/>
                           <a:latin typeface="Arial" panose="020B0604020202020204" pitchFamily="34" charset="0"/>
                         </a:rPr>
-                        <a:t>Cause of Death</a:t>
+                        <a:t>Row Labels</a:t>
                       </a:r>
                     </a:p>
                   </a:txBody>
@@ -6012,14 +6858,14 @@
                     <a:p>
                       <a:pPr algn="l" fontAlgn="b"/>
                       <a:r>
-                        <a:rPr lang="en-US" sz="1800" b="1" i="0" u="none" strike="noStrike" dirty="0">
+                        <a:rPr lang="en-US" sz="2000" b="1" i="0" u="none" strike="noStrike">
                           <a:solidFill>
                             <a:srgbClr val="000000"/>
                           </a:solidFill>
                           <a:effectLst/>
                           <a:latin typeface="Arial" panose="020B0604020202020204" pitchFamily="34" charset="0"/>
                         </a:rPr>
-                        <a:t>Count of COD</a:t>
+                        <a:t>Count of Modified Cause of Death/Burial</a:t>
                       </a:r>
                     </a:p>
                   </a:txBody>
@@ -6027,11 +6873,11 @@
                 </a:tc>
                 <a:extLst>
                   <a:ext uri="{0D108BD9-81ED-4DB2-BD59-A6C34878D82A}">
-                    <a16:rowId xmlns:a16="http://schemas.microsoft.com/office/drawing/2014/main" val="2436578264"/>
+                    <a16:rowId xmlns:a16="http://schemas.microsoft.com/office/drawing/2014/main" val="119595272"/>
                   </a:ext>
                 </a:extLst>
               </a:tr>
-              <a:tr h="370840">
+              <a:tr h="295429">
                 <a:tc>
                   <a:txBody>
                     <a:bodyPr/>
@@ -6039,54 +6885,7 @@
                     <a:p>
                       <a:pPr algn="l" fontAlgn="b"/>
                       <a:r>
-                        <a:rPr lang="en-US" sz="1800" b="0" i="0" u="none" strike="noStrike" dirty="0">
-                          <a:solidFill>
-                            <a:srgbClr val="000000"/>
-                          </a:solidFill>
-                          <a:effectLst/>
-                          <a:latin typeface="Arial" panose="020B0604020202020204" pitchFamily="34" charset="0"/>
-                        </a:rPr>
-                        <a:t>Unknown</a:t>
-                      </a:r>
-                    </a:p>
-                  </a:txBody>
-                  <a:tcPr marL="6350" marR="6350" marT="6350" marB="0" anchor="b"/>
-                </a:tc>
-                <a:tc>
-                  <a:txBody>
-                    <a:bodyPr/>
-                    <a:lstStyle/>
-                    <a:p>
-                      <a:pPr algn="r" fontAlgn="b"/>
-                      <a:r>
-                        <a:rPr lang="en-US" sz="1800" b="0" i="0" u="none" strike="noStrike" dirty="0">
-                          <a:solidFill>
-                            <a:srgbClr val="000000"/>
-                          </a:solidFill>
-                          <a:effectLst/>
-                          <a:latin typeface="Arial" panose="020B0604020202020204" pitchFamily="34" charset="0"/>
-                        </a:rPr>
-                        <a:t>2219</a:t>
-                      </a:r>
-                    </a:p>
-                  </a:txBody>
-                  <a:tcPr marL="6350" marR="6350" marT="6350" marB="0" anchor="b"/>
-                </a:tc>
-                <a:extLst>
-                  <a:ext uri="{0D108BD9-81ED-4DB2-BD59-A6C34878D82A}">
-                    <a16:rowId xmlns:a16="http://schemas.microsoft.com/office/drawing/2014/main" val="4143948892"/>
-                  </a:ext>
-                </a:extLst>
-              </a:tr>
-              <a:tr h="370840">
-                <a:tc>
-                  <a:txBody>
-                    <a:bodyPr/>
-                    <a:lstStyle/>
-                    <a:p>
-                      <a:pPr algn="l" fontAlgn="b"/>
-                      <a:r>
-                        <a:rPr lang="en-US" sz="1800" b="0" i="0" u="none" strike="noStrike" dirty="0">
+                        <a:rPr lang="en-US" sz="2000" b="0" i="0" u="none" strike="noStrike">
                           <a:solidFill>
                             <a:srgbClr val="000000"/>
                           </a:solidFill>
@@ -6106,7 +6905,7 @@
                     <a:p>
                       <a:pPr algn="r" fontAlgn="b"/>
                       <a:r>
-                        <a:rPr lang="en-US" sz="1800" b="0" i="0" u="none" strike="noStrike" dirty="0">
+                        <a:rPr lang="en-US" sz="2000" b="0" i="0" u="none" strike="noStrike">
                           <a:solidFill>
                             <a:srgbClr val="000000"/>
                           </a:solidFill>
@@ -6121,11 +6920,11 @@
                 </a:tc>
                 <a:extLst>
                   <a:ext uri="{0D108BD9-81ED-4DB2-BD59-A6C34878D82A}">
-                    <a16:rowId xmlns:a16="http://schemas.microsoft.com/office/drawing/2014/main" val="2582150608"/>
+                    <a16:rowId xmlns:a16="http://schemas.microsoft.com/office/drawing/2014/main" val="680219068"/>
                   </a:ext>
                 </a:extLst>
               </a:tr>
-              <a:tr h="370840">
+              <a:tr h="295429">
                 <a:tc>
                   <a:txBody>
                     <a:bodyPr/>
@@ -6133,7 +6932,7 @@
                     <a:p>
                       <a:pPr algn="l" fontAlgn="b"/>
                       <a:r>
-                        <a:rPr lang="en-US" sz="1800" b="0" i="0" u="none" strike="noStrike">
+                        <a:rPr lang="en-US" sz="2000" b="0" i="0" u="none" strike="noStrike">
                           <a:solidFill>
                             <a:srgbClr val="000000"/>
                           </a:solidFill>
@@ -6153,7 +6952,7 @@
                     <a:p>
                       <a:pPr algn="r" fontAlgn="b"/>
                       <a:r>
-                        <a:rPr lang="en-US" sz="1800" b="0" i="0" u="none" strike="noStrike" dirty="0">
+                        <a:rPr lang="en-US" sz="2000" b="0" i="0" u="none" strike="noStrike">
                           <a:solidFill>
                             <a:srgbClr val="000000"/>
                           </a:solidFill>
@@ -6168,11 +6967,11 @@
                 </a:tc>
                 <a:extLst>
                   <a:ext uri="{0D108BD9-81ED-4DB2-BD59-A6C34878D82A}">
-                    <a16:rowId xmlns:a16="http://schemas.microsoft.com/office/drawing/2014/main" val="2141645699"/>
+                    <a16:rowId xmlns:a16="http://schemas.microsoft.com/office/drawing/2014/main" val="577594611"/>
                   </a:ext>
                 </a:extLst>
               </a:tr>
-              <a:tr h="370840">
+              <a:tr h="295429">
                 <a:tc>
                   <a:txBody>
                     <a:bodyPr/>
@@ -6180,7 +6979,7 @@
                     <a:p>
                       <a:pPr algn="l" fontAlgn="b"/>
                       <a:r>
-                        <a:rPr lang="en-US" sz="1800" b="0" i="0" u="none" strike="noStrike">
+                        <a:rPr lang="en-US" sz="2000" b="0" i="0" u="none" strike="noStrike">
                           <a:solidFill>
                             <a:srgbClr val="000000"/>
                           </a:solidFill>
@@ -6200,7 +6999,7 @@
                     <a:p>
                       <a:pPr algn="r" fontAlgn="b"/>
                       <a:r>
-                        <a:rPr lang="en-US" sz="1800" b="0" i="0" u="none" strike="noStrike" dirty="0">
+                        <a:rPr lang="en-US" sz="2000" b="0" i="0" u="none" strike="noStrike">
                           <a:solidFill>
                             <a:srgbClr val="000000"/>
                           </a:solidFill>
@@ -6215,11 +7014,11 @@
                 </a:tc>
                 <a:extLst>
                   <a:ext uri="{0D108BD9-81ED-4DB2-BD59-A6C34878D82A}">
-                    <a16:rowId xmlns:a16="http://schemas.microsoft.com/office/drawing/2014/main" val="28160105"/>
+                    <a16:rowId xmlns:a16="http://schemas.microsoft.com/office/drawing/2014/main" val="3902629029"/>
                   </a:ext>
                 </a:extLst>
               </a:tr>
-              <a:tr h="370840">
+              <a:tr h="295429">
                 <a:tc>
                   <a:txBody>
                     <a:bodyPr/>
@@ -6227,14 +7026,14 @@
                     <a:p>
                       <a:pPr algn="l" fontAlgn="b"/>
                       <a:r>
-                        <a:rPr lang="en-US" sz="1800" b="0" i="0" u="none" strike="noStrike">
+                        <a:rPr lang="en-US" sz="2000" b="0" i="0" u="none" strike="noStrike">
                           <a:solidFill>
                             <a:srgbClr val="000000"/>
                           </a:solidFill>
                           <a:effectLst/>
                           <a:latin typeface="Arial" panose="020B0604020202020204" pitchFamily="34" charset="0"/>
                         </a:rPr>
-                        <a:t>Complication</a:t>
+                        <a:t>Old Age</a:t>
                       </a:r>
                     </a:p>
                   </a:txBody>
@@ -6247,14 +7046,14 @@
                     <a:p>
                       <a:pPr algn="r" fontAlgn="b"/>
                       <a:r>
-                        <a:rPr lang="en-US" sz="1800" b="0" i="0" u="none" strike="noStrike" dirty="0">
+                        <a:rPr lang="en-US" sz="2000" b="0" i="0" u="none" strike="noStrike">
                           <a:solidFill>
                             <a:srgbClr val="000000"/>
                           </a:solidFill>
                           <a:effectLst/>
                           <a:latin typeface="Arial" panose="020B0604020202020204" pitchFamily="34" charset="0"/>
                         </a:rPr>
-                        <a:t>750</a:t>
+                        <a:t>610</a:t>
                       </a:r>
                     </a:p>
                   </a:txBody>
@@ -6262,7 +7061,54 @@
                 </a:tc>
                 <a:extLst>
                   <a:ext uri="{0D108BD9-81ED-4DB2-BD59-A6C34878D82A}">
-                    <a16:rowId xmlns:a16="http://schemas.microsoft.com/office/drawing/2014/main" val="1643138436"/>
+                    <a16:rowId xmlns:a16="http://schemas.microsoft.com/office/drawing/2014/main" val="1665550716"/>
+                  </a:ext>
+                </a:extLst>
+              </a:tr>
+              <a:tr h="295429">
+                <a:tc>
+                  <a:txBody>
+                    <a:bodyPr/>
+                    <a:lstStyle/>
+                    <a:p>
+                      <a:pPr algn="l" fontAlgn="b"/>
+                      <a:r>
+                        <a:rPr lang="en-US" sz="2000" b="0" i="0" u="none" strike="noStrike">
+                          <a:solidFill>
+                            <a:srgbClr val="000000"/>
+                          </a:solidFill>
+                          <a:effectLst/>
+                          <a:latin typeface="Arial" panose="020B0604020202020204" pitchFamily="34" charset="0"/>
+                        </a:rPr>
+                        <a:t>Pneumonia</a:t>
+                      </a:r>
+                    </a:p>
+                  </a:txBody>
+                  <a:tcPr marL="6350" marR="6350" marT="6350" marB="0" anchor="b"/>
+                </a:tc>
+                <a:tc>
+                  <a:txBody>
+                    <a:bodyPr/>
+                    <a:lstStyle/>
+                    <a:p>
+                      <a:pPr algn="r" fontAlgn="b"/>
+                      <a:r>
+                        <a:rPr lang="en-US" sz="2000" b="0" i="0" u="none" strike="noStrike" dirty="0">
+                          <a:solidFill>
+                            <a:srgbClr val="000000"/>
+                          </a:solidFill>
+                          <a:effectLst/>
+                          <a:latin typeface="Arial" panose="020B0604020202020204" pitchFamily="34" charset="0"/>
+                        </a:rPr>
+                        <a:t>555</a:t>
+                      </a:r>
+                    </a:p>
+                  </a:txBody>
+                  <a:tcPr marL="6350" marR="6350" marT="6350" marB="0" anchor="b"/>
+                </a:tc>
+                <a:extLst>
+                  <a:ext uri="{0D108BD9-81ED-4DB2-BD59-A6C34878D82A}">
+                    <a16:rowId xmlns:a16="http://schemas.microsoft.com/office/drawing/2014/main" val="2956965609"/>
                   </a:ext>
                 </a:extLst>
               </a:tr>
@@ -6273,105 +7119,13 @@
     </p:spTree>
     <p:extLst>
       <p:ext uri="{BB962C8B-B14F-4D97-AF65-F5344CB8AC3E}">
-        <p14:creationId xmlns:p14="http://schemas.microsoft.com/office/powerpoint/2010/main" val="4260614208"/>
+        <p14:creationId xmlns:p14="http://schemas.microsoft.com/office/powerpoint/2010/main" val="2585159792"/>
       </p:ext>
     </p:extLst>
   </p:cSld>
   <p:clrMapOvr>
-    <a:masterClrMapping/>
+    <a:overrideClrMapping bg1="lt1" tx1="dk1" bg2="lt2" tx2="dk2" accent1="accent1" accent2="accent2" accent3="accent3" accent4="accent4" accent5="accent5" accent6="accent6" hlink="hlink" folHlink="folHlink"/>
   </p:clrMapOvr>
-  <p:timing>
-    <p:tnLst>
-      <p:par>
-        <p:cTn id="1" dur="indefinite" restart="never" nodeType="tmRoot">
-          <p:childTnLst>
-            <p:seq concurrent="1" nextAc="seek">
-              <p:cTn id="2" dur="indefinite" nodeType="mainSeq">
-                <p:childTnLst>
-                  <p:par>
-                    <p:cTn id="3" fill="hold">
-                      <p:stCondLst>
-                        <p:cond delay="indefinite"/>
-                        <p:cond evt="onBegin" delay="0">
-                          <p:tn val="2"/>
-                        </p:cond>
-                      </p:stCondLst>
-                      <p:childTnLst>
-                        <p:par>
-                          <p:cTn id="4" fill="hold">
-                            <p:stCondLst>
-                              <p:cond delay="0"/>
-                            </p:stCondLst>
-                            <p:childTnLst>
-                              <p:par>
-                                <p:cTn id="5" presetID="10" presetClass="entr" presetSubtype="0" fill="hold" grpId="0" nodeType="withEffect">
-                                  <p:stCondLst>
-                                    <p:cond delay="1000"/>
-                                  </p:stCondLst>
-                                  <p:iterate type="lt">
-                                    <p:tmPct val="10000"/>
-                                  </p:iterate>
-                                  <p:childTnLst>
-                                    <p:set>
-                                      <p:cBhvr>
-                                        <p:cTn id="6" dur="1" fill="hold">
-                                          <p:stCondLst>
-                                            <p:cond delay="0"/>
-                                          </p:stCondLst>
-                                        </p:cTn>
-                                        <p:tgtEl>
-                                          <p:spTgt spid="2"/>
-                                        </p:tgtEl>
-                                        <p:attrNameLst>
-                                          <p:attrName>style.visibility</p:attrName>
-                                        </p:attrNameLst>
-                                      </p:cBhvr>
-                                      <p:to>
-                                        <p:strVal val="visible"/>
-                                      </p:to>
-                                    </p:set>
-                                    <p:animEffect transition="in" filter="fade">
-                                      <p:cBhvr>
-                                        <p:cTn id="7" dur="400"/>
-                                        <p:tgtEl>
-                                          <p:spTgt spid="2"/>
-                                        </p:tgtEl>
-                                      </p:cBhvr>
-                                    </p:animEffect>
-                                  </p:childTnLst>
-                                </p:cTn>
-                              </p:par>
-                            </p:childTnLst>
-                          </p:cTn>
-                        </p:par>
-                      </p:childTnLst>
-                    </p:cTn>
-                  </p:par>
-                </p:childTnLst>
-              </p:cTn>
-              <p:prevCondLst>
-                <p:cond evt="onPrev" delay="0">
-                  <p:tgtEl>
-                    <p:sldTgt/>
-                  </p:tgtEl>
-                </p:cond>
-              </p:prevCondLst>
-              <p:nextCondLst>
-                <p:cond evt="onNext" delay="0">
-                  <p:tgtEl>
-                    <p:sldTgt/>
-                  </p:tgtEl>
-                </p:cond>
-              </p:nextCondLst>
-            </p:seq>
-          </p:childTnLst>
-        </p:cTn>
-      </p:par>
-    </p:tnLst>
-    <p:bldLst>
-      <p:bldP spid="2" grpId="0"/>
-    </p:bldLst>
-  </p:timing>
 </p:sld>
 </file>
 
@@ -6473,7 +7227,7 @@
           <a:p>
             <a:fld id="{579F6069-8263-4296-913A-BC2234E8D32B}" type="datetime1">
               <a:rPr lang="en-US" smtClean="0"/>
-              <a:t>9/23/2023</a:t>
+              <a:t>9/26/2023</a:t>
             </a:fld>
             <a:endParaRPr lang="en-US"/>
           </a:p>
@@ -6558,7 +7312,7 @@
         </p:blipFill>
         <p:spPr>
           <a:xfrm>
-            <a:off x="0" y="1"/>
+            <a:off x="62990" y="1"/>
             <a:ext cx="12192000" cy="6857999"/>
           </a:xfrm>
           <a:prstGeom prst="rect">
@@ -6566,10 +7320,346 @@
           </a:prstGeom>
         </p:spPr>
       </p:pic>
+      <p:graphicFrame>
+        <p:nvGraphicFramePr>
+          <p:cNvPr id="8" name="Chart 7">
+            <a:extLst>
+              <a:ext uri="{FF2B5EF4-FFF2-40B4-BE49-F238E27FC236}">
+                <a16:creationId xmlns:a16="http://schemas.microsoft.com/office/drawing/2014/main" id="{73653B28-9ED8-2F1F-8ED8-A563DA28AFB5}"/>
+              </a:ext>
+            </a:extLst>
+          </p:cNvPr>
+          <p:cNvGraphicFramePr>
+            <a:graphicFrameLocks/>
+          </p:cNvGraphicFramePr>
+          <p:nvPr/>
+        </p:nvGraphicFramePr>
+        <p:xfrm>
+          <a:off x="1933445" y="1773394"/>
+          <a:ext cx="8102600" cy="4663735"/>
+        </p:xfrm>
+        <a:graphic>
+          <a:graphicData uri="http://schemas.openxmlformats.org/drawingml/2006/chart">
+            <c:chart xmlns:c="http://schemas.openxmlformats.org/drawingml/2006/chart" xmlns:r="http://schemas.openxmlformats.org/officeDocument/2006/relationships" r:id="rId4"/>
+          </a:graphicData>
+        </a:graphic>
+      </p:graphicFrame>
+      <p:sp>
+        <p:nvSpPr>
+          <p:cNvPr id="9" name="TextBox 8">
+            <a:extLst>
+              <a:ext uri="{FF2B5EF4-FFF2-40B4-BE49-F238E27FC236}">
+                <a16:creationId xmlns:a16="http://schemas.microsoft.com/office/drawing/2014/main" id="{DB87A3CC-5C89-22E5-54CC-26B5AF7DE0D1}"/>
+              </a:ext>
+            </a:extLst>
+          </p:cNvPr>
+          <p:cNvSpPr txBox="1"/>
+          <p:nvPr/>
+        </p:nvSpPr>
+        <p:spPr>
+          <a:xfrm>
+            <a:off x="545590" y="293698"/>
+            <a:ext cx="6675120" cy="1569660"/>
+          </a:xfrm>
+          <a:prstGeom prst="rect">
+            <a:avLst/>
+          </a:prstGeom>
+          <a:noFill/>
+        </p:spPr>
+        <p:txBody>
+          <a:bodyPr wrap="square" rtlCol="0">
+            <a:spAutoFit/>
+          </a:bodyPr>
+          <a:lstStyle/>
+          <a:p>
+            <a:r>
+              <a:rPr lang="en-US" sz="3200" dirty="0">
+                <a:solidFill>
+                  <a:schemeClr val="bg1"/>
+                </a:solidFill>
+              </a:rPr>
+              <a:t>Many of our residents came from the Civil War and moved here at a young age. </a:t>
+            </a:r>
+          </a:p>
+        </p:txBody>
+      </p:sp>
     </p:spTree>
     <p:extLst>
       <p:ext uri="{BB962C8B-B14F-4D97-AF65-F5344CB8AC3E}">
-        <p14:creationId xmlns:p14="http://schemas.microsoft.com/office/powerpoint/2010/main" val="2585159792"/>
+        <p14:creationId xmlns:p14="http://schemas.microsoft.com/office/powerpoint/2010/main" val="969897595"/>
+      </p:ext>
+    </p:extLst>
+  </p:cSld>
+  <p:clrMapOvr>
+    <a:overrideClrMapping bg1="lt1" tx1="dk1" bg2="lt2" tx2="dk2" accent1="accent1" accent2="accent2" accent3="accent3" accent4="accent4" accent5="accent5" accent6="accent6" hlink="hlink" folHlink="folHlink"/>
+  </p:clrMapOvr>
+</p:sld>
+</file>
+
+<file path=ppt/slides/slide3.xml><?xml version="1.0" encoding="utf-8"?>
+<p:sld xmlns:a="http://schemas.openxmlformats.org/drawingml/2006/main" xmlns:r="http://schemas.openxmlformats.org/officeDocument/2006/relationships" xmlns:p="http://schemas.openxmlformats.org/presentationml/2006/main">
+  <p:cSld>
+    <p:bg>
+      <p:bgPr>
+        <a:solidFill>
+          <a:schemeClr val="bg1"/>
+        </a:solidFill>
+        <a:effectLst/>
+      </p:bgPr>
+    </p:bg>
+    <p:spTree>
+      <p:nvGrpSpPr>
+        <p:cNvPr id="1" name=""/>
+        <p:cNvGrpSpPr/>
+        <p:nvPr/>
+      </p:nvGrpSpPr>
+      <p:grpSpPr>
+        <a:xfrm>
+          <a:off x="0" y="0"/>
+          <a:ext cx="0" cy="0"/>
+          <a:chOff x="0" y="0"/>
+          <a:chExt cx="0" cy="0"/>
+        </a:xfrm>
+      </p:grpSpPr>
+      <p:sp>
+        <p:nvSpPr>
+          <p:cNvPr id="2" name="Title 1">
+            <a:extLst>
+              <a:ext uri="{FF2B5EF4-FFF2-40B4-BE49-F238E27FC236}">
+                <a16:creationId xmlns:a16="http://schemas.microsoft.com/office/drawing/2014/main" id="{06716356-5F33-70F6-7F12-9339519E4141}"/>
+              </a:ext>
+            </a:extLst>
+          </p:cNvPr>
+          <p:cNvSpPr>
+            <a:spLocks noGrp="1"/>
+          </p:cNvSpPr>
+          <p:nvPr>
+            <p:ph type="title"/>
+          </p:nvPr>
+        </p:nvSpPr>
+        <p:spPr/>
+        <p:txBody>
+          <a:bodyPr/>
+          <a:lstStyle/>
+          <a:p>
+            <a:endParaRPr lang="en-US"/>
+          </a:p>
+        </p:txBody>
+      </p:sp>
+      <p:sp>
+        <p:nvSpPr>
+          <p:cNvPr id="3" name="Content Placeholder 2">
+            <a:extLst>
+              <a:ext uri="{FF2B5EF4-FFF2-40B4-BE49-F238E27FC236}">
+                <a16:creationId xmlns:a16="http://schemas.microsoft.com/office/drawing/2014/main" id="{D7B3C03B-E2CA-99B9-51ED-662DF6FB1A86}"/>
+              </a:ext>
+            </a:extLst>
+          </p:cNvPr>
+          <p:cNvSpPr>
+            <a:spLocks noGrp="1"/>
+          </p:cNvSpPr>
+          <p:nvPr>
+            <p:ph idx="1"/>
+          </p:nvPr>
+        </p:nvSpPr>
+        <p:spPr/>
+        <p:txBody>
+          <a:bodyPr/>
+          <a:lstStyle/>
+          <a:p>
+            <a:endParaRPr lang="en-US"/>
+          </a:p>
+        </p:txBody>
+      </p:sp>
+      <p:sp>
+        <p:nvSpPr>
+          <p:cNvPr id="4" name="Date Placeholder 3">
+            <a:extLst>
+              <a:ext uri="{FF2B5EF4-FFF2-40B4-BE49-F238E27FC236}">
+                <a16:creationId xmlns:a16="http://schemas.microsoft.com/office/drawing/2014/main" id="{1A0637B6-4E32-2075-DE68-F8428C1D2A33}"/>
+              </a:ext>
+            </a:extLst>
+          </p:cNvPr>
+          <p:cNvSpPr>
+            <a:spLocks noGrp="1"/>
+          </p:cNvSpPr>
+          <p:nvPr>
+            <p:ph type="dt" sz="half" idx="10"/>
+          </p:nvPr>
+        </p:nvSpPr>
+        <p:spPr/>
+        <p:txBody>
+          <a:bodyPr/>
+          <a:lstStyle/>
+          <a:p>
+            <a:fld id="{579F6069-8263-4296-913A-BC2234E8D32B}" type="datetime1">
+              <a:rPr lang="en-US" smtClean="0"/>
+              <a:t>9/26/2023</a:t>
+            </a:fld>
+            <a:endParaRPr lang="en-US"/>
+          </a:p>
+        </p:txBody>
+      </p:sp>
+      <p:sp>
+        <p:nvSpPr>
+          <p:cNvPr id="5" name="Footer Placeholder 4">
+            <a:extLst>
+              <a:ext uri="{FF2B5EF4-FFF2-40B4-BE49-F238E27FC236}">
+                <a16:creationId xmlns:a16="http://schemas.microsoft.com/office/drawing/2014/main" id="{BB627B1D-ACE9-42D2-3192-D46BE346D255}"/>
+              </a:ext>
+            </a:extLst>
+          </p:cNvPr>
+          <p:cNvSpPr>
+            <a:spLocks noGrp="1"/>
+          </p:cNvSpPr>
+          <p:nvPr>
+            <p:ph type="ftr" sz="quarter" idx="11"/>
+          </p:nvPr>
+        </p:nvSpPr>
+        <p:spPr/>
+        <p:txBody>
+          <a:bodyPr/>
+          <a:lstStyle/>
+          <a:p>
+            <a:r>
+              <a:rPr lang="en-US"/>
+              <a:t>Sample Footer Text</a:t>
+            </a:r>
+          </a:p>
+        </p:txBody>
+      </p:sp>
+      <p:sp>
+        <p:nvSpPr>
+          <p:cNvPr id="6" name="Slide Number Placeholder 5">
+            <a:extLst>
+              <a:ext uri="{FF2B5EF4-FFF2-40B4-BE49-F238E27FC236}">
+                <a16:creationId xmlns:a16="http://schemas.microsoft.com/office/drawing/2014/main" id="{9174F9F2-0CEF-9429-980E-B0BD6A35B731}"/>
+              </a:ext>
+            </a:extLst>
+          </p:cNvPr>
+          <p:cNvSpPr>
+            <a:spLocks noGrp="1"/>
+          </p:cNvSpPr>
+          <p:nvPr>
+            <p:ph type="sldNum" sz="quarter" idx="12"/>
+          </p:nvPr>
+        </p:nvSpPr>
+        <p:spPr/>
+        <p:txBody>
+          <a:bodyPr/>
+          <a:lstStyle/>
+          <a:p>
+            <a:fld id="{C68AC1EC-23E2-4F0E-A5A4-674EC8DB954E}" type="slidenum">
+              <a:rPr lang="en-US" smtClean="0"/>
+              <a:t>3</a:t>
+            </a:fld>
+            <a:endParaRPr lang="en-US"/>
+          </a:p>
+        </p:txBody>
+      </p:sp>
+      <p:pic>
+        <p:nvPicPr>
+          <p:cNvPr id="7" name="Picture 6">
+            <a:extLst>
+              <a:ext uri="{FF2B5EF4-FFF2-40B4-BE49-F238E27FC236}">
+                <a16:creationId xmlns:a16="http://schemas.microsoft.com/office/drawing/2014/main" id="{E1061E07-AF63-4407-A9D5-FE25F89795E8}"/>
+              </a:ext>
+            </a:extLst>
+          </p:cNvPr>
+          <p:cNvPicPr>
+            <a:picLocks noChangeAspect="1"/>
+          </p:cNvPicPr>
+          <p:nvPr/>
+        </p:nvPicPr>
+        <p:blipFill>
+          <a:blip r:embed="rId3"/>
+          <a:stretch>
+            <a:fillRect/>
+          </a:stretch>
+        </p:blipFill>
+        <p:spPr>
+          <a:xfrm>
+            <a:off x="62990" y="1"/>
+            <a:ext cx="12192000" cy="6857999"/>
+          </a:xfrm>
+          <a:prstGeom prst="rect">
+            <a:avLst/>
+          </a:prstGeom>
+        </p:spPr>
+      </p:pic>
+      <p:sp>
+        <p:nvSpPr>
+          <p:cNvPr id="9" name="TextBox 8">
+            <a:extLst>
+              <a:ext uri="{FF2B5EF4-FFF2-40B4-BE49-F238E27FC236}">
+                <a16:creationId xmlns:a16="http://schemas.microsoft.com/office/drawing/2014/main" id="{DB87A3CC-5C89-22E5-54CC-26B5AF7DE0D1}"/>
+              </a:ext>
+            </a:extLst>
+          </p:cNvPr>
+          <p:cNvSpPr txBox="1"/>
+          <p:nvPr/>
+        </p:nvSpPr>
+        <p:spPr>
+          <a:xfrm>
+            <a:off x="545590" y="293698"/>
+            <a:ext cx="6675120" cy="1077218"/>
+          </a:xfrm>
+          <a:prstGeom prst="rect">
+            <a:avLst/>
+          </a:prstGeom>
+          <a:noFill/>
+        </p:spPr>
+        <p:txBody>
+          <a:bodyPr wrap="square" rtlCol="0">
+            <a:spAutoFit/>
+          </a:bodyPr>
+          <a:lstStyle/>
+          <a:p>
+            <a:r>
+              <a:rPr lang="en-US" sz="3200" dirty="0">
+                <a:solidFill>
+                  <a:schemeClr val="bg1"/>
+                </a:solidFill>
+              </a:rPr>
+              <a:t>But the most “Old age” residents came here then too </a:t>
+            </a:r>
+          </a:p>
+        </p:txBody>
+      </p:sp>
+      <p:graphicFrame>
+        <p:nvGraphicFramePr>
+          <p:cNvPr id="10" name="Chart 9">
+            <a:extLst>
+              <a:ext uri="{FF2B5EF4-FFF2-40B4-BE49-F238E27FC236}">
+                <a16:creationId xmlns:a16="http://schemas.microsoft.com/office/drawing/2014/main" id="{BB88E50F-B3B4-82F0-E803-B3459A45DB69}"/>
+              </a:ext>
+            </a:extLst>
+          </p:cNvPr>
+          <p:cNvGraphicFramePr>
+            <a:graphicFrameLocks/>
+          </p:cNvGraphicFramePr>
+          <p:nvPr>
+            <p:extLst>
+              <p:ext uri="{D42A27DB-BD31-4B8C-83A1-F6EECF244321}">
+                <p14:modId xmlns:p14="http://schemas.microsoft.com/office/powerpoint/2010/main" val="1977853183"/>
+              </p:ext>
+            </p:extLst>
+          </p:nvPr>
+        </p:nvGraphicFramePr>
+        <p:xfrm>
+          <a:off x="1993900" y="1863437"/>
+          <a:ext cx="7416800" cy="3813463"/>
+        </p:xfrm>
+        <a:graphic>
+          <a:graphicData uri="http://schemas.openxmlformats.org/drawingml/2006/chart">
+            <c:chart xmlns:c="http://schemas.openxmlformats.org/drawingml/2006/chart" xmlns:r="http://schemas.openxmlformats.org/officeDocument/2006/relationships" r:id="rId4"/>
+          </a:graphicData>
+        </a:graphic>
+      </p:graphicFrame>
+    </p:spTree>
+    <p:extLst>
+      <p:ext uri="{BB962C8B-B14F-4D97-AF65-F5344CB8AC3E}">
+        <p14:creationId xmlns:p14="http://schemas.microsoft.com/office/powerpoint/2010/main" val="3270905384"/>
       </p:ext>
     </p:extLst>
   </p:cSld>
@@ -6841,4 +7931,90 @@
     </a:folHlink>
   </a:clrScheme>
 </a:themeOverride>
+</file>
+
+<file path=ppt/theme/themeOverride2.xml><?xml version="1.0" encoding="utf-8"?>
+<a:themeOverride xmlns:a="http://schemas.openxmlformats.org/drawingml/2006/main">
+  <a:clrScheme name="AnalogousFromDarkSeedRightStep">
+    <a:dk1>
+      <a:srgbClr val="000000"/>
+    </a:dk1>
+    <a:lt1>
+      <a:srgbClr val="FFFFFF"/>
+    </a:lt1>
+    <a:dk2>
+      <a:srgbClr val="23243F"/>
+    </a:dk2>
+    <a:lt2>
+      <a:srgbClr val="E2E2E8"/>
+    </a:lt2>
+    <a:accent1>
+      <a:srgbClr val="A7A442"/>
+    </a:accent1>
+    <a:accent2>
+      <a:srgbClr val="80AD39"/>
+    </a:accent2>
+    <a:accent3>
+      <a:srgbClr val="5CB346"/>
+    </a:accent3>
+    <a:accent4>
+      <a:srgbClr val="3BB155"/>
+    </a:accent4>
+    <a:accent5>
+      <a:srgbClr val="46B28B"/>
+    </a:accent5>
+    <a:accent6>
+      <a:srgbClr val="3BABB1"/>
+    </a:accent6>
+    <a:hlink>
+      <a:srgbClr val="BF3F83"/>
+    </a:hlink>
+    <a:folHlink>
+      <a:srgbClr val="7F7F7F"/>
+    </a:folHlink>
+  </a:clrScheme>
+</a:themeOverride>
+</file>
+
+<file path=ppt/theme/themeOverride3.xml><?xml version="1.0" encoding="utf-8"?>
+<a:themeOverride xmlns:a="http://schemas.openxmlformats.org/drawingml/2006/main">
+  <a:clrScheme name="AnalogousFromDarkSeedRightStep">
+    <a:dk1>
+      <a:srgbClr val="000000"/>
+    </a:dk1>
+    <a:lt1>
+      <a:srgbClr val="FFFFFF"/>
+    </a:lt1>
+    <a:dk2>
+      <a:srgbClr val="23243F"/>
+    </a:dk2>
+    <a:lt2>
+      <a:srgbClr val="E2E2E8"/>
+    </a:lt2>
+    <a:accent1>
+      <a:srgbClr val="A7A442"/>
+    </a:accent1>
+    <a:accent2>
+      <a:srgbClr val="80AD39"/>
+    </a:accent2>
+    <a:accent3>
+      <a:srgbClr val="5CB346"/>
+    </a:accent3>
+    <a:accent4>
+      <a:srgbClr val="3BB155"/>
+    </a:accent4>
+    <a:accent5>
+      <a:srgbClr val="46B28B"/>
+    </a:accent5>
+    <a:accent6>
+      <a:srgbClr val="3BABB1"/>
+    </a:accent6>
+    <a:hlink>
+      <a:srgbClr val="BF3F83"/>
+    </a:hlink>
+    <a:folHlink>
+      <a:srgbClr val="7F7F7F"/>
+    </a:folHlink>
+  </a:clrScheme>
+</a:themeOverride>
 </file>